--- a/발표자료.pptx
+++ b/발표자료.pptx
@@ -1,24 +1,30 @@
 
 <file path=ppt/presentation.xml><?xml version="1.0" encoding="utf-8"?>
-<p:presentation xmlns:r="http://schemas.openxmlformats.org/officeDocument/2006/relationships" xmlns:c="http://schemas.openxmlformats.org/drawingml/2006/chart" xmlns:a="http://schemas.openxmlformats.org/drawingml/2006/main" xmlns:dgm="http://schemas.openxmlformats.org/drawingml/2006/diagram" xmlns:dsp="http://schemas.microsoft.com/office/drawing/2008/diagram" xmlns:p="http://schemas.openxmlformats.org/presentationml/2006/main">
+<p:presentation xmlns:a="http://schemas.openxmlformats.org/drawingml/2006/main" xmlns:r="http://schemas.openxmlformats.org/officeDocument/2006/relationships" xmlns:p="http://schemas.openxmlformats.org/presentationml/2006/main">
   <p:sldMasterIdLst>
     <p:sldMasterId id="2147483648" r:id="rId1"/>
   </p:sldMasterIdLst>
   <p:notesMasterIdLst>
-    <p:notesMasterId r:id="rId2"/>
+    <p:notesMasterId r:id="rId19"/>
   </p:notesMasterIdLst>
   <p:sldIdLst>
-    <p:sldId id="256" r:id="rId3"/>
-    <p:sldId id="270" r:id="rId4"/>
+    <p:sldId id="256" r:id="rId2"/>
+    <p:sldId id="270" r:id="rId3"/>
+    <p:sldId id="273" r:id="rId4"/>
     <p:sldId id="258" r:id="rId5"/>
-    <p:sldId id="271" r:id="rId6"/>
-    <p:sldId id="263" r:id="rId7"/>
-    <p:sldId id="267" r:id="rId8"/>
-    <p:sldId id="268" r:id="rId9"/>
-    <p:sldId id="264" r:id="rId10"/>
-    <p:sldId id="269" r:id="rId11"/>
-    <p:sldId id="265" r:id="rId12"/>
-    <p:sldId id="266" r:id="rId13"/>
+    <p:sldId id="263" r:id="rId6"/>
+    <p:sldId id="267" r:id="rId7"/>
+    <p:sldId id="268" r:id="rId8"/>
+    <p:sldId id="272" r:id="rId9"/>
+    <p:sldId id="274" r:id="rId10"/>
+    <p:sldId id="271" r:id="rId11"/>
+    <p:sldId id="277" r:id="rId12"/>
+    <p:sldId id="264" r:id="rId13"/>
+    <p:sldId id="276" r:id="rId14"/>
+    <p:sldId id="278" r:id="rId15"/>
+    <p:sldId id="279" r:id="rId16"/>
+    <p:sldId id="280" r:id="rId17"/>
+    <p:sldId id="281" r:id="rId18"/>
   </p:sldIdLst>
   <p:sldSz cx="12192000" cy="6858000"/>
   <p:notesSz cx="6858000" cy="9144000"/>
@@ -117,11 +123,27 @@
       </a:defRPr>
     </a:lvl9pPr>
   </p:defaultTextStyle>
+  <p:extLst>
+    <p:ext uri="{EFAFB233-063F-42B5-8137-9DF3F51BA10A}">
+      <p15:sldGuideLst xmlns:p15="http://schemas.microsoft.com/office/powerpoint/2012/main">
+        <p15:guide id="1" orient="horz" pos="2158">
+          <p15:clr>
+            <a:srgbClr val="A4A3A4"/>
+          </p15:clr>
+        </p15:guide>
+        <p15:guide id="2" pos="3838">
+          <p15:clr>
+            <a:srgbClr val="A4A3A4"/>
+          </p15:clr>
+        </p15:guide>
+      </p15:sldGuideLst>
+    </p:ext>
+  </p:extLst>
 </p:presentation>
 </file>
 
 <file path=ppt/notesMasters/notesMaster1.xml><?xml version="1.0" encoding="utf-8"?>
-<p:notesMaster xmlns:r="http://schemas.openxmlformats.org/officeDocument/2006/relationships" xmlns:c="http://schemas.openxmlformats.org/drawingml/2006/chart" xmlns:a="http://schemas.openxmlformats.org/drawingml/2006/main" xmlns:dgm="http://schemas.openxmlformats.org/drawingml/2006/diagram" xmlns:dsp="http://schemas.microsoft.com/office/drawing/2008/diagram" xmlns:p="http://schemas.openxmlformats.org/presentationml/2006/main">
+<p:notesMaster xmlns:a="http://schemas.openxmlformats.org/drawingml/2006/main" xmlns:r="http://schemas.openxmlformats.org/officeDocument/2006/relationships" xmlns:p="http://schemas.openxmlformats.org/presentationml/2006/main">
   <p:cSld>
     <p:bg>
       <p:bgRef idx="1001">
@@ -149,7 +171,7 @@
             <a:spLocks noGrp="1"/>
           </p:cNvSpPr>
           <p:nvPr>
-            <p:ph type="hdr" sz="quarter" idx="0"/>
+            <p:ph type="hdr" sz="quarter"/>
           </p:nvPr>
         </p:nvSpPr>
         <p:spPr>
@@ -204,8 +226,8 @@
             <a:pPr lvl="0"/>
             <a:fld id="{E2B2BC9D-A816-4D0A-858B-1D023B3A8ACA}" type="datetime1">
               <a:rPr lang="ko-KR" altLang="en-US" smtClean="0"/>
-              <a:pPr/>
-              <a:t>2009-03-26</a:t>
+              <a:pPr lvl="0"/>
+              <a:t>2024-01-18</a:t>
             </a:fld>
             <a:endParaRPr lang="ko-KR" altLang="en-US"/>
           </a:p>
@@ -277,7 +299,6 @@
               <a:rPr lang="ko-KR" altLang="en-US"/>
               <a:t>마스터 텍스트 스타일을 편집합니다</a:t>
             </a:r>
-            <a:endParaRPr lang="ko-KR" altLang="en-US"/>
           </a:p>
           <a:p>
             <a:pPr lvl="1">
@@ -287,7 +308,6 @@
               <a:rPr lang="ko-KR" altLang="en-US"/>
               <a:t>둘째 수준</a:t>
             </a:r>
-            <a:endParaRPr lang="ko-KR" altLang="en-US"/>
           </a:p>
           <a:p>
             <a:pPr lvl="2">
@@ -297,7 +317,6 @@
               <a:rPr lang="ko-KR" altLang="en-US"/>
               <a:t>셋째 수준</a:t>
             </a:r>
-            <a:endParaRPr lang="ko-KR" altLang="en-US"/>
           </a:p>
           <a:p>
             <a:pPr lvl="3">
@@ -307,7 +326,6 @@
               <a:rPr lang="ko-KR" altLang="en-US"/>
               <a:t>넷째 수준</a:t>
             </a:r>
-            <a:endParaRPr lang="ko-KR" altLang="en-US"/>
           </a:p>
           <a:p>
             <a:pPr lvl="4">
@@ -317,7 +335,6 @@
               <a:rPr lang="ko-KR" altLang="en-US"/>
               <a:t>다섯째 수준</a:t>
             </a:r>
-            <a:endParaRPr lang="ko-KR" altLang="en-US"/>
           </a:p>
         </p:txBody>
       </p:sp>
@@ -495,7 +512,7 @@
 </file>
 
 <file path=ppt/notesSlides/notesSlide1.xml><?xml version="1.0" encoding="utf-8"?>
-<p:notes xmlns:r="http://schemas.openxmlformats.org/officeDocument/2006/relationships" xmlns:c="http://schemas.openxmlformats.org/drawingml/2006/chart" xmlns:a="http://schemas.openxmlformats.org/drawingml/2006/main" xmlns:dgm="http://schemas.openxmlformats.org/drawingml/2006/diagram" xmlns:dsp="http://schemas.microsoft.com/office/drawing/2008/diagram" xmlns:p="http://schemas.openxmlformats.org/presentationml/2006/main">
+<p:notes xmlns:a="http://schemas.openxmlformats.org/drawingml/2006/main" xmlns:r="http://schemas.openxmlformats.org/officeDocument/2006/relationships" xmlns:p="http://schemas.openxmlformats.org/presentationml/2006/main">
   <p:cSld>
     <p:spTree>
       <p:nvGrpSpPr>
@@ -524,6 +541,7 @@
         <p:spPr/>
         <p:txBody>
           <a:bodyPr/>
+          <a:lstStyle/>
           <a:p>
             <a:pPr lvl="0"/>
             <a:endParaRPr lang="en-US" altLang="ko-KR"/>
@@ -543,14 +561,11 @@
         <p:spPr/>
         <p:txBody>
           <a:bodyPr/>
+          <a:lstStyle/>
           <a:p>
             <a:pPr>
               <a:defRPr/>
             </a:pPr>
-            <a:r>
-              <a:rPr lang="ko-KR" altLang="en-US"/>
-              <a:t/>
-            </a:r>
             <a:endParaRPr lang="ko-KR" altLang="en-US"/>
           </a:p>
         </p:txBody>
@@ -568,6 +583,7 @@
         <p:spPr/>
         <p:txBody>
           <a:bodyPr/>
+          <a:lstStyle/>
           <a:p>
             <a:pPr lvl="0"/>
             <a:fld id="{09F4262C-968C-4EE9-8164-CE16364706B3}" type="slidenum">
@@ -593,7 +609,7 @@
 </file>
 
 <file path=ppt/notesSlides/notesSlide10.xml><?xml version="1.0" encoding="utf-8"?>
-<p:notes xmlns:r="http://schemas.openxmlformats.org/officeDocument/2006/relationships" xmlns:c="http://schemas.openxmlformats.org/drawingml/2006/chart" xmlns:a="http://schemas.openxmlformats.org/drawingml/2006/main" xmlns:dgm="http://schemas.openxmlformats.org/drawingml/2006/diagram" xmlns:dsp="http://schemas.microsoft.com/office/drawing/2008/diagram" xmlns:p="http://schemas.openxmlformats.org/presentationml/2006/main">
+<p:notes xmlns:a="http://schemas.openxmlformats.org/drawingml/2006/main" xmlns:r="http://schemas.openxmlformats.org/officeDocument/2006/relationships" xmlns:p="http://schemas.openxmlformats.org/presentationml/2006/main">
   <p:cSld>
     <p:spTree>
       <p:nvGrpSpPr>
@@ -622,7 +638,9 @@
         <p:spPr/>
         <p:txBody>
           <a:bodyPr/>
-          <a:p>
+          <a:lstStyle/>
+          <a:p>
+            <a:pPr lvl="0"/>
             <a:endParaRPr lang="en-US" altLang="ko-KR"/>
           </a:p>
         </p:txBody>
@@ -640,15 +658,12 @@
         <p:spPr/>
         <p:txBody>
           <a:bodyPr/>
+          <a:lstStyle/>
           <a:p>
             <a:pPr>
               <a:defRPr/>
             </a:pPr>
-            <a:r>
-              <a:rPr lang="en-US" altLang="ko-KR"/>
-              <a:t/>
-            </a:r>
-            <a:endParaRPr lang="en-US" altLang="ko-KR"/>
+            <a:endParaRPr lang="ko-KR" altLang="en-US"/>
           </a:p>
         </p:txBody>
       </p:sp>
@@ -665,12 +680,13 @@
         <p:spPr/>
         <p:txBody>
           <a:bodyPr/>
+          <a:lstStyle/>
           <a:p>
             <a:pPr lvl="0"/>
             <a:fld id="{09F4262C-968C-4EE9-8164-CE16364706B3}" type="slidenum">
               <a:rPr lang="ko-KR" altLang="en-US" smtClean="0"/>
-              <a:pPr/>
-              <a:t>7</a:t>
+              <a:pPr lvl="0"/>
+              <a:t>11</a:t>
             </a:fld>
             <a:endParaRPr lang="ko-KR" altLang="en-US"/>
           </a:p>
@@ -679,7 +695,7 @@
     </p:spTree>
     <p:extLst>
       <p:ext uri="{BB962C8B-B14F-4D97-AF65-F5344CB8AC3E}">
-        <p14:creationId xmlns:p14="http://schemas.microsoft.com/office/powerpoint/2010/main" val="303370418"/>
+        <p14:creationId xmlns:p14="http://schemas.microsoft.com/office/powerpoint/2010/main" val="2752624163"/>
       </p:ext>
     </p:extLst>
   </p:cSld>
@@ -689,8 +705,8 @@
 </p:notes>
 </file>
 
-<file path=ppt/notesSlides/notesSlide2.xml><?xml version="1.0" encoding="utf-8"?>
-<p:notes xmlns:r="http://schemas.openxmlformats.org/officeDocument/2006/relationships" xmlns:c="http://schemas.openxmlformats.org/drawingml/2006/chart" xmlns:a="http://schemas.openxmlformats.org/drawingml/2006/main" xmlns:dgm="http://schemas.openxmlformats.org/drawingml/2006/diagram" xmlns:dsp="http://schemas.microsoft.com/office/drawing/2008/diagram" xmlns:p="http://schemas.openxmlformats.org/presentationml/2006/main">
+<file path=ppt/notesSlides/notesSlide11.xml><?xml version="1.0" encoding="utf-8"?>
+<p:notes xmlns:a="http://schemas.openxmlformats.org/drawingml/2006/main" xmlns:r="http://schemas.openxmlformats.org/officeDocument/2006/relationships" xmlns:p="http://schemas.openxmlformats.org/presentationml/2006/main">
   <p:cSld>
     <p:spTree>
       <p:nvGrpSpPr>
@@ -719,6 +735,7 @@
         <p:spPr/>
         <p:txBody>
           <a:bodyPr/>
+          <a:lstStyle/>
           <a:p>
             <a:endParaRPr lang="en-US" altLang="ko-KR"/>
           </a:p>
@@ -737,6 +754,7 @@
         <p:spPr/>
         <p:txBody>
           <a:bodyPr/>
+          <a:lstStyle/>
           <a:p>
             <a:pPr>
               <a:defRPr/>
@@ -758,12 +776,13 @@
         <p:spPr/>
         <p:txBody>
           <a:bodyPr/>
+          <a:lstStyle/>
           <a:p>
             <a:pPr lvl="0"/>
             <a:fld id="{09F4262C-968C-4EE9-8164-CE16364706B3}" type="slidenum">
               <a:rPr lang="ko-KR" altLang="en-US" smtClean="0"/>
-              <a:pPr/>
-              <a:t>3</a:t>
+              <a:pPr lvl="0"/>
+              <a:t>12</a:t>
             </a:fld>
             <a:endParaRPr lang="ko-KR" altLang="en-US"/>
           </a:p>
@@ -772,7 +791,7 @@
     </p:spTree>
     <p:extLst>
       <p:ext uri="{BB962C8B-B14F-4D97-AF65-F5344CB8AC3E}">
-        <p14:creationId xmlns:p14="http://schemas.microsoft.com/office/powerpoint/2010/main" val="2897756637"/>
+        <p14:creationId xmlns:p14="http://schemas.microsoft.com/office/powerpoint/2010/main" val="2929018568"/>
       </p:ext>
     </p:extLst>
   </p:cSld>
@@ -782,8 +801,8 @@
 </p:notes>
 </file>
 
-<file path=ppt/notesSlides/notesSlide3.xml><?xml version="1.0" encoding="utf-8"?>
-<p:notes xmlns:r="http://schemas.openxmlformats.org/officeDocument/2006/relationships" xmlns:c="http://schemas.openxmlformats.org/drawingml/2006/chart" xmlns:a="http://schemas.openxmlformats.org/drawingml/2006/main" xmlns:dgm="http://schemas.openxmlformats.org/drawingml/2006/diagram" xmlns:dsp="http://schemas.microsoft.com/office/drawing/2008/diagram" xmlns:p="http://schemas.openxmlformats.org/presentationml/2006/main">
+<file path=ppt/notesSlides/notesSlide12.xml><?xml version="1.0" encoding="utf-8"?>
+<p:notes xmlns:a="http://schemas.openxmlformats.org/drawingml/2006/main" xmlns:r="http://schemas.openxmlformats.org/officeDocument/2006/relationships" xmlns:p="http://schemas.openxmlformats.org/presentationml/2006/main">
   <p:cSld>
     <p:spTree>
       <p:nvGrpSpPr>
@@ -812,8 +831,8 @@
         <p:spPr/>
         <p:txBody>
           <a:bodyPr/>
-          <a:p>
-            <a:pPr lvl="0"/>
+          <a:lstStyle/>
+          <a:p>
             <a:endParaRPr lang="en-US" altLang="ko-KR"/>
           </a:p>
         </p:txBody>
@@ -831,15 +850,12 @@
         <p:spPr/>
         <p:txBody>
           <a:bodyPr/>
+          <a:lstStyle/>
           <a:p>
             <a:pPr>
               <a:defRPr/>
             </a:pPr>
-            <a:r>
-              <a:rPr lang="ko-KR" altLang="en-US"/>
-              <a:t/>
-            </a:r>
-            <a:endParaRPr lang="ko-KR" altLang="en-US"/>
+            <a:endParaRPr lang="en-US" altLang="ko-KR"/>
           </a:p>
         </p:txBody>
       </p:sp>
@@ -856,12 +872,13 @@
         <p:spPr/>
         <p:txBody>
           <a:bodyPr/>
+          <a:lstStyle/>
           <a:p>
             <a:pPr lvl="0"/>
             <a:fld id="{09F4262C-968C-4EE9-8164-CE16364706B3}" type="slidenum">
               <a:rPr lang="ko-KR" altLang="en-US" smtClean="0"/>
-              <a:pPr/>
-              <a:t>4</a:t>
+              <a:pPr lvl="0"/>
+              <a:t>13</a:t>
             </a:fld>
             <a:endParaRPr lang="ko-KR" altLang="en-US"/>
           </a:p>
@@ -870,7 +887,7 @@
     </p:spTree>
     <p:extLst>
       <p:ext uri="{BB962C8B-B14F-4D97-AF65-F5344CB8AC3E}">
-        <p14:creationId xmlns:p14="http://schemas.microsoft.com/office/powerpoint/2010/main" val="949599333"/>
+        <p14:creationId xmlns:p14="http://schemas.microsoft.com/office/powerpoint/2010/main" val="3069369312"/>
       </p:ext>
     </p:extLst>
   </p:cSld>
@@ -880,8 +897,8 @@
 </p:notes>
 </file>
 
-<file path=ppt/notesSlides/notesSlide4.xml><?xml version="1.0" encoding="utf-8"?>
-<p:notes xmlns:r="http://schemas.openxmlformats.org/officeDocument/2006/relationships" xmlns:c="http://schemas.openxmlformats.org/drawingml/2006/chart" xmlns:a="http://schemas.openxmlformats.org/drawingml/2006/main" xmlns:dgm="http://schemas.openxmlformats.org/drawingml/2006/diagram" xmlns:dsp="http://schemas.microsoft.com/office/drawing/2008/diagram" xmlns:p="http://schemas.openxmlformats.org/presentationml/2006/main">
+<file path=ppt/notesSlides/notesSlide13.xml><?xml version="1.0" encoding="utf-8"?>
+<p:notes xmlns:a="http://schemas.openxmlformats.org/drawingml/2006/main" xmlns:r="http://schemas.openxmlformats.org/officeDocument/2006/relationships" xmlns:p="http://schemas.openxmlformats.org/presentationml/2006/main">
   <p:cSld>
     <p:spTree>
       <p:nvGrpSpPr>
@@ -910,6 +927,7 @@
         <p:spPr/>
         <p:txBody>
           <a:bodyPr/>
+          <a:lstStyle/>
           <a:p>
             <a:endParaRPr lang="en-US" altLang="ko-KR"/>
           </a:p>
@@ -928,14 +946,11 @@
         <p:spPr/>
         <p:txBody>
           <a:bodyPr/>
+          <a:lstStyle/>
           <a:p>
             <a:pPr>
               <a:defRPr/>
             </a:pPr>
-            <a:r>
-              <a:rPr lang="en-US" altLang="ko-KR"/>
-              <a:t/>
-            </a:r>
             <a:endParaRPr lang="en-US" altLang="ko-KR"/>
           </a:p>
         </p:txBody>
@@ -953,12 +968,13 @@
         <p:spPr/>
         <p:txBody>
           <a:bodyPr/>
+          <a:lstStyle/>
           <a:p>
             <a:pPr lvl="0"/>
             <a:fld id="{09F4262C-968C-4EE9-8164-CE16364706B3}" type="slidenum">
               <a:rPr lang="ko-KR" altLang="en-US" smtClean="0"/>
-              <a:pPr/>
-              <a:t>4</a:t>
+              <a:pPr lvl="0"/>
+              <a:t>14</a:t>
             </a:fld>
             <a:endParaRPr lang="ko-KR" altLang="en-US"/>
           </a:p>
@@ -967,7 +983,7 @@
     </p:spTree>
     <p:extLst>
       <p:ext uri="{BB962C8B-B14F-4D97-AF65-F5344CB8AC3E}">
-        <p14:creationId xmlns:p14="http://schemas.microsoft.com/office/powerpoint/2010/main" val="3181652625"/>
+        <p14:creationId xmlns:p14="http://schemas.microsoft.com/office/powerpoint/2010/main" val="4258270407"/>
       </p:ext>
     </p:extLst>
   </p:cSld>
@@ -977,8 +993,8 @@
 </p:notes>
 </file>
 
-<file path=ppt/notesSlides/notesSlide5.xml><?xml version="1.0" encoding="utf-8"?>
-<p:notes xmlns:r="http://schemas.openxmlformats.org/officeDocument/2006/relationships" xmlns:c="http://schemas.openxmlformats.org/drawingml/2006/chart" xmlns:a="http://schemas.openxmlformats.org/drawingml/2006/main" xmlns:dgm="http://schemas.openxmlformats.org/drawingml/2006/diagram" xmlns:dsp="http://schemas.microsoft.com/office/drawing/2008/diagram" xmlns:p="http://schemas.openxmlformats.org/presentationml/2006/main">
+<file path=ppt/notesSlides/notesSlide14.xml><?xml version="1.0" encoding="utf-8"?>
+<p:notes xmlns:a="http://schemas.openxmlformats.org/drawingml/2006/main" xmlns:r="http://schemas.openxmlformats.org/officeDocument/2006/relationships" xmlns:p="http://schemas.openxmlformats.org/presentationml/2006/main">
   <p:cSld>
     <p:spTree>
       <p:nvGrpSpPr>
@@ -1007,8 +1023,28 @@
         <p:spPr/>
         <p:txBody>
           <a:bodyPr/>
-          <a:p>
-            <a:pPr lvl="0">
+          <a:lstStyle/>
+          <a:p>
+            <a:endParaRPr lang="en-US" altLang="ko-KR"/>
+          </a:p>
+        </p:txBody>
+      </p:sp>
+      <p:sp>
+        <p:nvSpPr>
+          <p:cNvPr id="3" name="슬라이드 노트 개체 틀 4"/>
+          <p:cNvSpPr>
+            <a:spLocks noGrp="1"/>
+          </p:cNvSpPr>
+          <p:nvPr>
+            <p:ph type="body" sz="quarter" idx="3"/>
+          </p:nvPr>
+        </p:nvSpPr>
+        <p:spPr/>
+        <p:txBody>
+          <a:bodyPr/>
+          <a:lstStyle/>
+          <a:p>
+            <a:pPr>
               <a:defRPr/>
             </a:pPr>
             <a:endParaRPr lang="en-US" altLang="ko-KR"/>
@@ -1017,61 +1053,33 @@
       </p:sp>
       <p:sp>
         <p:nvSpPr>
-          <p:cNvPr id="3" name="슬라이드 노트 개체 틀 4"/>
+          <p:cNvPr id="4" name="슬라이드 번호 개체 틀 6"/>
           <p:cNvSpPr>
             <a:spLocks noGrp="1"/>
           </p:cNvSpPr>
           <p:nvPr>
-            <p:ph type="body" sz="quarter" idx="3"/>
+            <p:ph type="sldNum" sz="quarter" idx="5"/>
           </p:nvPr>
         </p:nvSpPr>
         <p:spPr/>
         <p:txBody>
           <a:bodyPr/>
-          <a:p>
-            <a:pPr>
-              <a:defRPr/>
-            </a:pPr>
-            <a:r>
-              <a:rPr lang="en-US" altLang="ko-KR"/>
-              <a:t/>
-            </a:r>
-            <a:endParaRPr lang="en-US" altLang="ko-KR"/>
-          </a:p>
-        </p:txBody>
-      </p:sp>
-      <p:sp>
-        <p:nvSpPr>
-          <p:cNvPr id="4" name="슬라이드 번호 개체 틀 6"/>
-          <p:cNvSpPr>
-            <a:spLocks noGrp="1"/>
-          </p:cNvSpPr>
-          <p:nvPr>
-            <p:ph type="sldNum" sz="quarter" idx="5"/>
-          </p:nvPr>
-        </p:nvSpPr>
-        <p:spPr/>
-        <p:txBody>
-          <a:bodyPr/>
-          <a:p>
-            <a:pPr lvl="0">
-              <a:defRPr/>
-            </a:pPr>
+          <a:lstStyle/>
+          <a:p>
+            <a:pPr lvl="0"/>
             <a:fld id="{09F4262C-968C-4EE9-8164-CE16364706B3}" type="slidenum">
-              <a:rPr lang="en-US" altLang="en-US"/>
-              <a:pPr lvl="0">
-                <a:defRPr/>
-              </a:pPr>
-              <a:t>5</a:t>
+              <a:rPr lang="ko-KR" altLang="en-US" smtClean="0"/>
+              <a:pPr lvl="0"/>
+              <a:t>15</a:t>
             </a:fld>
-            <a:endParaRPr lang="en-US" altLang="en-US"/>
+            <a:endParaRPr lang="ko-KR" altLang="en-US"/>
           </a:p>
         </p:txBody>
       </p:sp>
     </p:spTree>
     <p:extLst>
       <p:ext uri="{BB962C8B-B14F-4D97-AF65-F5344CB8AC3E}">
-        <p14:creationId xmlns:p14="http://schemas.microsoft.com/office/powerpoint/2010/main" val="2672585317"/>
+        <p14:creationId xmlns:p14="http://schemas.microsoft.com/office/powerpoint/2010/main" val="1875550970"/>
       </p:ext>
     </p:extLst>
   </p:cSld>
@@ -1081,8 +1089,8 @@
 </p:notes>
 </file>
 
-<file path=ppt/notesSlides/notesSlide6.xml><?xml version="1.0" encoding="utf-8"?>
-<p:notes xmlns:r="http://schemas.openxmlformats.org/officeDocument/2006/relationships" xmlns:c="http://schemas.openxmlformats.org/drawingml/2006/chart" xmlns:a="http://schemas.openxmlformats.org/drawingml/2006/main" xmlns:dgm="http://schemas.openxmlformats.org/drawingml/2006/diagram" xmlns:dsp="http://schemas.microsoft.com/office/drawing/2008/diagram" xmlns:p="http://schemas.openxmlformats.org/presentationml/2006/main">
+<file path=ppt/notesSlides/notesSlide15.xml><?xml version="1.0" encoding="utf-8"?>
+<p:notes xmlns:a="http://schemas.openxmlformats.org/drawingml/2006/main" xmlns:r="http://schemas.openxmlformats.org/officeDocument/2006/relationships" xmlns:p="http://schemas.openxmlformats.org/presentationml/2006/main">
   <p:cSld>
     <p:spTree>
       <p:nvGrpSpPr>
@@ -1111,8 +1119,28 @@
         <p:spPr/>
         <p:txBody>
           <a:bodyPr/>
-          <a:p>
-            <a:pPr lvl="0">
+          <a:lstStyle/>
+          <a:p>
+            <a:endParaRPr lang="en-US" altLang="ko-KR"/>
+          </a:p>
+        </p:txBody>
+      </p:sp>
+      <p:sp>
+        <p:nvSpPr>
+          <p:cNvPr id="3" name="슬라이드 노트 개체 틀 4"/>
+          <p:cNvSpPr>
+            <a:spLocks noGrp="1"/>
+          </p:cNvSpPr>
+          <p:nvPr>
+            <p:ph type="body" sz="quarter" idx="3"/>
+          </p:nvPr>
+        </p:nvSpPr>
+        <p:spPr/>
+        <p:txBody>
+          <a:bodyPr/>
+          <a:lstStyle/>
+          <a:p>
+            <a:pPr>
               <a:defRPr/>
             </a:pPr>
             <a:endParaRPr lang="en-US" altLang="ko-KR"/>
@@ -1121,61 +1149,33 @@
       </p:sp>
       <p:sp>
         <p:nvSpPr>
-          <p:cNvPr id="3" name="슬라이드 노트 개체 틀 4"/>
+          <p:cNvPr id="4" name="슬라이드 번호 개체 틀 6"/>
           <p:cNvSpPr>
             <a:spLocks noGrp="1"/>
           </p:cNvSpPr>
           <p:nvPr>
-            <p:ph type="body" sz="quarter" idx="3"/>
+            <p:ph type="sldNum" sz="quarter" idx="5"/>
           </p:nvPr>
         </p:nvSpPr>
         <p:spPr/>
         <p:txBody>
           <a:bodyPr/>
-          <a:p>
-            <a:pPr>
-              <a:defRPr/>
-            </a:pPr>
-            <a:r>
-              <a:rPr lang="en-US" altLang="ko-KR"/>
-              <a:t/>
-            </a:r>
-            <a:endParaRPr lang="en-US" altLang="ko-KR"/>
-          </a:p>
-        </p:txBody>
-      </p:sp>
-      <p:sp>
-        <p:nvSpPr>
-          <p:cNvPr id="4" name="슬라이드 번호 개체 틀 6"/>
-          <p:cNvSpPr>
-            <a:spLocks noGrp="1"/>
-          </p:cNvSpPr>
-          <p:nvPr>
-            <p:ph type="sldNum" sz="quarter" idx="5"/>
-          </p:nvPr>
-        </p:nvSpPr>
-        <p:spPr/>
-        <p:txBody>
-          <a:bodyPr/>
-          <a:p>
-            <a:pPr lvl="0">
-              <a:defRPr/>
-            </a:pPr>
+          <a:lstStyle/>
+          <a:p>
+            <a:pPr lvl="0"/>
             <a:fld id="{09F4262C-968C-4EE9-8164-CE16364706B3}" type="slidenum">
-              <a:rPr lang="en-US" altLang="en-US"/>
-              <a:pPr lvl="0">
-                <a:defRPr/>
-              </a:pPr>
-              <a:t>6</a:t>
+              <a:rPr lang="ko-KR" altLang="en-US" smtClean="0"/>
+              <a:pPr lvl="0"/>
+              <a:t>16</a:t>
             </a:fld>
-            <a:endParaRPr lang="en-US" altLang="en-US"/>
+            <a:endParaRPr lang="ko-KR" altLang="en-US"/>
           </a:p>
         </p:txBody>
       </p:sp>
     </p:spTree>
     <p:extLst>
       <p:ext uri="{BB962C8B-B14F-4D97-AF65-F5344CB8AC3E}">
-        <p14:creationId xmlns:p14="http://schemas.microsoft.com/office/powerpoint/2010/main" val="1525836840"/>
+        <p14:creationId xmlns:p14="http://schemas.microsoft.com/office/powerpoint/2010/main" val="411310109"/>
       </p:ext>
     </p:extLst>
   </p:cSld>
@@ -1185,8 +1185,8 @@
 </p:notes>
 </file>
 
-<file path=ppt/notesSlides/notesSlide7.xml><?xml version="1.0" encoding="utf-8"?>
-<p:notes xmlns:r="http://schemas.openxmlformats.org/officeDocument/2006/relationships" xmlns:c="http://schemas.openxmlformats.org/drawingml/2006/chart" xmlns:a="http://schemas.openxmlformats.org/drawingml/2006/main" xmlns:dgm="http://schemas.openxmlformats.org/drawingml/2006/diagram" xmlns:dsp="http://schemas.microsoft.com/office/drawing/2008/diagram" xmlns:p="http://schemas.openxmlformats.org/presentationml/2006/main">
+<file path=ppt/notesSlides/notesSlide16.xml><?xml version="1.0" encoding="utf-8"?>
+<p:notes xmlns:a="http://schemas.openxmlformats.org/drawingml/2006/main" xmlns:r="http://schemas.openxmlformats.org/officeDocument/2006/relationships" xmlns:p="http://schemas.openxmlformats.org/presentationml/2006/main">
   <p:cSld>
     <p:spTree>
       <p:nvGrpSpPr>
@@ -1215,6 +1215,7 @@
         <p:spPr/>
         <p:txBody>
           <a:bodyPr/>
+          <a:lstStyle/>
           <a:p>
             <a:endParaRPr lang="en-US" altLang="ko-KR"/>
           </a:p>
@@ -1233,14 +1234,11 @@
         <p:spPr/>
         <p:txBody>
           <a:bodyPr/>
+          <a:lstStyle/>
           <a:p>
             <a:pPr>
               <a:defRPr/>
             </a:pPr>
-            <a:r>
-              <a:rPr lang="en-US" altLang="ko-KR"/>
-              <a:t/>
-            </a:r>
             <a:endParaRPr lang="en-US" altLang="ko-KR"/>
           </a:p>
         </p:txBody>
@@ -1258,12 +1256,13 @@
         <p:spPr/>
         <p:txBody>
           <a:bodyPr/>
+          <a:lstStyle/>
           <a:p>
             <a:pPr lvl="0"/>
             <a:fld id="{09F4262C-968C-4EE9-8164-CE16364706B3}" type="slidenum">
               <a:rPr lang="ko-KR" altLang="en-US" smtClean="0"/>
-              <a:pPr/>
-              <a:t>5</a:t>
+              <a:pPr lvl="0"/>
+              <a:t>17</a:t>
             </a:fld>
             <a:endParaRPr lang="ko-KR" altLang="en-US"/>
           </a:p>
@@ -1272,7 +1271,7 @@
     </p:spTree>
     <p:extLst>
       <p:ext uri="{BB962C8B-B14F-4D97-AF65-F5344CB8AC3E}">
-        <p14:creationId xmlns:p14="http://schemas.microsoft.com/office/powerpoint/2010/main" val="2929018568"/>
+        <p14:creationId xmlns:p14="http://schemas.microsoft.com/office/powerpoint/2010/main" val="1112180594"/>
       </p:ext>
     </p:extLst>
   </p:cSld>
@@ -1282,8 +1281,8 @@
 </p:notes>
 </file>
 
-<file path=ppt/notesSlides/notesSlide8.xml><?xml version="1.0" encoding="utf-8"?>
-<p:notes xmlns:r="http://schemas.openxmlformats.org/officeDocument/2006/relationships" xmlns:c="http://schemas.openxmlformats.org/drawingml/2006/chart" xmlns:a="http://schemas.openxmlformats.org/drawingml/2006/main" xmlns:dgm="http://schemas.openxmlformats.org/drawingml/2006/diagram" xmlns:dsp="http://schemas.microsoft.com/office/drawing/2008/diagram" xmlns:p="http://schemas.openxmlformats.org/presentationml/2006/main">
+<file path=ppt/notesSlides/notesSlide2.xml><?xml version="1.0" encoding="utf-8"?>
+<p:notes xmlns:a="http://schemas.openxmlformats.org/drawingml/2006/main" xmlns:r="http://schemas.openxmlformats.org/officeDocument/2006/relationships" xmlns:p="http://schemas.openxmlformats.org/presentationml/2006/main">
   <p:cSld>
     <p:spTree>
       <p:nvGrpSpPr>
@@ -1312,6 +1311,7 @@
         <p:spPr/>
         <p:txBody>
           <a:bodyPr/>
+          <a:lstStyle/>
           <a:p>
             <a:pPr lvl="0"/>
             <a:endParaRPr lang="en-US" altLang="ko-KR"/>
@@ -1331,14 +1331,11 @@
         <p:spPr/>
         <p:txBody>
           <a:bodyPr/>
+          <a:lstStyle/>
           <a:p>
             <a:pPr>
               <a:defRPr/>
             </a:pPr>
-            <a:r>
-              <a:rPr lang="ko-KR" altLang="en-US"/>
-              <a:t/>
-            </a:r>
             <a:endParaRPr lang="ko-KR" altLang="en-US"/>
           </a:p>
         </p:txBody>
@@ -1356,12 +1353,13 @@
         <p:spPr/>
         <p:txBody>
           <a:bodyPr/>
+          <a:lstStyle/>
           <a:p>
             <a:pPr lvl="0"/>
             <a:fld id="{09F4262C-968C-4EE9-8164-CE16364706B3}" type="slidenum">
               <a:rPr lang="ko-KR" altLang="en-US" smtClean="0"/>
-              <a:pPr/>
-              <a:t>5</a:t>
+              <a:pPr lvl="0"/>
+              <a:t>3</a:t>
             </a:fld>
             <a:endParaRPr lang="ko-KR" altLang="en-US"/>
           </a:p>
@@ -1370,7 +1368,7 @@
     </p:spTree>
     <p:extLst>
       <p:ext uri="{BB962C8B-B14F-4D97-AF65-F5344CB8AC3E}">
-        <p14:creationId xmlns:p14="http://schemas.microsoft.com/office/powerpoint/2010/main" val="846222334"/>
+        <p14:creationId xmlns:p14="http://schemas.microsoft.com/office/powerpoint/2010/main" val="907069054"/>
       </p:ext>
     </p:extLst>
   </p:cSld>
@@ -1380,8 +1378,8 @@
 </p:notes>
 </file>
 
-<file path=ppt/notesSlides/notesSlide9.xml><?xml version="1.0" encoding="utf-8"?>
-<p:notes xmlns:r="http://schemas.openxmlformats.org/officeDocument/2006/relationships" xmlns:c="http://schemas.openxmlformats.org/drawingml/2006/chart" xmlns:a="http://schemas.openxmlformats.org/drawingml/2006/main" xmlns:dgm="http://schemas.openxmlformats.org/drawingml/2006/diagram" xmlns:dsp="http://schemas.microsoft.com/office/drawing/2008/diagram" xmlns:p="http://schemas.openxmlformats.org/presentationml/2006/main">
+<file path=ppt/notesSlides/notesSlide3.xml><?xml version="1.0" encoding="utf-8"?>
+<p:notes xmlns:a="http://schemas.openxmlformats.org/drawingml/2006/main" xmlns:r="http://schemas.openxmlformats.org/officeDocument/2006/relationships" xmlns:p="http://schemas.openxmlformats.org/presentationml/2006/main">
   <p:cSld>
     <p:spTree>
       <p:nvGrpSpPr>
@@ -1410,6 +1408,7 @@
         <p:spPr/>
         <p:txBody>
           <a:bodyPr/>
+          <a:lstStyle/>
           <a:p>
             <a:endParaRPr lang="en-US" altLang="ko-KR"/>
           </a:p>
@@ -1428,14 +1427,11 @@
         <p:spPr/>
         <p:txBody>
           <a:bodyPr/>
+          <a:lstStyle/>
           <a:p>
             <a:pPr>
               <a:defRPr/>
             </a:pPr>
-            <a:r>
-              <a:rPr lang="en-US" altLang="ko-KR"/>
-              <a:t/>
-            </a:r>
             <a:endParaRPr lang="en-US" altLang="ko-KR"/>
           </a:p>
         </p:txBody>
@@ -1453,12 +1449,13 @@
         <p:spPr/>
         <p:txBody>
           <a:bodyPr/>
+          <a:lstStyle/>
           <a:p>
             <a:pPr lvl="0"/>
             <a:fld id="{09F4262C-968C-4EE9-8164-CE16364706B3}" type="slidenum">
               <a:rPr lang="ko-KR" altLang="en-US" smtClean="0"/>
-              <a:pPr/>
-              <a:t>6</a:t>
+              <a:pPr lvl="0"/>
+              <a:t>4</a:t>
             </a:fld>
             <a:endParaRPr lang="ko-KR" altLang="en-US"/>
           </a:p>
@@ -1467,7 +1464,606 @@
     </p:spTree>
     <p:extLst>
       <p:ext uri="{BB962C8B-B14F-4D97-AF65-F5344CB8AC3E}">
-        <p14:creationId xmlns:p14="http://schemas.microsoft.com/office/powerpoint/2010/main" val="372266969"/>
+        <p14:creationId xmlns:p14="http://schemas.microsoft.com/office/powerpoint/2010/main" val="2897756637"/>
+      </p:ext>
+    </p:extLst>
+  </p:cSld>
+  <p:clrMapOvr>
+    <a:masterClrMapping/>
+  </p:clrMapOvr>
+</p:notes>
+</file>
+
+<file path=ppt/notesSlides/notesSlide4.xml><?xml version="1.0" encoding="utf-8"?>
+<p:notes xmlns:a="http://schemas.openxmlformats.org/drawingml/2006/main" xmlns:r="http://schemas.openxmlformats.org/officeDocument/2006/relationships" xmlns:p="http://schemas.openxmlformats.org/presentationml/2006/main">
+  <p:cSld>
+    <p:spTree>
+      <p:nvGrpSpPr>
+        <p:cNvPr id="1" name=""/>
+        <p:cNvGrpSpPr/>
+        <p:nvPr/>
+      </p:nvGrpSpPr>
+      <p:grpSpPr>
+        <a:xfrm>
+          <a:off x="0" y="0"/>
+          <a:ext cx="0" cy="0"/>
+          <a:chOff x="0" y="0"/>
+          <a:chExt cx="0" cy="0"/>
+        </a:xfrm>
+      </p:grpSpPr>
+      <p:sp>
+        <p:nvSpPr>
+          <p:cNvPr id="2" name="슬라이드 이미지 개체 틀 3"/>
+          <p:cNvSpPr>
+            <a:spLocks noGrp="1" noRot="1" noChangeAspect="1" noTextEdit="1"/>
+          </p:cNvSpPr>
+          <p:nvPr>
+            <p:ph type="sldImg" idx="2"/>
+          </p:nvPr>
+        </p:nvSpPr>
+        <p:spPr/>
+        <p:txBody>
+          <a:bodyPr/>
+          <a:lstStyle/>
+          <a:p>
+            <a:endParaRPr lang="en-US" altLang="ko-KR"/>
+          </a:p>
+        </p:txBody>
+      </p:sp>
+      <p:sp>
+        <p:nvSpPr>
+          <p:cNvPr id="3" name="슬라이드 노트 개체 틀 4"/>
+          <p:cNvSpPr>
+            <a:spLocks noGrp="1"/>
+          </p:cNvSpPr>
+          <p:nvPr>
+            <p:ph type="body" sz="quarter" idx="3"/>
+          </p:nvPr>
+        </p:nvSpPr>
+        <p:spPr/>
+        <p:txBody>
+          <a:bodyPr/>
+          <a:lstStyle/>
+          <a:p>
+            <a:pPr>
+              <a:defRPr/>
+            </a:pPr>
+            <a:endParaRPr lang="en-US" altLang="ko-KR"/>
+          </a:p>
+        </p:txBody>
+      </p:sp>
+      <p:sp>
+        <p:nvSpPr>
+          <p:cNvPr id="4" name="슬라이드 번호 개체 틀 6"/>
+          <p:cNvSpPr>
+            <a:spLocks noGrp="1"/>
+          </p:cNvSpPr>
+          <p:nvPr>
+            <p:ph type="sldNum" sz="quarter" idx="5"/>
+          </p:nvPr>
+        </p:nvSpPr>
+        <p:spPr/>
+        <p:txBody>
+          <a:bodyPr/>
+          <a:lstStyle/>
+          <a:p>
+            <a:pPr lvl="0"/>
+            <a:fld id="{09F4262C-968C-4EE9-8164-CE16364706B3}" type="slidenum">
+              <a:rPr lang="ko-KR" altLang="en-US" smtClean="0"/>
+              <a:pPr lvl="0"/>
+              <a:t>5</a:t>
+            </a:fld>
+            <a:endParaRPr lang="ko-KR" altLang="en-US"/>
+          </a:p>
+        </p:txBody>
+      </p:sp>
+    </p:spTree>
+    <p:extLst>
+      <p:ext uri="{BB962C8B-B14F-4D97-AF65-F5344CB8AC3E}">
+        <p14:creationId xmlns:p14="http://schemas.microsoft.com/office/powerpoint/2010/main" val="3181652625"/>
+      </p:ext>
+    </p:extLst>
+  </p:cSld>
+  <p:clrMapOvr>
+    <a:masterClrMapping/>
+  </p:clrMapOvr>
+</p:notes>
+</file>
+
+<file path=ppt/notesSlides/notesSlide5.xml><?xml version="1.0" encoding="utf-8"?>
+<p:notes xmlns:a="http://schemas.openxmlformats.org/drawingml/2006/main" xmlns:r="http://schemas.openxmlformats.org/officeDocument/2006/relationships" xmlns:p="http://schemas.openxmlformats.org/presentationml/2006/main">
+  <p:cSld>
+    <p:spTree>
+      <p:nvGrpSpPr>
+        <p:cNvPr id="1" name=""/>
+        <p:cNvGrpSpPr/>
+        <p:nvPr/>
+      </p:nvGrpSpPr>
+      <p:grpSpPr>
+        <a:xfrm>
+          <a:off x="0" y="0"/>
+          <a:ext cx="0" cy="0"/>
+          <a:chOff x="0" y="0"/>
+          <a:chExt cx="0" cy="0"/>
+        </a:xfrm>
+      </p:grpSpPr>
+      <p:sp>
+        <p:nvSpPr>
+          <p:cNvPr id="2" name="슬라이드 이미지 개체 틀 3"/>
+          <p:cNvSpPr>
+            <a:spLocks noGrp="1" noRot="1" noChangeAspect="1" noTextEdit="1"/>
+          </p:cNvSpPr>
+          <p:nvPr>
+            <p:ph type="sldImg" idx="2"/>
+          </p:nvPr>
+        </p:nvSpPr>
+        <p:spPr/>
+        <p:txBody>
+          <a:bodyPr/>
+          <a:lstStyle/>
+          <a:p>
+            <a:pPr lvl="0">
+              <a:defRPr/>
+            </a:pPr>
+            <a:endParaRPr lang="en-US" altLang="ko-KR"/>
+          </a:p>
+        </p:txBody>
+      </p:sp>
+      <p:sp>
+        <p:nvSpPr>
+          <p:cNvPr id="3" name="슬라이드 노트 개체 틀 4"/>
+          <p:cNvSpPr>
+            <a:spLocks noGrp="1"/>
+          </p:cNvSpPr>
+          <p:nvPr>
+            <p:ph type="body" sz="quarter" idx="3"/>
+          </p:nvPr>
+        </p:nvSpPr>
+        <p:spPr/>
+        <p:txBody>
+          <a:bodyPr/>
+          <a:lstStyle/>
+          <a:p>
+            <a:pPr>
+              <a:defRPr/>
+            </a:pPr>
+            <a:endParaRPr lang="en-US" altLang="ko-KR"/>
+          </a:p>
+        </p:txBody>
+      </p:sp>
+      <p:sp>
+        <p:nvSpPr>
+          <p:cNvPr id="4" name="슬라이드 번호 개체 틀 6"/>
+          <p:cNvSpPr>
+            <a:spLocks noGrp="1"/>
+          </p:cNvSpPr>
+          <p:nvPr>
+            <p:ph type="sldNum" sz="quarter" idx="5"/>
+          </p:nvPr>
+        </p:nvSpPr>
+        <p:spPr/>
+        <p:txBody>
+          <a:bodyPr/>
+          <a:lstStyle/>
+          <a:p>
+            <a:pPr lvl="0">
+              <a:defRPr/>
+            </a:pPr>
+            <a:fld id="{09F4262C-968C-4EE9-8164-CE16364706B3}" type="slidenum">
+              <a:rPr lang="en-US" altLang="en-US"/>
+              <a:pPr lvl="0">
+                <a:defRPr/>
+              </a:pPr>
+              <a:t>6</a:t>
+            </a:fld>
+            <a:endParaRPr lang="en-US" altLang="en-US"/>
+          </a:p>
+        </p:txBody>
+      </p:sp>
+    </p:spTree>
+    <p:extLst>
+      <p:ext uri="{BB962C8B-B14F-4D97-AF65-F5344CB8AC3E}">
+        <p14:creationId xmlns:p14="http://schemas.microsoft.com/office/powerpoint/2010/main" val="2672585317"/>
+      </p:ext>
+    </p:extLst>
+  </p:cSld>
+  <p:clrMapOvr>
+    <a:masterClrMapping/>
+  </p:clrMapOvr>
+</p:notes>
+</file>
+
+<file path=ppt/notesSlides/notesSlide6.xml><?xml version="1.0" encoding="utf-8"?>
+<p:notes xmlns:a="http://schemas.openxmlformats.org/drawingml/2006/main" xmlns:r="http://schemas.openxmlformats.org/officeDocument/2006/relationships" xmlns:p="http://schemas.openxmlformats.org/presentationml/2006/main">
+  <p:cSld>
+    <p:spTree>
+      <p:nvGrpSpPr>
+        <p:cNvPr id="1" name=""/>
+        <p:cNvGrpSpPr/>
+        <p:nvPr/>
+      </p:nvGrpSpPr>
+      <p:grpSpPr>
+        <a:xfrm>
+          <a:off x="0" y="0"/>
+          <a:ext cx="0" cy="0"/>
+          <a:chOff x="0" y="0"/>
+          <a:chExt cx="0" cy="0"/>
+        </a:xfrm>
+      </p:grpSpPr>
+      <p:sp>
+        <p:nvSpPr>
+          <p:cNvPr id="2" name="슬라이드 이미지 개체 틀 3"/>
+          <p:cNvSpPr>
+            <a:spLocks noGrp="1" noRot="1" noChangeAspect="1" noTextEdit="1"/>
+          </p:cNvSpPr>
+          <p:nvPr>
+            <p:ph type="sldImg" idx="2"/>
+          </p:nvPr>
+        </p:nvSpPr>
+        <p:spPr/>
+        <p:txBody>
+          <a:bodyPr/>
+          <a:lstStyle/>
+          <a:p>
+            <a:pPr lvl="0">
+              <a:defRPr/>
+            </a:pPr>
+            <a:endParaRPr lang="en-US" altLang="ko-KR"/>
+          </a:p>
+        </p:txBody>
+      </p:sp>
+      <p:sp>
+        <p:nvSpPr>
+          <p:cNvPr id="3" name="슬라이드 노트 개체 틀 4"/>
+          <p:cNvSpPr>
+            <a:spLocks noGrp="1"/>
+          </p:cNvSpPr>
+          <p:nvPr>
+            <p:ph type="body" sz="quarter" idx="3"/>
+          </p:nvPr>
+        </p:nvSpPr>
+        <p:spPr/>
+        <p:txBody>
+          <a:bodyPr/>
+          <a:lstStyle/>
+          <a:p>
+            <a:pPr>
+              <a:defRPr/>
+            </a:pPr>
+            <a:endParaRPr lang="en-US" altLang="ko-KR"/>
+          </a:p>
+        </p:txBody>
+      </p:sp>
+      <p:sp>
+        <p:nvSpPr>
+          <p:cNvPr id="4" name="슬라이드 번호 개체 틀 6"/>
+          <p:cNvSpPr>
+            <a:spLocks noGrp="1"/>
+          </p:cNvSpPr>
+          <p:nvPr>
+            <p:ph type="sldNum" sz="quarter" idx="5"/>
+          </p:nvPr>
+        </p:nvSpPr>
+        <p:spPr/>
+        <p:txBody>
+          <a:bodyPr/>
+          <a:lstStyle/>
+          <a:p>
+            <a:pPr lvl="0">
+              <a:defRPr/>
+            </a:pPr>
+            <a:fld id="{09F4262C-968C-4EE9-8164-CE16364706B3}" type="slidenum">
+              <a:rPr lang="en-US" altLang="en-US"/>
+              <a:pPr lvl="0">
+                <a:defRPr/>
+              </a:pPr>
+              <a:t>7</a:t>
+            </a:fld>
+            <a:endParaRPr lang="en-US" altLang="en-US"/>
+          </a:p>
+        </p:txBody>
+      </p:sp>
+    </p:spTree>
+    <p:extLst>
+      <p:ext uri="{BB962C8B-B14F-4D97-AF65-F5344CB8AC3E}">
+        <p14:creationId xmlns:p14="http://schemas.microsoft.com/office/powerpoint/2010/main" val="1525836840"/>
+      </p:ext>
+    </p:extLst>
+  </p:cSld>
+  <p:clrMapOvr>
+    <a:masterClrMapping/>
+  </p:clrMapOvr>
+</p:notes>
+</file>
+
+<file path=ppt/notesSlides/notesSlide7.xml><?xml version="1.0" encoding="utf-8"?>
+<p:notes xmlns:a="http://schemas.openxmlformats.org/drawingml/2006/main" xmlns:r="http://schemas.openxmlformats.org/officeDocument/2006/relationships" xmlns:p="http://schemas.openxmlformats.org/presentationml/2006/main">
+  <p:cSld>
+    <p:spTree>
+      <p:nvGrpSpPr>
+        <p:cNvPr id="1" name=""/>
+        <p:cNvGrpSpPr/>
+        <p:nvPr/>
+      </p:nvGrpSpPr>
+      <p:grpSpPr>
+        <a:xfrm>
+          <a:off x="0" y="0"/>
+          <a:ext cx="0" cy="0"/>
+          <a:chOff x="0" y="0"/>
+          <a:chExt cx="0" cy="0"/>
+        </a:xfrm>
+      </p:grpSpPr>
+      <p:sp>
+        <p:nvSpPr>
+          <p:cNvPr id="2" name="슬라이드 이미지 개체 틀 3"/>
+          <p:cNvSpPr>
+            <a:spLocks noGrp="1" noRot="1" noChangeAspect="1" noTextEdit="1"/>
+          </p:cNvSpPr>
+          <p:nvPr>
+            <p:ph type="sldImg" idx="2"/>
+          </p:nvPr>
+        </p:nvSpPr>
+        <p:spPr/>
+        <p:txBody>
+          <a:bodyPr/>
+          <a:lstStyle/>
+          <a:p>
+            <a:pPr lvl="0">
+              <a:defRPr/>
+            </a:pPr>
+            <a:endParaRPr lang="en-US" altLang="ko-KR"/>
+          </a:p>
+        </p:txBody>
+      </p:sp>
+      <p:sp>
+        <p:nvSpPr>
+          <p:cNvPr id="3" name="슬라이드 노트 개체 틀 4"/>
+          <p:cNvSpPr>
+            <a:spLocks noGrp="1"/>
+          </p:cNvSpPr>
+          <p:nvPr>
+            <p:ph type="body" sz="quarter" idx="3"/>
+          </p:nvPr>
+        </p:nvSpPr>
+        <p:spPr/>
+        <p:txBody>
+          <a:bodyPr/>
+          <a:lstStyle/>
+          <a:p>
+            <a:pPr>
+              <a:defRPr/>
+            </a:pPr>
+            <a:endParaRPr lang="en-US" altLang="ko-KR"/>
+          </a:p>
+        </p:txBody>
+      </p:sp>
+      <p:sp>
+        <p:nvSpPr>
+          <p:cNvPr id="4" name="슬라이드 번호 개체 틀 6"/>
+          <p:cNvSpPr>
+            <a:spLocks noGrp="1"/>
+          </p:cNvSpPr>
+          <p:nvPr>
+            <p:ph type="sldNum" sz="quarter" idx="5"/>
+          </p:nvPr>
+        </p:nvSpPr>
+        <p:spPr/>
+        <p:txBody>
+          <a:bodyPr/>
+          <a:lstStyle/>
+          <a:p>
+            <a:pPr lvl="0">
+              <a:defRPr/>
+            </a:pPr>
+            <a:fld id="{09F4262C-968C-4EE9-8164-CE16364706B3}" type="slidenum">
+              <a:rPr lang="en-US" altLang="en-US"/>
+              <a:pPr lvl="0">
+                <a:defRPr/>
+              </a:pPr>
+              <a:t>8</a:t>
+            </a:fld>
+            <a:endParaRPr lang="en-US" altLang="en-US"/>
+          </a:p>
+        </p:txBody>
+      </p:sp>
+    </p:spTree>
+    <p:extLst>
+      <p:ext uri="{BB962C8B-B14F-4D97-AF65-F5344CB8AC3E}">
+        <p14:creationId xmlns:p14="http://schemas.microsoft.com/office/powerpoint/2010/main" val="968855546"/>
+      </p:ext>
+    </p:extLst>
+  </p:cSld>
+  <p:clrMapOvr>
+    <a:masterClrMapping/>
+  </p:clrMapOvr>
+</p:notes>
+</file>
+
+<file path=ppt/notesSlides/notesSlide8.xml><?xml version="1.0" encoding="utf-8"?>
+<p:notes xmlns:a="http://schemas.openxmlformats.org/drawingml/2006/main" xmlns:r="http://schemas.openxmlformats.org/officeDocument/2006/relationships" xmlns:p="http://schemas.openxmlformats.org/presentationml/2006/main">
+  <p:cSld>
+    <p:spTree>
+      <p:nvGrpSpPr>
+        <p:cNvPr id="1" name=""/>
+        <p:cNvGrpSpPr/>
+        <p:nvPr/>
+      </p:nvGrpSpPr>
+      <p:grpSpPr>
+        <a:xfrm>
+          <a:off x="0" y="0"/>
+          <a:ext cx="0" cy="0"/>
+          <a:chOff x="0" y="0"/>
+          <a:chExt cx="0" cy="0"/>
+        </a:xfrm>
+      </p:grpSpPr>
+      <p:sp>
+        <p:nvSpPr>
+          <p:cNvPr id="2" name="슬라이드 이미지 개체 틀 3"/>
+          <p:cNvSpPr>
+            <a:spLocks noGrp="1" noRot="1" noChangeAspect="1" noTextEdit="1"/>
+          </p:cNvSpPr>
+          <p:nvPr>
+            <p:ph type="sldImg" idx="2"/>
+          </p:nvPr>
+        </p:nvSpPr>
+        <p:spPr/>
+        <p:txBody>
+          <a:bodyPr/>
+          <a:lstStyle/>
+          <a:p>
+            <a:pPr lvl="0"/>
+            <a:endParaRPr lang="en-US" altLang="ko-KR"/>
+          </a:p>
+        </p:txBody>
+      </p:sp>
+      <p:sp>
+        <p:nvSpPr>
+          <p:cNvPr id="3" name="슬라이드 노트 개체 틀 4"/>
+          <p:cNvSpPr>
+            <a:spLocks noGrp="1"/>
+          </p:cNvSpPr>
+          <p:nvPr>
+            <p:ph type="body" sz="quarter" idx="3"/>
+          </p:nvPr>
+        </p:nvSpPr>
+        <p:spPr/>
+        <p:txBody>
+          <a:bodyPr/>
+          <a:lstStyle/>
+          <a:p>
+            <a:pPr>
+              <a:defRPr/>
+            </a:pPr>
+            <a:endParaRPr lang="ko-KR" altLang="en-US"/>
+          </a:p>
+        </p:txBody>
+      </p:sp>
+      <p:sp>
+        <p:nvSpPr>
+          <p:cNvPr id="4" name="슬라이드 번호 개체 틀 6"/>
+          <p:cNvSpPr>
+            <a:spLocks noGrp="1"/>
+          </p:cNvSpPr>
+          <p:nvPr>
+            <p:ph type="sldNum" sz="quarter" idx="5"/>
+          </p:nvPr>
+        </p:nvSpPr>
+        <p:spPr/>
+        <p:txBody>
+          <a:bodyPr/>
+          <a:lstStyle/>
+          <a:p>
+            <a:pPr lvl="0"/>
+            <a:fld id="{09F4262C-968C-4EE9-8164-CE16364706B3}" type="slidenum">
+              <a:rPr lang="ko-KR" altLang="en-US" smtClean="0"/>
+              <a:pPr lvl="0"/>
+              <a:t>9</a:t>
+            </a:fld>
+            <a:endParaRPr lang="ko-KR" altLang="en-US"/>
+          </a:p>
+        </p:txBody>
+      </p:sp>
+    </p:spTree>
+    <p:extLst>
+      <p:ext uri="{BB962C8B-B14F-4D97-AF65-F5344CB8AC3E}">
+        <p14:creationId xmlns:p14="http://schemas.microsoft.com/office/powerpoint/2010/main" val="563555781"/>
+      </p:ext>
+    </p:extLst>
+  </p:cSld>
+  <p:clrMapOvr>
+    <a:masterClrMapping/>
+  </p:clrMapOvr>
+</p:notes>
+</file>
+
+<file path=ppt/notesSlides/notesSlide9.xml><?xml version="1.0" encoding="utf-8"?>
+<p:notes xmlns:a="http://schemas.openxmlformats.org/drawingml/2006/main" xmlns:r="http://schemas.openxmlformats.org/officeDocument/2006/relationships" xmlns:p="http://schemas.openxmlformats.org/presentationml/2006/main">
+  <p:cSld>
+    <p:spTree>
+      <p:nvGrpSpPr>
+        <p:cNvPr id="1" name=""/>
+        <p:cNvGrpSpPr/>
+        <p:nvPr/>
+      </p:nvGrpSpPr>
+      <p:grpSpPr>
+        <a:xfrm>
+          <a:off x="0" y="0"/>
+          <a:ext cx="0" cy="0"/>
+          <a:chOff x="0" y="0"/>
+          <a:chExt cx="0" cy="0"/>
+        </a:xfrm>
+      </p:grpSpPr>
+      <p:sp>
+        <p:nvSpPr>
+          <p:cNvPr id="2" name="슬라이드 이미지 개체 틀 3"/>
+          <p:cNvSpPr>
+            <a:spLocks noGrp="1" noRot="1" noChangeAspect="1" noTextEdit="1"/>
+          </p:cNvSpPr>
+          <p:nvPr>
+            <p:ph type="sldImg" idx="2"/>
+          </p:nvPr>
+        </p:nvSpPr>
+        <p:spPr/>
+        <p:txBody>
+          <a:bodyPr/>
+          <a:lstStyle/>
+          <a:p>
+            <a:pPr lvl="0"/>
+            <a:endParaRPr lang="en-US" altLang="ko-KR"/>
+          </a:p>
+        </p:txBody>
+      </p:sp>
+      <p:sp>
+        <p:nvSpPr>
+          <p:cNvPr id="3" name="슬라이드 노트 개체 틀 4"/>
+          <p:cNvSpPr>
+            <a:spLocks noGrp="1"/>
+          </p:cNvSpPr>
+          <p:nvPr>
+            <p:ph type="body" sz="quarter" idx="3"/>
+          </p:nvPr>
+        </p:nvSpPr>
+        <p:spPr/>
+        <p:txBody>
+          <a:bodyPr/>
+          <a:lstStyle/>
+          <a:p>
+            <a:pPr>
+              <a:defRPr/>
+            </a:pPr>
+            <a:endParaRPr lang="ko-KR" altLang="en-US"/>
+          </a:p>
+        </p:txBody>
+      </p:sp>
+      <p:sp>
+        <p:nvSpPr>
+          <p:cNvPr id="4" name="슬라이드 번호 개체 틀 6"/>
+          <p:cNvSpPr>
+            <a:spLocks noGrp="1"/>
+          </p:cNvSpPr>
+          <p:nvPr>
+            <p:ph type="sldNum" sz="quarter" idx="5"/>
+          </p:nvPr>
+        </p:nvSpPr>
+        <p:spPr/>
+        <p:txBody>
+          <a:bodyPr/>
+          <a:lstStyle/>
+          <a:p>
+            <a:pPr lvl="0"/>
+            <a:fld id="{09F4262C-968C-4EE9-8164-CE16364706B3}" type="slidenum">
+              <a:rPr lang="ko-KR" altLang="en-US" smtClean="0"/>
+              <a:pPr lvl="0"/>
+              <a:t>10</a:t>
+            </a:fld>
+            <a:endParaRPr lang="ko-KR" altLang="en-US"/>
+          </a:p>
+        </p:txBody>
+      </p:sp>
+    </p:spTree>
+    <p:extLst>
+      <p:ext uri="{BB962C8B-B14F-4D97-AF65-F5344CB8AC3E}">
+        <p14:creationId xmlns:p14="http://schemas.microsoft.com/office/powerpoint/2010/main" val="949599333"/>
       </p:ext>
     </p:extLst>
   </p:cSld>
@@ -1478,7 +2074,7 @@
 </file>
 
 <file path=ppt/slideLayouts/slideLayout1.xml><?xml version="1.0" encoding="utf-8"?>
-<p:sldLayout xmlns:r="http://schemas.openxmlformats.org/officeDocument/2006/relationships" xmlns:c="http://schemas.openxmlformats.org/drawingml/2006/chart" xmlns:a="http://schemas.openxmlformats.org/drawingml/2006/main" xmlns:dgm="http://schemas.openxmlformats.org/drawingml/2006/diagram" xmlns:dsp="http://schemas.microsoft.com/office/drawing/2008/diagram" xmlns:p="http://schemas.openxmlformats.org/presentationml/2006/main" showMasterPhAnim="1" type="title" preserve="1">
+<p:sldLayout xmlns:a="http://schemas.openxmlformats.org/drawingml/2006/main" xmlns:r="http://schemas.openxmlformats.org/officeDocument/2006/relationships" xmlns:p="http://schemas.openxmlformats.org/presentationml/2006/main" type="title" preserve="1">
   <p:cSld name="제목 슬라이드">
     <p:spTree>
       <p:nvGrpSpPr>
@@ -1501,7 +2097,7 @@
             <a:spLocks noGrp="1"/>
           </p:cNvSpPr>
           <p:nvPr>
-            <p:ph type="ctrTitle" idx="0"/>
+            <p:ph type="ctrTitle"/>
           </p:nvPr>
         </p:nvSpPr>
         <p:spPr>
@@ -1659,7 +2255,7 @@
             <a:fld id="{940A130E-E3B8-4EBE-931F-81B26B8448AA}" type="datetime1">
               <a:rPr lang="ko-KR" altLang="en-US" smtClean="0"/>
               <a:pPr/>
-              <a:t>2009-12-07</a:t>
+              <a:t>2024-01-18</a:t>
             </a:fld>
             <a:endParaRPr lang="ko-KR" altLang="en-US"/>
           </a:p>
@@ -1722,7 +2318,7 @@
 </file>
 
 <file path=ppt/slideLayouts/slideLayout10.xml><?xml version="1.0" encoding="utf-8"?>
-<p:sldLayout xmlns:r="http://schemas.openxmlformats.org/officeDocument/2006/relationships" xmlns:c="http://schemas.openxmlformats.org/drawingml/2006/chart" xmlns:a="http://schemas.openxmlformats.org/drawingml/2006/main" xmlns:dgm="http://schemas.openxmlformats.org/drawingml/2006/diagram" xmlns:dsp="http://schemas.microsoft.com/office/drawing/2008/diagram" xmlns:p="http://schemas.openxmlformats.org/presentationml/2006/main" showMasterPhAnim="1" type="objOnly" preserve="1">
+<p:sldLayout xmlns:a="http://schemas.openxmlformats.org/drawingml/2006/main" xmlns:r="http://schemas.openxmlformats.org/officeDocument/2006/relationships" xmlns:p="http://schemas.openxmlformats.org/presentationml/2006/main" type="objOnly" preserve="1">
   <p:cSld name="간지">
     <p:spTree>
       <p:nvGrpSpPr>
@@ -1745,7 +2341,7 @@
             <a:spLocks noGrp="1"/>
           </p:cNvSpPr>
           <p:nvPr>
-            <p:ph type="ctrTitle" idx="0"/>
+            <p:ph type="ctrTitle"/>
           </p:nvPr>
         </p:nvSpPr>
         <p:spPr>
@@ -1790,7 +2386,7 @@
             <a:fld id="{CA348888-F454-4AD2-BA62-3AF29D9807C0}" type="datetime1">
               <a:rPr lang="ko-KR" altLang="en-US" smtClean="0"/>
               <a:pPr/>
-              <a:t>2009-12-07</a:t>
+              <a:t>2024-01-18</a:t>
             </a:fld>
             <a:endParaRPr lang="ko-KR" altLang="en-US"/>
           </a:p>
@@ -1853,7 +2449,7 @@
 </file>
 
 <file path=ppt/slideLayouts/slideLayout11.xml><?xml version="1.0" encoding="utf-8"?>
-<p:sldLayout xmlns:r="http://schemas.openxmlformats.org/officeDocument/2006/relationships" xmlns:c="http://schemas.openxmlformats.org/drawingml/2006/chart" xmlns:a="http://schemas.openxmlformats.org/drawingml/2006/main" xmlns:dgm="http://schemas.openxmlformats.org/drawingml/2006/diagram" xmlns:dsp="http://schemas.microsoft.com/office/drawing/2008/diagram" xmlns:p="http://schemas.openxmlformats.org/presentationml/2006/main" showMasterPhAnim="1" type="clipArtAndTx" preserve="1">
+<p:sldLayout xmlns:a="http://schemas.openxmlformats.org/drawingml/2006/main" xmlns:r="http://schemas.openxmlformats.org/officeDocument/2006/relationships" xmlns:p="http://schemas.openxmlformats.org/presentationml/2006/main" type="clipArtAndTx" preserve="1">
   <p:cSld name="목차">
     <p:spTree>
       <p:nvGrpSpPr>
@@ -1876,7 +2472,7 @@
             <a:spLocks noGrp="1"/>
           </p:cNvSpPr>
           <p:nvPr>
-            <p:ph type="title" idx="0"/>
+            <p:ph type="title"/>
           </p:nvPr>
         </p:nvSpPr>
         <p:spPr>
@@ -1989,7 +2585,7 @@
             <a:fld id="{956FEC12-A4C9-4837-AF94-AD867782C04C}" type="datetime1">
               <a:rPr lang="ko-KR" altLang="en-US" smtClean="0"/>
               <a:pPr/>
-              <a:t>2009-12-07</a:t>
+              <a:t>2024-01-18</a:t>
             </a:fld>
             <a:endParaRPr lang="ko-KR" altLang="en-US"/>
           </a:p>
@@ -2052,7 +2648,7 @@
 </file>
 
 <file path=ppt/slideLayouts/slideLayout12.xml><?xml version="1.0" encoding="utf-8"?>
-<p:sldLayout xmlns:r="http://schemas.openxmlformats.org/officeDocument/2006/relationships" xmlns:c="http://schemas.openxmlformats.org/drawingml/2006/chart" xmlns:a="http://schemas.openxmlformats.org/drawingml/2006/main" xmlns:dgm="http://schemas.openxmlformats.org/drawingml/2006/diagram" xmlns:dsp="http://schemas.microsoft.com/office/drawing/2008/diagram" xmlns:p="http://schemas.openxmlformats.org/presentationml/2006/main" showMasterPhAnim="1" type="vertTitleAndTx" preserve="1">
+<p:sldLayout xmlns:a="http://schemas.openxmlformats.org/drawingml/2006/main" xmlns:r="http://schemas.openxmlformats.org/officeDocument/2006/relationships" xmlns:p="http://schemas.openxmlformats.org/presentationml/2006/main" type="vertTitleAndTx" preserve="1">
   <p:cSld name="세로 제목 및 본문">
     <p:spTree>
       <p:nvGrpSpPr>
@@ -2075,7 +2671,7 @@
             <a:spLocks noGrp="1"/>
           </p:cNvSpPr>
           <p:nvPr>
-            <p:ph type="title" orient="vert" idx="0"/>
+            <p:ph type="title" orient="vert"/>
           </p:nvPr>
         </p:nvSpPr>
         <p:spPr>
@@ -2171,7 +2767,7 @@
             <a:fld id="{957F84A3-4F29-4053-ACFD-1BAF2D3F140C}" type="datetime1">
               <a:rPr lang="ko-KR" altLang="en-US" smtClean="0"/>
               <a:pPr/>
-              <a:t>2009-12-07</a:t>
+              <a:t>2024-01-18</a:t>
             </a:fld>
             <a:endParaRPr lang="ko-KR" altLang="en-US"/>
           </a:p>
@@ -2234,7 +2830,7 @@
 </file>
 
 <file path=ppt/slideLayouts/slideLayout2.xml><?xml version="1.0" encoding="utf-8"?>
-<p:sldLayout xmlns:r="http://schemas.openxmlformats.org/officeDocument/2006/relationships" xmlns:c="http://schemas.openxmlformats.org/drawingml/2006/chart" xmlns:a="http://schemas.openxmlformats.org/drawingml/2006/main" xmlns:dgm="http://schemas.openxmlformats.org/drawingml/2006/diagram" xmlns:dsp="http://schemas.microsoft.com/office/drawing/2008/diagram" xmlns:p="http://schemas.openxmlformats.org/presentationml/2006/main" showMasterPhAnim="1" type="obj" preserve="1">
+<p:sldLayout xmlns:a="http://schemas.openxmlformats.org/drawingml/2006/main" xmlns:r="http://schemas.openxmlformats.org/officeDocument/2006/relationships" xmlns:p="http://schemas.openxmlformats.org/presentationml/2006/main" type="obj" preserve="1">
   <p:cSld name="제목 및 내용">
     <p:spTree>
       <p:nvGrpSpPr>
@@ -2257,7 +2853,7 @@
             <a:spLocks noGrp="1"/>
           </p:cNvSpPr>
           <p:nvPr>
-            <p:ph type="title" idx="0"/>
+            <p:ph type="title"/>
           </p:nvPr>
         </p:nvSpPr>
         <p:spPr/>
@@ -2343,7 +2939,7 @@
             <a:fld id="{4953836A-82A3-4C8B-9D31-CD724F3673ED}" type="datetime1">
               <a:rPr lang="ko-KR" altLang="en-US" smtClean="0"/>
               <a:pPr/>
-              <a:t>2009-12-07</a:t>
+              <a:t>2024-01-18</a:t>
             </a:fld>
             <a:endParaRPr lang="ko-KR" altLang="en-US"/>
           </a:p>
@@ -2406,7 +3002,7 @@
 </file>
 
 <file path=ppt/slideLayouts/slideLayout3.xml><?xml version="1.0" encoding="utf-8"?>
-<p:sldLayout xmlns:r="http://schemas.openxmlformats.org/officeDocument/2006/relationships" xmlns:c="http://schemas.openxmlformats.org/drawingml/2006/chart" xmlns:a="http://schemas.openxmlformats.org/drawingml/2006/main" xmlns:dgm="http://schemas.openxmlformats.org/drawingml/2006/diagram" xmlns:dsp="http://schemas.microsoft.com/office/drawing/2008/diagram" xmlns:p="http://schemas.openxmlformats.org/presentationml/2006/main" showMasterPhAnim="1" type="blank" preserve="1">
+<p:sldLayout xmlns:a="http://schemas.openxmlformats.org/drawingml/2006/main" xmlns:r="http://schemas.openxmlformats.org/officeDocument/2006/relationships" xmlns:p="http://schemas.openxmlformats.org/presentationml/2006/main" type="blank" preserve="1">
   <p:cSld name="빈 화면">
     <p:spTree>
       <p:nvGrpSpPr>
@@ -2440,7 +3036,7 @@
             <a:fld id="{AD2EBAF6-36D0-4DD8-B695-D4C1B37E35D6}" type="datetime1">
               <a:rPr lang="ko-KR" altLang="en-US" smtClean="0"/>
               <a:pPr/>
-              <a:t>2009-12-07</a:t>
+              <a:t>2024-01-18</a:t>
             </a:fld>
             <a:endParaRPr lang="ko-KR" altLang="en-US"/>
           </a:p>
@@ -2503,7 +3099,7 @@
 </file>
 
 <file path=ppt/slideLayouts/slideLayout4.xml><?xml version="1.0" encoding="utf-8"?>
-<p:sldLayout xmlns:r="http://schemas.openxmlformats.org/officeDocument/2006/relationships" xmlns:c="http://schemas.openxmlformats.org/drawingml/2006/chart" xmlns:a="http://schemas.openxmlformats.org/drawingml/2006/main" xmlns:dgm="http://schemas.openxmlformats.org/drawingml/2006/diagram" xmlns:dsp="http://schemas.microsoft.com/office/drawing/2008/diagram" xmlns:p="http://schemas.openxmlformats.org/presentationml/2006/main" showMasterPhAnim="1" type="secHead" preserve="1">
+<p:sldLayout xmlns:a="http://schemas.openxmlformats.org/drawingml/2006/main" xmlns:r="http://schemas.openxmlformats.org/officeDocument/2006/relationships" xmlns:p="http://schemas.openxmlformats.org/presentationml/2006/main" type="secHead" preserve="1">
   <p:cSld name="구역 머리글">
     <p:spTree>
       <p:nvGrpSpPr>
@@ -2526,7 +3122,7 @@
             <a:spLocks noGrp="1"/>
           </p:cNvSpPr>
           <p:nvPr>
-            <p:ph type="title" idx="0"/>
+            <p:ph type="title"/>
           </p:nvPr>
         </p:nvSpPr>
         <p:spPr>
@@ -2688,7 +3284,7 @@
             <a:fld id="{60728D28-603B-4EFC-80F8-17E5E9107035}" type="datetime1">
               <a:rPr lang="ko-KR" altLang="en-US" smtClean="0"/>
               <a:pPr/>
-              <a:t>2009-12-07</a:t>
+              <a:t>2024-01-18</a:t>
             </a:fld>
             <a:endParaRPr lang="ko-KR" altLang="en-US"/>
           </a:p>
@@ -2751,7 +3347,7 @@
 </file>
 
 <file path=ppt/slideLayouts/slideLayout5.xml><?xml version="1.0" encoding="utf-8"?>
-<p:sldLayout xmlns:r="http://schemas.openxmlformats.org/officeDocument/2006/relationships" xmlns:c="http://schemas.openxmlformats.org/drawingml/2006/chart" xmlns:a="http://schemas.openxmlformats.org/drawingml/2006/main" xmlns:dgm="http://schemas.openxmlformats.org/drawingml/2006/diagram" xmlns:dsp="http://schemas.microsoft.com/office/drawing/2008/diagram" xmlns:p="http://schemas.openxmlformats.org/presentationml/2006/main" showMasterPhAnim="1" type="twoObj" preserve="1">
+<p:sldLayout xmlns:a="http://schemas.openxmlformats.org/drawingml/2006/main" xmlns:r="http://schemas.openxmlformats.org/officeDocument/2006/relationships" xmlns:p="http://schemas.openxmlformats.org/presentationml/2006/main" type="twoObj" preserve="1">
   <p:cSld name="내용 2개">
     <p:spTree>
       <p:nvGrpSpPr>
@@ -2774,7 +3370,7 @@
             <a:spLocks noGrp="1"/>
           </p:cNvSpPr>
           <p:nvPr>
-            <p:ph type="title" idx="0"/>
+            <p:ph type="title"/>
           </p:nvPr>
         </p:nvSpPr>
         <p:spPr/>
@@ -2978,7 +3574,7 @@
             <a:fld id="{A27A1F4E-0809-4239-8034-C38E431DAF92}" type="datetime1">
               <a:rPr lang="ko-KR" altLang="en-US" smtClean="0"/>
               <a:pPr/>
-              <a:t>2009-12-07</a:t>
+              <a:t>2024-01-18</a:t>
             </a:fld>
             <a:endParaRPr lang="ko-KR" altLang="en-US"/>
           </a:p>
@@ -3041,7 +3637,7 @@
 </file>
 
 <file path=ppt/slideLayouts/slideLayout6.xml><?xml version="1.0" encoding="utf-8"?>
-<p:sldLayout xmlns:r="http://schemas.openxmlformats.org/officeDocument/2006/relationships" xmlns:c="http://schemas.openxmlformats.org/drawingml/2006/chart" xmlns:a="http://schemas.openxmlformats.org/drawingml/2006/main" xmlns:dgm="http://schemas.openxmlformats.org/drawingml/2006/diagram" xmlns:dsp="http://schemas.microsoft.com/office/drawing/2008/diagram" xmlns:p="http://schemas.openxmlformats.org/presentationml/2006/main" showMasterPhAnim="1" type="titleOnly" preserve="1">
+<p:sldLayout xmlns:a="http://schemas.openxmlformats.org/drawingml/2006/main" xmlns:r="http://schemas.openxmlformats.org/officeDocument/2006/relationships" xmlns:p="http://schemas.openxmlformats.org/presentationml/2006/main" type="titleOnly" preserve="1">
   <p:cSld name="제목만">
     <p:spTree>
       <p:nvGrpSpPr>
@@ -3064,7 +3660,7 @@
             <a:spLocks noGrp="1"/>
           </p:cNvSpPr>
           <p:nvPr>
-            <p:ph type="title" idx="0"/>
+            <p:ph type="title"/>
           </p:nvPr>
         </p:nvSpPr>
         <p:spPr/>
@@ -3098,7 +3694,7 @@
             <a:fld id="{5E0DA496-7307-4E8B-88DE-CB97B48BAB6F}" type="datetime1">
               <a:rPr lang="ko-KR" altLang="en-US" smtClean="0"/>
               <a:pPr/>
-              <a:t>2009-12-07</a:t>
+              <a:t>2024-01-18</a:t>
             </a:fld>
             <a:endParaRPr lang="ko-KR" altLang="en-US"/>
           </a:p>
@@ -3161,7 +3757,7 @@
 </file>
 
 <file path=ppt/slideLayouts/slideLayout7.xml><?xml version="1.0" encoding="utf-8"?>
-<p:sldLayout xmlns:r="http://schemas.openxmlformats.org/officeDocument/2006/relationships" xmlns:c="http://schemas.openxmlformats.org/drawingml/2006/chart" xmlns:a="http://schemas.openxmlformats.org/drawingml/2006/main" xmlns:dgm="http://schemas.openxmlformats.org/drawingml/2006/diagram" xmlns:dsp="http://schemas.microsoft.com/office/drawing/2008/diagram" xmlns:p="http://schemas.openxmlformats.org/presentationml/2006/main" showMasterPhAnim="1" type="tbl" preserve="1">
+<p:sldLayout xmlns:a="http://schemas.openxmlformats.org/drawingml/2006/main" xmlns:r="http://schemas.openxmlformats.org/officeDocument/2006/relationships" xmlns:p="http://schemas.openxmlformats.org/presentationml/2006/main" type="tbl" preserve="1">
   <p:cSld name="표">
     <p:spTree>
       <p:nvGrpSpPr>
@@ -3184,7 +3780,7 @@
             <a:spLocks noGrp="1"/>
           </p:cNvSpPr>
           <p:nvPr>
-            <p:ph type="title" idx="0"/>
+            <p:ph type="title"/>
           </p:nvPr>
         </p:nvSpPr>
         <p:spPr/>
@@ -3252,7 +3848,7 @@
             <a:fld id="{58721E90-850C-410B-8B89-8394F580CFDA}" type="datetime1">
               <a:rPr lang="ko-KR" altLang="en-US" smtClean="0"/>
               <a:pPr/>
-              <a:t>2009-12-07</a:t>
+              <a:t>2024-01-18</a:t>
             </a:fld>
             <a:endParaRPr lang="ko-KR" altLang="en-US"/>
           </a:p>
@@ -3315,7 +3911,7 @@
 </file>
 
 <file path=ppt/slideLayouts/slideLayout8.xml><?xml version="1.0" encoding="utf-8"?>
-<p:sldLayout xmlns:r="http://schemas.openxmlformats.org/officeDocument/2006/relationships" xmlns:c="http://schemas.openxmlformats.org/drawingml/2006/chart" xmlns:a="http://schemas.openxmlformats.org/drawingml/2006/main" xmlns:dgm="http://schemas.openxmlformats.org/drawingml/2006/diagram" xmlns:dsp="http://schemas.microsoft.com/office/drawing/2008/diagram" xmlns:p="http://schemas.openxmlformats.org/presentationml/2006/main" showMasterPhAnim="1" type="fourObj" preserve="1">
+<p:sldLayout xmlns:a="http://schemas.openxmlformats.org/drawingml/2006/main" xmlns:r="http://schemas.openxmlformats.org/officeDocument/2006/relationships" xmlns:p="http://schemas.openxmlformats.org/presentationml/2006/main" type="fourObj" preserve="1">
   <p:cSld name="내용 4개">
     <p:spTree>
       <p:nvGrpSpPr>
@@ -3338,7 +3934,7 @@
             <a:spLocks noGrp="1"/>
           </p:cNvSpPr>
           <p:nvPr>
-            <p:ph type="title" idx="0"/>
+            <p:ph type="title"/>
           </p:nvPr>
         </p:nvSpPr>
         <p:spPr/>
@@ -3712,7 +4308,7 @@
             <a:fld id="{5ACE7E28-9336-4363-8674-B91477D8F243}" type="datetime1">
               <a:rPr lang="ko-KR" altLang="en-US" smtClean="0"/>
               <a:pPr/>
-              <a:t>2009-12-07</a:t>
+              <a:t>2024-01-18</a:t>
             </a:fld>
             <a:endParaRPr lang="ko-KR" altLang="en-US"/>
           </a:p>
@@ -3775,7 +4371,7 @@
 </file>
 
 <file path=ppt/slideLayouts/slideLayout9.xml><?xml version="1.0" encoding="utf-8"?>
-<p:sldLayout xmlns:r="http://schemas.openxmlformats.org/officeDocument/2006/relationships" xmlns:c="http://schemas.openxmlformats.org/drawingml/2006/chart" xmlns:a="http://schemas.openxmlformats.org/drawingml/2006/main" xmlns:dgm="http://schemas.openxmlformats.org/drawingml/2006/diagram" xmlns:dsp="http://schemas.microsoft.com/office/drawing/2008/diagram" xmlns:p="http://schemas.openxmlformats.org/presentationml/2006/main" showMasterPhAnim="1" type="picTx" preserve="1">
+<p:sldLayout xmlns:a="http://schemas.openxmlformats.org/drawingml/2006/main" xmlns:r="http://schemas.openxmlformats.org/officeDocument/2006/relationships" xmlns:p="http://schemas.openxmlformats.org/presentationml/2006/main" type="picTx" preserve="1">
   <p:cSld name="그림 및 설명">
     <p:spTree>
       <p:nvGrpSpPr>
@@ -3798,7 +4394,7 @@
             <a:spLocks noGrp="1"/>
           </p:cNvSpPr>
           <p:nvPr>
-            <p:ph type="title" idx="0"/>
+            <p:ph type="title"/>
           </p:nvPr>
         </p:nvSpPr>
         <p:spPr>
@@ -3971,7 +4567,7 @@
             <a:fld id="{5ACE7E28-9336-4363-8674-B91477D8F243}" type="datetime1">
               <a:rPr lang="ko-KR" altLang="en-US" smtClean="0"/>
               <a:pPr/>
-              <a:t>2009-12-07</a:t>
+              <a:t>2024-01-18</a:t>
             </a:fld>
             <a:endParaRPr lang="ko-KR" altLang="en-US"/>
           </a:p>
@@ -4034,7 +4630,7 @@
 </file>
 
 <file path=ppt/slideMasters/slideMaster1.xml><?xml version="1.0" encoding="utf-8"?>
-<p:sldMaster xmlns:r="http://schemas.openxmlformats.org/officeDocument/2006/relationships" xmlns:c="http://schemas.openxmlformats.org/drawingml/2006/chart" xmlns:a="http://schemas.openxmlformats.org/drawingml/2006/main" xmlns:dgm="http://schemas.openxmlformats.org/drawingml/2006/diagram" xmlns:dsp="http://schemas.microsoft.com/office/drawing/2008/diagram" xmlns:p="http://schemas.openxmlformats.org/presentationml/2006/main">
+<p:sldMaster xmlns:a="http://schemas.openxmlformats.org/drawingml/2006/main" xmlns:r="http://schemas.openxmlformats.org/officeDocument/2006/relationships" xmlns:p="http://schemas.openxmlformats.org/presentationml/2006/main">
   <p:cSld>
     <p:bg>
       <p:bgRef idx="1001">
@@ -4062,7 +4658,7 @@
             <a:spLocks noGrp="1"/>
           </p:cNvSpPr>
           <p:nvPr>
-            <p:ph type="title" idx="0"/>
+            <p:ph type="title"/>
           </p:nvPr>
         </p:nvSpPr>
         <p:spPr>
@@ -4186,7 +4782,7 @@
             <a:fld id="{D422D86A-5F52-4165-8473-F1B836277586}" type="datetime1">
               <a:rPr lang="ko-KR" altLang="en-US" smtClean="0"/>
               <a:pPr/>
-              <a:t>2009-12-07</a:t>
+              <a:t>2024-01-18</a:t>
             </a:fld>
             <a:endParaRPr lang="ko-KR" altLang="en-US"/>
           </a:p>
@@ -4604,7 +5200,7 @@
 </file>
 
 <file path=ppt/slides/slide1.xml><?xml version="1.0" encoding="utf-8"?>
-<p:sld xmlns:r="http://schemas.openxmlformats.org/officeDocument/2006/relationships" xmlns:c="http://schemas.openxmlformats.org/drawingml/2006/chart" xmlns:a="http://schemas.openxmlformats.org/drawingml/2006/main" xmlns:dgm="http://schemas.openxmlformats.org/drawingml/2006/diagram" xmlns:dsp="http://schemas.microsoft.com/office/drawing/2008/diagram" xmlns:p="http://schemas.openxmlformats.org/presentationml/2006/main">
+<p:sld xmlns:a="http://schemas.openxmlformats.org/drawingml/2006/main" xmlns:r="http://schemas.openxmlformats.org/officeDocument/2006/relationships" xmlns:p="http://schemas.openxmlformats.org/presentationml/2006/main">
   <p:cSld>
     <p:spTree>
       <p:nvGrpSpPr>
@@ -4630,25 +5226,33 @@
   <p:clrMapOvr>
     <a:masterClrMapping/>
   </p:clrMapOvr>
-  <mc:AlternateContent xmlns:mc="http://schemas.openxmlformats.org/markup-compatibility/2006">
-    <mc:Choice xmlns:p14="http://schemas.microsoft.com/office/powerpoint/2010/main" Requires="p14">
-      <p:transition xmlns:mc="http://schemas.openxmlformats.org/markup-compatibility/2006" xmlns:p14="http://schemas.microsoft.com/office/powerpoint/2010/main" mc:Ignorable="p14" p14:dur="500"/>
+  <mc:AlternateContent xmlns:mc="http://schemas.openxmlformats.org/markup-compatibility/2006" xmlns:p14="http://schemas.microsoft.com/office/powerpoint/2010/main">
+    <mc:Choice Requires="p14">
+      <p:transition/>
     </mc:Choice>
-    <mc:Fallback>
+    <mc:Fallback xmlns:dsp="http://schemas.microsoft.com/office/drawing/2008/diagram" xmlns:dgm="http://schemas.openxmlformats.org/drawingml/2006/diagram" xmlns:c="http://schemas.openxmlformats.org/drawingml/2006/chart" xmlns="">
       <p:transition/>
     </mc:Fallback>
   </mc:AlternateContent>
+  <p:timing>
+    <p:tnLst>
+      <p:par>
+        <p:cTn id="1" dur="indefinite" restart="never" nodeType="tmRoot"/>
+      </p:par>
+    </p:tnLst>
+  </p:timing>
 </p:sld>
 </file>
 
 <file path=ppt/slides/slide10.xml><?xml version="1.0" encoding="utf-8"?>
-<p:sld xmlns:r="http://schemas.openxmlformats.org/officeDocument/2006/relationships" xmlns:c="http://schemas.openxmlformats.org/drawingml/2006/chart" xmlns:a="http://schemas.openxmlformats.org/drawingml/2006/main" xmlns:dgm="http://schemas.openxmlformats.org/drawingml/2006/diagram" xmlns:dsp="http://schemas.microsoft.com/office/drawing/2008/diagram" xmlns:p="http://schemas.openxmlformats.org/presentationml/2006/main">
+<p:sld xmlns:a="http://schemas.openxmlformats.org/drawingml/2006/main" xmlns:r="http://schemas.openxmlformats.org/officeDocument/2006/relationships" xmlns:p="http://schemas.openxmlformats.org/presentationml/2006/main">
   <p:cSld>
     <p:bg>
-      <p:bgPr shadeToTitle="0">
+      <p:bgPr>
         <a:solidFill>
-          <a:srgbClr val="18141d"/>
+          <a:srgbClr val="18141D"/>
         </a:solidFill>
+        <a:effectLst/>
       </p:bgPr>
     </p:bg>
     <p:spTree>
@@ -4667,7 +5271,7 @@
       </p:grpSpPr>
       <p:cxnSp>
         <p:nvCxnSpPr>
-          <p:cNvPr id="8" name=""/>
+          <p:cNvPr id="8" name="직선 연결선 7"/>
           <p:cNvCxnSpPr/>
           <p:nvPr/>
         </p:nvCxnSpPr>
@@ -4702,12 +5306,12 @@
       </p:cxnSp>
       <p:cxnSp>
         <p:nvCxnSpPr>
-          <p:cNvPr id="9" name=""/>
+          <p:cNvPr id="9" name="직선 연결선 8"/>
           <p:cNvCxnSpPr/>
           <p:nvPr/>
         </p:nvCxnSpPr>
         <p:spPr>
-          <a:xfrm flipV="1">
+          <a:xfrm>
             <a:off x="0" y="888755"/>
             <a:ext cx="6859221" cy="0"/>
           </a:xfrm>
@@ -4737,7 +5341,7 @@
       </p:cxnSp>
       <p:sp>
         <p:nvSpPr>
-          <p:cNvPr id="17" name=""/>
+          <p:cNvPr id="17" name="양쪽 대괄호 16"/>
           <p:cNvSpPr/>
           <p:nvPr/>
         </p:nvSpPr>
@@ -4773,6 +5377,7 @@
         </p:style>
         <p:txBody>
           <a:bodyPr anchor="ctr"/>
+          <a:lstStyle/>
           <a:p>
             <a:pPr algn="ctr">
               <a:defRPr/>
@@ -4783,26 +5388,21 @@
                   <a:srgbClr val="502962"/>
                 </a:solidFill>
               </a:rPr>
-              <a:t>Main</a:t>
-            </a:r>
-            <a:endParaRPr lang="en-US" altLang="ko-KR" b="1">
-              <a:solidFill>
-                <a:srgbClr val="502962"/>
-              </a:solidFill>
-            </a:endParaRPr>
-          </a:p>
-        </p:txBody>
-      </p:sp>
-      <p:sp>
-        <p:nvSpPr>
-          <p:cNvPr id="18" name=""/>
+              <a:t>Scene</a:t>
+            </a:r>
+          </a:p>
+        </p:txBody>
+      </p:sp>
+      <p:sp>
+        <p:nvSpPr>
+          <p:cNvPr id="18" name="TextBox 17"/>
           <p:cNvSpPr txBox="1"/>
           <p:nvPr/>
         </p:nvSpPr>
         <p:spPr>
           <a:xfrm>
-            <a:off x="314285" y="168115"/>
-            <a:ext cx="5911606" cy="616268"/>
+            <a:off x="314284" y="168115"/>
+            <a:ext cx="8120589" cy="630942"/>
           </a:xfrm>
           <a:prstGeom prst="rect">
             <a:avLst/>
@@ -4812,79 +5412,585 @@
           <a:bodyPr wrap="square">
             <a:spAutoFit/>
           </a:bodyPr>
+          <a:lstStyle/>
           <a:p>
             <a:pPr>
               <a:defRPr/>
             </a:pPr>
             <a:r>
-              <a:rPr lang="ko-KR" altLang="en-US" sz="3500" b="1">
+              <a:rPr lang="en-US" altLang="ko-KR" sz="3500" b="1" dirty="0" smtClean="0">
                 <a:solidFill>
-                  <a:srgbClr val="f4e5b2"/>
+                  <a:srgbClr val="F4E5B2"/>
                 </a:solidFill>
               </a:rPr>
-              <a:t>전체적인 구조 </a:t>
-            </a:r>
-            <a:r>
-              <a:rPr lang="en-US" altLang="ko-KR" sz="3500" b="1">
+              <a:t>Scene </a:t>
+            </a:r>
+            <a:r>
+              <a:rPr lang="ko-KR" altLang="en-US" sz="3500" b="1" dirty="0" smtClean="0">
                 <a:solidFill>
-                  <a:srgbClr val="f4e5b2"/>
+                  <a:srgbClr val="F4E5B2"/>
                 </a:solidFill>
               </a:rPr>
-              <a:t>-</a:t>
-            </a:r>
-            <a:r>
-              <a:rPr lang="ko-KR" altLang="en-US" sz="3500" b="1">
+              <a:t>전환 </a:t>
+            </a:r>
+            <a:r>
+              <a:rPr lang="ko-KR" altLang="en-US" sz="3500" b="1" dirty="0" err="1" smtClean="0">
                 <a:solidFill>
-                  <a:srgbClr val="f4e5b2"/>
+                  <a:srgbClr val="F4E5B2"/>
+                </a:solidFill>
+              </a:rPr>
+              <a:t>로직</a:t>
+            </a:r>
+            <a:r>
+              <a:rPr lang="en-US" altLang="ko-KR" sz="3500" b="1" dirty="0" smtClean="0">
+                <a:solidFill>
+                  <a:srgbClr val="F4E5B2"/>
+                </a:solidFill>
+              </a:rPr>
+              <a:t>_ </a:t>
+            </a:r>
+            <a:r>
+              <a:rPr lang="ko-KR" altLang="en-US" sz="2000" b="1" dirty="0" smtClean="0">
+                <a:solidFill>
+                  <a:srgbClr val="F4E5B2"/>
+                </a:solidFill>
+              </a:rPr>
+              <a:t>플레이어 정보 전달 </a:t>
+            </a:r>
+            <a:r>
+              <a:rPr lang="ko-KR" altLang="en-US" sz="2000" b="1" dirty="0" err="1" smtClean="0">
+                <a:solidFill>
+                  <a:srgbClr val="F4E5B2"/>
+                </a:solidFill>
+              </a:rPr>
+              <a:t>로직</a:t>
+            </a:r>
+            <a:r>
+              <a:rPr lang="ko-KR" altLang="en-US" sz="2000" b="1" dirty="0" smtClean="0">
+                <a:solidFill>
+                  <a:srgbClr val="F4E5B2"/>
                 </a:solidFill>
               </a:rPr>
               <a:t> </a:t>
             </a:r>
             <a:r>
-              <a:rPr lang="en-US" altLang="ko-KR" sz="3500" b="1">
+              <a:rPr lang="en-US" altLang="ko-KR" sz="2000" b="1" dirty="0" smtClean="0">
                 <a:solidFill>
-                  <a:srgbClr val="f4e5b2"/>
+                  <a:srgbClr val="F4E5B2"/>
                 </a:solidFill>
               </a:rPr>
-              <a:t>Scene</a:t>
-            </a:r>
-            <a:endParaRPr lang="en-US" altLang="ko-KR" sz="3500" b="1">
+              <a:t>1</a:t>
+            </a:r>
+            <a:endParaRPr lang="en-US" altLang="ko-KR" sz="2000" b="1" dirty="0">
               <a:solidFill>
-                <a:srgbClr val="f4e5b2"/>
+                <a:srgbClr val="F4E5B2"/>
               </a:solidFill>
             </a:endParaRPr>
           </a:p>
         </p:txBody>
       </p:sp>
+      <p:pic>
+        <p:nvPicPr>
+          <p:cNvPr id="22" name="그림 21"/>
+          <p:cNvPicPr>
+            <a:picLocks noChangeAspect="1"/>
+          </p:cNvPicPr>
+          <p:nvPr/>
+        </p:nvPicPr>
+        <p:blipFill rotWithShape="1">
+          <a:blip r:embed="rId3"/>
+          <a:stretch>
+            <a:fillRect/>
+          </a:stretch>
+        </p:blipFill>
+        <p:spPr>
+          <a:xfrm>
+            <a:off x="370076" y="1943391"/>
+            <a:ext cx="2955803" cy="1626376"/>
+          </a:xfrm>
+          <a:prstGeom prst="rect">
+            <a:avLst/>
+          </a:prstGeom>
+        </p:spPr>
+      </p:pic>
+      <p:pic>
+        <p:nvPicPr>
+          <p:cNvPr id="23" name="그림 22"/>
+          <p:cNvPicPr>
+            <a:picLocks noChangeAspect="1"/>
+          </p:cNvPicPr>
+          <p:nvPr/>
+        </p:nvPicPr>
+        <p:blipFill rotWithShape="1">
+          <a:blip r:embed="rId4"/>
+          <a:stretch>
+            <a:fillRect/>
+          </a:stretch>
+        </p:blipFill>
+        <p:spPr>
+          <a:xfrm>
+            <a:off x="298924" y="3976615"/>
+            <a:ext cx="3098109" cy="1318645"/>
+          </a:xfrm>
+          <a:prstGeom prst="rect">
+            <a:avLst/>
+          </a:prstGeom>
+        </p:spPr>
+      </p:pic>
+      <p:pic>
+        <p:nvPicPr>
+          <p:cNvPr id="2" name="그림 1"/>
+          <p:cNvPicPr>
+            <a:picLocks noChangeAspect="1"/>
+          </p:cNvPicPr>
+          <p:nvPr/>
+        </p:nvPicPr>
+        <p:blipFill>
+          <a:blip r:embed="rId5"/>
+          <a:stretch>
+            <a:fillRect/>
+          </a:stretch>
+        </p:blipFill>
+        <p:spPr>
+          <a:xfrm>
+            <a:off x="3624739" y="1899307"/>
+            <a:ext cx="8490117" cy="4393102"/>
+          </a:xfrm>
+          <a:prstGeom prst="rect">
+            <a:avLst/>
+          </a:prstGeom>
+        </p:spPr>
+      </p:pic>
+      <p:pic>
+        <p:nvPicPr>
+          <p:cNvPr id="3" name="그림 2"/>
+          <p:cNvPicPr>
+            <a:picLocks noChangeAspect="1"/>
+          </p:cNvPicPr>
+          <p:nvPr/>
+        </p:nvPicPr>
+        <p:blipFill>
+          <a:blip r:embed="rId6"/>
+          <a:stretch>
+            <a:fillRect/>
+          </a:stretch>
+        </p:blipFill>
+        <p:spPr>
+          <a:xfrm>
+            <a:off x="4590841" y="1082349"/>
+            <a:ext cx="923552" cy="1005935"/>
+          </a:xfrm>
+          <a:prstGeom prst="rect">
+            <a:avLst/>
+          </a:prstGeom>
+        </p:spPr>
+      </p:pic>
+      <p:pic>
+        <p:nvPicPr>
+          <p:cNvPr id="4" name="그림 3"/>
+          <p:cNvPicPr>
+            <a:picLocks noChangeAspect="1"/>
+          </p:cNvPicPr>
+          <p:nvPr/>
+        </p:nvPicPr>
+        <p:blipFill>
+          <a:blip r:embed="rId7"/>
+          <a:stretch>
+            <a:fillRect/>
+          </a:stretch>
+        </p:blipFill>
+        <p:spPr>
+          <a:xfrm>
+            <a:off x="10157056" y="1082349"/>
+            <a:ext cx="909049" cy="1005935"/>
+          </a:xfrm>
+          <a:prstGeom prst="rect">
+            <a:avLst/>
+          </a:prstGeom>
+        </p:spPr>
+      </p:pic>
+      <p:pic>
+        <p:nvPicPr>
+          <p:cNvPr id="5" name="그림 4"/>
+          <p:cNvPicPr>
+            <a:picLocks noChangeAspect="1"/>
+          </p:cNvPicPr>
+          <p:nvPr/>
+        </p:nvPicPr>
+        <p:blipFill>
+          <a:blip r:embed="rId8"/>
+          <a:stretch>
+            <a:fillRect/>
+          </a:stretch>
+        </p:blipFill>
+        <p:spPr>
+          <a:xfrm>
+            <a:off x="7078980" y="2760029"/>
+            <a:ext cx="1355893" cy="330705"/>
+          </a:xfrm>
+          <a:prstGeom prst="rect">
+            <a:avLst/>
+          </a:prstGeom>
+        </p:spPr>
+      </p:pic>
     </p:spTree>
     <p:extLst>
       <p:ext uri="{BB962C8B-B14F-4D97-AF65-F5344CB8AC3E}">
-        <p14:creationId xmlns:p14="http://schemas.microsoft.com/office/powerpoint/2010/main" val="3872910840"/>
+        <p14:creationId xmlns:p14="http://schemas.microsoft.com/office/powerpoint/2010/main" val="964355495"/>
       </p:ext>
     </p:extLst>
   </p:cSld>
   <p:clrMapOvr>
     <a:masterClrMapping/>
   </p:clrMapOvr>
-  <mc:AlternateContent xmlns:mc="http://schemas.openxmlformats.org/markup-compatibility/2006">
-    <mc:Choice xmlns:p14="http://schemas.microsoft.com/office/powerpoint/2010/main" Requires="p14">
-      <p:transition xmlns:mc="http://schemas.openxmlformats.org/markup-compatibility/2006" xmlns:p14="http://schemas.microsoft.com/office/powerpoint/2010/main" mc:Ignorable="p14" p14:dur="500"/>
+  <mc:AlternateContent xmlns:mc="http://schemas.openxmlformats.org/markup-compatibility/2006" xmlns:p14="http://schemas.microsoft.com/office/powerpoint/2010/main">
+    <mc:Choice Requires="p14">
+      <p:transition/>
     </mc:Choice>
-    <mc:Fallback>
+    <mc:Fallback xmlns:dsp="http://schemas.microsoft.com/office/drawing/2008/diagram" xmlns:dgm="http://schemas.openxmlformats.org/drawingml/2006/diagram" xmlns:c="http://schemas.openxmlformats.org/drawingml/2006/chart" xmlns="">
       <p:transition/>
     </mc:Fallback>
   </mc:AlternateContent>
+  <p:timing>
+    <p:tnLst>
+      <p:par>
+        <p:cTn id="1" dur="indefinite" restart="never" nodeType="tmRoot"/>
+      </p:par>
+    </p:tnLst>
+  </p:timing>
 </p:sld>
 </file>
 
 <file path=ppt/slides/slide11.xml><?xml version="1.0" encoding="utf-8"?>
-<p:sld xmlns:r="http://schemas.openxmlformats.org/officeDocument/2006/relationships" xmlns:c="http://schemas.openxmlformats.org/drawingml/2006/chart" xmlns:a="http://schemas.openxmlformats.org/drawingml/2006/main" xmlns:dgm="http://schemas.openxmlformats.org/drawingml/2006/diagram" xmlns:dsp="http://schemas.microsoft.com/office/drawing/2008/diagram" xmlns:p="http://schemas.openxmlformats.org/presentationml/2006/main">
+<p:sld xmlns:a="http://schemas.openxmlformats.org/drawingml/2006/main" xmlns:r="http://schemas.openxmlformats.org/officeDocument/2006/relationships" xmlns:p="http://schemas.openxmlformats.org/presentationml/2006/main">
   <p:cSld>
     <p:bg>
-      <p:bgPr shadeToTitle="0">
+      <p:bgPr>
         <a:solidFill>
-          <a:srgbClr val="18141d"/>
+          <a:srgbClr val="18141D"/>
         </a:solidFill>
+        <a:effectLst/>
+      </p:bgPr>
+    </p:bg>
+    <p:spTree>
+      <p:nvGrpSpPr>
+        <p:cNvPr id="1" name=""/>
+        <p:cNvGrpSpPr/>
+        <p:nvPr/>
+      </p:nvGrpSpPr>
+      <p:grpSpPr>
+        <a:xfrm>
+          <a:off x="0" y="0"/>
+          <a:ext cx="0" cy="0"/>
+          <a:chOff x="0" y="0"/>
+          <a:chExt cx="0" cy="0"/>
+        </a:xfrm>
+      </p:grpSpPr>
+      <p:pic>
+        <p:nvPicPr>
+          <p:cNvPr id="6" name="그림 5"/>
+          <p:cNvPicPr>
+            <a:picLocks noChangeAspect="1"/>
+          </p:cNvPicPr>
+          <p:nvPr/>
+        </p:nvPicPr>
+        <p:blipFill>
+          <a:blip r:embed="rId3"/>
+          <a:stretch>
+            <a:fillRect/>
+          </a:stretch>
+        </p:blipFill>
+        <p:spPr>
+          <a:xfrm>
+            <a:off x="1171693" y="1269191"/>
+            <a:ext cx="9976254" cy="5258801"/>
+          </a:xfrm>
+          <a:prstGeom prst="rect">
+            <a:avLst/>
+          </a:prstGeom>
+        </p:spPr>
+      </p:pic>
+      <p:cxnSp>
+        <p:nvCxnSpPr>
+          <p:cNvPr id="8" name="직선 연결선 7"/>
+          <p:cNvCxnSpPr/>
+          <p:nvPr/>
+        </p:nvCxnSpPr>
+        <p:spPr>
+          <a:xfrm>
+            <a:off x="0" y="827942"/>
+            <a:ext cx="7591914" cy="0"/>
+          </a:xfrm>
+          <a:prstGeom prst="line">
+            <a:avLst/>
+          </a:prstGeom>
+          <a:ln>
+            <a:solidFill>
+              <a:schemeClr val="accent2"/>
+            </a:solidFill>
+          </a:ln>
+        </p:spPr>
+        <p:style>
+          <a:lnRef idx="1">
+            <a:schemeClr val="accent1"/>
+          </a:lnRef>
+          <a:fillRef idx="0">
+            <a:schemeClr val="accent1"/>
+          </a:fillRef>
+          <a:effectRef idx="0">
+            <a:schemeClr val="accent1"/>
+          </a:effectRef>
+          <a:fontRef idx="minor">
+            <a:schemeClr val="tx1"/>
+          </a:fontRef>
+        </p:style>
+      </p:cxnSp>
+      <p:cxnSp>
+        <p:nvCxnSpPr>
+          <p:cNvPr id="9" name="직선 연결선 8"/>
+          <p:cNvCxnSpPr/>
+          <p:nvPr/>
+        </p:nvCxnSpPr>
+        <p:spPr>
+          <a:xfrm>
+            <a:off x="0" y="888755"/>
+            <a:ext cx="6859221" cy="0"/>
+          </a:xfrm>
+          <a:prstGeom prst="line">
+            <a:avLst/>
+          </a:prstGeom>
+          <a:ln>
+            <a:solidFill>
+              <a:schemeClr val="accent2"/>
+            </a:solidFill>
+          </a:ln>
+        </p:spPr>
+        <p:style>
+          <a:lnRef idx="1">
+            <a:schemeClr val="accent1"/>
+          </a:lnRef>
+          <a:fillRef idx="0">
+            <a:schemeClr val="accent1"/>
+          </a:fillRef>
+          <a:effectRef idx="0">
+            <a:schemeClr val="accent1"/>
+          </a:effectRef>
+          <a:fontRef idx="minor">
+            <a:schemeClr val="tx1"/>
+          </a:fontRef>
+        </p:style>
+      </p:cxnSp>
+      <p:sp>
+        <p:nvSpPr>
+          <p:cNvPr id="17" name="양쪽 대괄호 16"/>
+          <p:cNvSpPr/>
+          <p:nvPr/>
+        </p:nvSpPr>
+        <p:spPr>
+          <a:xfrm>
+            <a:off x="11170590" y="130968"/>
+            <a:ext cx="843505" cy="345281"/>
+          </a:xfrm>
+          <a:prstGeom prst="bracketPair">
+            <a:avLst>
+              <a:gd name="adj" fmla="val 40625"/>
+            </a:avLst>
+          </a:prstGeom>
+          <a:ln>
+            <a:solidFill>
+              <a:schemeClr val="accent4"/>
+            </a:solidFill>
+          </a:ln>
+        </p:spPr>
+        <p:style>
+          <a:lnRef idx="1">
+            <a:schemeClr val="accent1"/>
+          </a:lnRef>
+          <a:fillRef idx="0">
+            <a:schemeClr val="accent1"/>
+          </a:fillRef>
+          <a:effectRef idx="0">
+            <a:schemeClr val="accent1"/>
+          </a:effectRef>
+          <a:fontRef idx="minor">
+            <a:schemeClr val="tx1"/>
+          </a:fontRef>
+        </p:style>
+        <p:txBody>
+          <a:bodyPr anchor="ctr"/>
+          <a:lstStyle/>
+          <a:p>
+            <a:pPr algn="ctr">
+              <a:defRPr/>
+            </a:pPr>
+            <a:r>
+              <a:rPr lang="en-US" altLang="ko-KR" b="1">
+                <a:solidFill>
+                  <a:srgbClr val="502962"/>
+                </a:solidFill>
+              </a:rPr>
+              <a:t>Scene</a:t>
+            </a:r>
+          </a:p>
+        </p:txBody>
+      </p:sp>
+      <p:sp>
+        <p:nvSpPr>
+          <p:cNvPr id="18" name="TextBox 17"/>
+          <p:cNvSpPr txBox="1"/>
+          <p:nvPr/>
+        </p:nvSpPr>
+        <p:spPr>
+          <a:xfrm>
+            <a:off x="314284" y="168115"/>
+            <a:ext cx="8120589" cy="630942"/>
+          </a:xfrm>
+          <a:prstGeom prst="rect">
+            <a:avLst/>
+          </a:prstGeom>
+        </p:spPr>
+        <p:txBody>
+          <a:bodyPr wrap="square">
+            <a:spAutoFit/>
+          </a:bodyPr>
+          <a:lstStyle/>
+          <a:p>
+            <a:pPr>
+              <a:defRPr/>
+            </a:pPr>
+            <a:r>
+              <a:rPr lang="en-US" altLang="ko-KR" sz="3500" b="1" dirty="0" smtClean="0">
+                <a:solidFill>
+                  <a:srgbClr val="F4E5B2"/>
+                </a:solidFill>
+              </a:rPr>
+              <a:t>Scene </a:t>
+            </a:r>
+            <a:r>
+              <a:rPr lang="ko-KR" altLang="en-US" sz="3500" b="1" dirty="0" smtClean="0">
+                <a:solidFill>
+                  <a:srgbClr val="F4E5B2"/>
+                </a:solidFill>
+              </a:rPr>
+              <a:t>전환 </a:t>
+            </a:r>
+            <a:r>
+              <a:rPr lang="ko-KR" altLang="en-US" sz="3500" b="1" dirty="0" err="1" smtClean="0">
+                <a:solidFill>
+                  <a:srgbClr val="F4E5B2"/>
+                </a:solidFill>
+              </a:rPr>
+              <a:t>로직</a:t>
+            </a:r>
+            <a:r>
+              <a:rPr lang="en-US" altLang="ko-KR" sz="3500" b="1" dirty="0" smtClean="0">
+                <a:solidFill>
+                  <a:srgbClr val="F4E5B2"/>
+                </a:solidFill>
+              </a:rPr>
+              <a:t>_ </a:t>
+            </a:r>
+            <a:r>
+              <a:rPr lang="ko-KR" altLang="en-US" sz="2000" b="1" dirty="0" smtClean="0">
+                <a:solidFill>
+                  <a:srgbClr val="F4E5B2"/>
+                </a:solidFill>
+              </a:rPr>
+              <a:t>플레이어 정보 전달 </a:t>
+            </a:r>
+            <a:r>
+              <a:rPr lang="ko-KR" altLang="en-US" sz="2000" b="1" dirty="0" err="1" smtClean="0">
+                <a:solidFill>
+                  <a:srgbClr val="F4E5B2"/>
+                </a:solidFill>
+              </a:rPr>
+              <a:t>로직</a:t>
+            </a:r>
+            <a:r>
+              <a:rPr lang="ko-KR" altLang="en-US" sz="2000" b="1" dirty="0" smtClean="0">
+                <a:solidFill>
+                  <a:srgbClr val="F4E5B2"/>
+                </a:solidFill>
+              </a:rPr>
+              <a:t> </a:t>
+            </a:r>
+            <a:r>
+              <a:rPr lang="en-US" altLang="ko-KR" sz="2000" b="1" dirty="0" smtClean="0">
+                <a:solidFill>
+                  <a:srgbClr val="F4E5B2"/>
+                </a:solidFill>
+              </a:rPr>
+              <a:t>2</a:t>
+            </a:r>
+            <a:endParaRPr lang="en-US" altLang="ko-KR" sz="2000" b="1" dirty="0">
+              <a:solidFill>
+                <a:srgbClr val="F4E5B2"/>
+              </a:solidFill>
+            </a:endParaRPr>
+          </a:p>
+        </p:txBody>
+      </p:sp>
+      <p:pic>
+        <p:nvPicPr>
+          <p:cNvPr id="4" name="그림 3"/>
+          <p:cNvPicPr>
+            <a:picLocks noChangeAspect="1"/>
+          </p:cNvPicPr>
+          <p:nvPr/>
+        </p:nvPicPr>
+        <p:blipFill>
+          <a:blip r:embed="rId4"/>
+          <a:stretch>
+            <a:fillRect/>
+          </a:stretch>
+        </p:blipFill>
+        <p:spPr>
+          <a:xfrm>
+            <a:off x="9053367" y="962822"/>
+            <a:ext cx="1303613" cy="1442551"/>
+          </a:xfrm>
+          <a:prstGeom prst="rect">
+            <a:avLst/>
+          </a:prstGeom>
+        </p:spPr>
+      </p:pic>
+    </p:spTree>
+    <p:extLst>
+      <p:ext uri="{BB962C8B-B14F-4D97-AF65-F5344CB8AC3E}">
+        <p14:creationId xmlns:p14="http://schemas.microsoft.com/office/powerpoint/2010/main" val="3622356248"/>
+      </p:ext>
+    </p:extLst>
+  </p:cSld>
+  <p:clrMapOvr>
+    <a:masterClrMapping/>
+  </p:clrMapOvr>
+  <mc:AlternateContent xmlns:mc="http://schemas.openxmlformats.org/markup-compatibility/2006" xmlns:p14="http://schemas.microsoft.com/office/powerpoint/2010/main">
+    <mc:Choice Requires="p14">
+      <p:transition/>
+    </mc:Choice>
+    <mc:Fallback xmlns:dsp="http://schemas.microsoft.com/office/drawing/2008/diagram" xmlns:dgm="http://schemas.openxmlformats.org/drawingml/2006/diagram" xmlns:c="http://schemas.openxmlformats.org/drawingml/2006/chart" xmlns="">
+      <p:transition/>
+    </mc:Fallback>
+  </mc:AlternateContent>
+  <p:timing>
+    <p:tnLst>
+      <p:par>
+        <p:cTn id="1" dur="indefinite" restart="never" nodeType="tmRoot"/>
+      </p:par>
+    </p:tnLst>
+  </p:timing>
+</p:sld>
+</file>
+
+<file path=ppt/slides/slide12.xml><?xml version="1.0" encoding="utf-8"?>
+<p:sld xmlns:a="http://schemas.openxmlformats.org/drawingml/2006/main" xmlns:r="http://schemas.openxmlformats.org/officeDocument/2006/relationships" xmlns:p="http://schemas.openxmlformats.org/presentationml/2006/main">
+  <p:cSld>
+    <p:bg>
+      <p:bgPr>
+        <a:solidFill>
+          <a:srgbClr val="18141D"/>
+        </a:solidFill>
+        <a:effectLst/>
       </p:bgPr>
     </p:bg>
     <p:spTree>
@@ -4903,7 +6009,7 @@
       </p:grpSpPr>
       <p:cxnSp>
         <p:nvCxnSpPr>
-          <p:cNvPr id="8" name=""/>
+          <p:cNvPr id="8" name="직선 연결선 7"/>
           <p:cNvCxnSpPr/>
           <p:nvPr/>
         </p:nvCxnSpPr>
@@ -4938,7 +6044,7 @@
       </p:cxnSp>
       <p:cxnSp>
         <p:nvCxnSpPr>
-          <p:cNvPr id="9" name=""/>
+          <p:cNvPr id="9" name="직선 연결선 8"/>
           <p:cNvCxnSpPr/>
           <p:nvPr/>
         </p:nvCxnSpPr>
@@ -4973,7 +6079,7 @@
       </p:cxnSp>
       <p:sp>
         <p:nvSpPr>
-          <p:cNvPr id="17" name=""/>
+          <p:cNvPr id="17" name="양쪽 대괄호 16"/>
           <p:cNvSpPr/>
           <p:nvPr/>
         </p:nvSpPr>
@@ -5009,6 +6115,7 @@
         </p:style>
         <p:txBody>
           <a:bodyPr anchor="ctr"/>
+          <a:lstStyle/>
           <a:p>
             <a:pPr algn="ctr">
               <a:defRPr/>
@@ -5021,24 +6128,19 @@
               </a:rPr>
               <a:t>Main</a:t>
             </a:r>
-            <a:endParaRPr lang="en-US" altLang="ko-KR" b="1">
-              <a:solidFill>
-                <a:srgbClr val="502962"/>
-              </a:solidFill>
-            </a:endParaRPr>
-          </a:p>
-        </p:txBody>
-      </p:sp>
-      <p:sp>
-        <p:nvSpPr>
-          <p:cNvPr id="18" name=""/>
+          </a:p>
+        </p:txBody>
+      </p:sp>
+      <p:sp>
+        <p:nvSpPr>
+          <p:cNvPr id="18" name="TextBox 17"/>
           <p:cNvSpPr txBox="1"/>
           <p:nvPr/>
         </p:nvSpPr>
         <p:spPr>
           <a:xfrm>
             <a:off x="314285" y="168115"/>
-            <a:ext cx="5911606" cy="616268"/>
+            <a:ext cx="5911606" cy="630942"/>
           </a:xfrm>
           <a:prstGeom prst="rect">
             <a:avLst/>
@@ -5048,79 +6150,120 @@
           <a:bodyPr wrap="square">
             <a:spAutoFit/>
           </a:bodyPr>
+          <a:lstStyle/>
           <a:p>
             <a:pPr>
               <a:defRPr/>
             </a:pPr>
             <a:r>
-              <a:rPr lang="ko-KR" altLang="en-US" sz="3500" b="1">
+              <a:rPr lang="en-US" altLang="ko-KR" sz="3500" b="1" dirty="0" smtClean="0">
                 <a:solidFill>
-                  <a:srgbClr val="f4e5b2"/>
+                  <a:srgbClr val="F4E5B2"/>
                 </a:solidFill>
               </a:rPr>
-              <a:t>전체적인 구조 </a:t>
-            </a:r>
-            <a:r>
-              <a:rPr lang="en-US" altLang="ko-KR" sz="3500" b="1">
+              <a:t>Main Scene _ </a:t>
+            </a:r>
+            <a:r>
+              <a:rPr lang="ko-KR" altLang="en-US" sz="2000" b="1" dirty="0" smtClean="0">
                 <a:solidFill>
-                  <a:srgbClr val="f4e5b2"/>
+                  <a:srgbClr val="F4E5B2"/>
                 </a:solidFill>
               </a:rPr>
-              <a:t>-</a:t>
-            </a:r>
-            <a:r>
-              <a:rPr lang="ko-KR" altLang="en-US" sz="3500" b="1">
+              <a:t>전환 </a:t>
+            </a:r>
+            <a:r>
+              <a:rPr lang="ko-KR" altLang="en-US" sz="2000" b="1" dirty="0" err="1" smtClean="0">
                 <a:solidFill>
-                  <a:srgbClr val="f4e5b2"/>
+                  <a:srgbClr val="F4E5B2"/>
+                </a:solidFill>
+              </a:rPr>
+              <a:t>로직</a:t>
+            </a:r>
+            <a:r>
+              <a:rPr lang="ko-KR" altLang="en-US" sz="2000" b="1" dirty="0" smtClean="0">
+                <a:solidFill>
+                  <a:srgbClr val="F4E5B2"/>
                 </a:solidFill>
               </a:rPr>
               <a:t> </a:t>
             </a:r>
             <a:r>
-              <a:rPr lang="en-US" altLang="ko-KR" sz="3500" b="1">
+              <a:rPr lang="en-US" altLang="ko-KR" sz="2000" b="1" dirty="0" smtClean="0">
                 <a:solidFill>
-                  <a:srgbClr val="f4e5b2"/>
+                  <a:srgbClr val="F4E5B2"/>
                 </a:solidFill>
               </a:rPr>
-              <a:t>Scene</a:t>
-            </a:r>
-            <a:endParaRPr lang="en-US" altLang="ko-KR" sz="3500" b="1">
+              <a:t>1</a:t>
+            </a:r>
+            <a:endParaRPr lang="ko-KR" altLang="en-US" sz="2000" b="1" dirty="0">
               <a:solidFill>
-                <a:srgbClr val="f4e5b2"/>
+                <a:srgbClr val="F4E5B2"/>
               </a:solidFill>
             </a:endParaRPr>
           </a:p>
         </p:txBody>
       </p:sp>
+      <p:pic>
+        <p:nvPicPr>
+          <p:cNvPr id="19" name="그림 18"/>
+          <p:cNvPicPr>
+            <a:picLocks noChangeAspect="1"/>
+          </p:cNvPicPr>
+          <p:nvPr/>
+        </p:nvPicPr>
+        <p:blipFill rotWithShape="1">
+          <a:blip r:embed="rId3"/>
+          <a:stretch>
+            <a:fillRect/>
+          </a:stretch>
+        </p:blipFill>
+        <p:spPr>
+          <a:xfrm>
+            <a:off x="915823" y="1142630"/>
+            <a:ext cx="9596591" cy="5314154"/>
+          </a:xfrm>
+          <a:prstGeom prst="rect">
+            <a:avLst/>
+          </a:prstGeom>
+        </p:spPr>
+      </p:pic>
     </p:spTree>
     <p:extLst>
       <p:ext uri="{BB962C8B-B14F-4D97-AF65-F5344CB8AC3E}">
-        <p14:creationId xmlns:p14="http://schemas.microsoft.com/office/powerpoint/2010/main" val="3501535070"/>
+        <p14:creationId xmlns:p14="http://schemas.microsoft.com/office/powerpoint/2010/main" val="1964139355"/>
       </p:ext>
     </p:extLst>
   </p:cSld>
   <p:clrMapOvr>
     <a:masterClrMapping/>
   </p:clrMapOvr>
-  <mc:AlternateContent xmlns:mc="http://schemas.openxmlformats.org/markup-compatibility/2006">
-    <mc:Choice xmlns:p14="http://schemas.microsoft.com/office/powerpoint/2010/main" Requires="p14">
-      <p:transition xmlns:mc="http://schemas.openxmlformats.org/markup-compatibility/2006" xmlns:p14="http://schemas.microsoft.com/office/powerpoint/2010/main" mc:Ignorable="p14" p14:dur="500"/>
+  <mc:AlternateContent xmlns:mc="http://schemas.openxmlformats.org/markup-compatibility/2006" xmlns:p14="http://schemas.microsoft.com/office/powerpoint/2010/main">
+    <mc:Choice Requires="p14">
+      <p:transition/>
     </mc:Choice>
-    <mc:Fallback>
+    <mc:Fallback xmlns:dsp="http://schemas.microsoft.com/office/drawing/2008/diagram" xmlns:dgm="http://schemas.openxmlformats.org/drawingml/2006/diagram" xmlns:c="http://schemas.openxmlformats.org/drawingml/2006/chart" xmlns="">
       <p:transition/>
     </mc:Fallback>
   </mc:AlternateContent>
+  <p:timing>
+    <p:tnLst>
+      <p:par>
+        <p:cTn id="1" dur="indefinite" restart="never" nodeType="tmRoot"/>
+      </p:par>
+    </p:tnLst>
+  </p:timing>
 </p:sld>
 </file>
 
-<file path=ppt/slides/slide2.xml><?xml version="1.0" encoding="utf-8"?>
-<p:sld xmlns:r="http://schemas.openxmlformats.org/officeDocument/2006/relationships" xmlns:c="http://schemas.openxmlformats.org/drawingml/2006/chart" xmlns:a="http://schemas.openxmlformats.org/drawingml/2006/main" xmlns:dgm="http://schemas.openxmlformats.org/drawingml/2006/diagram" xmlns:dsp="http://schemas.microsoft.com/office/drawing/2008/diagram" xmlns:p="http://schemas.openxmlformats.org/presentationml/2006/main">
+<file path=ppt/slides/slide13.xml><?xml version="1.0" encoding="utf-8"?>
+<p:sld xmlns:a="http://schemas.openxmlformats.org/drawingml/2006/main" xmlns:r="http://schemas.openxmlformats.org/officeDocument/2006/relationships" xmlns:p="http://schemas.openxmlformats.org/presentationml/2006/main">
   <p:cSld>
     <p:bg>
-      <p:bgPr shadeToTitle="0">
+      <p:bgPr>
         <a:solidFill>
-          <a:srgbClr val="18141d"/>
+          <a:srgbClr val="18141D"/>
         </a:solidFill>
+        <a:effectLst/>
       </p:bgPr>
     </p:bg>
     <p:spTree>
@@ -5139,7 +6282,7 @@
       </p:grpSpPr>
       <p:cxnSp>
         <p:nvCxnSpPr>
-          <p:cNvPr id="8" name=""/>
+          <p:cNvPr id="8" name="직선 연결선 7"/>
           <p:cNvCxnSpPr/>
           <p:nvPr/>
         </p:nvCxnSpPr>
@@ -5174,12 +6317,12 @@
       </p:cxnSp>
       <p:cxnSp>
         <p:nvCxnSpPr>
-          <p:cNvPr id="9" name=""/>
+          <p:cNvPr id="9" name="직선 연결선 8"/>
           <p:cNvCxnSpPr/>
           <p:nvPr/>
         </p:nvCxnSpPr>
         <p:spPr>
-          <a:xfrm>
+          <a:xfrm flipV="1">
             <a:off x="0" y="888755"/>
             <a:ext cx="6859221" cy="0"/>
           </a:xfrm>
@@ -5209,14 +6352,68 @@
       </p:cxnSp>
       <p:sp>
         <p:nvSpPr>
-          <p:cNvPr id="18" name=""/>
+          <p:cNvPr id="17" name="양쪽 대괄호 16"/>
+          <p:cNvSpPr/>
+          <p:nvPr/>
+        </p:nvSpPr>
+        <p:spPr>
+          <a:xfrm>
+            <a:off x="11170590" y="130968"/>
+            <a:ext cx="843505" cy="345281"/>
+          </a:xfrm>
+          <a:prstGeom prst="bracketPair">
+            <a:avLst>
+              <a:gd name="adj" fmla="val 40625"/>
+            </a:avLst>
+          </a:prstGeom>
+          <a:ln>
+            <a:solidFill>
+              <a:schemeClr val="accent4"/>
+            </a:solidFill>
+          </a:ln>
+        </p:spPr>
+        <p:style>
+          <a:lnRef idx="1">
+            <a:schemeClr val="accent1"/>
+          </a:lnRef>
+          <a:fillRef idx="0">
+            <a:schemeClr val="accent1"/>
+          </a:fillRef>
+          <a:effectRef idx="0">
+            <a:schemeClr val="accent1"/>
+          </a:effectRef>
+          <a:fontRef idx="minor">
+            <a:schemeClr val="tx1"/>
+          </a:fontRef>
+        </p:style>
+        <p:txBody>
+          <a:bodyPr anchor="ctr"/>
+          <a:lstStyle/>
+          <a:p>
+            <a:pPr algn="ctr">
+              <a:defRPr/>
+            </a:pPr>
+            <a:r>
+              <a:rPr lang="en-US" altLang="ko-KR" b="1">
+                <a:solidFill>
+                  <a:srgbClr val="502962"/>
+                </a:solidFill>
+              </a:rPr>
+              <a:t>Main</a:t>
+            </a:r>
+          </a:p>
+        </p:txBody>
+      </p:sp>
+      <p:sp>
+        <p:nvSpPr>
+          <p:cNvPr id="18" name="TextBox 17"/>
           <p:cNvSpPr txBox="1"/>
           <p:nvPr/>
         </p:nvSpPr>
         <p:spPr>
           <a:xfrm>
-            <a:off x="492857" y="178812"/>
-            <a:ext cx="5911606" cy="620555"/>
+            <a:off x="314285" y="168115"/>
+            <a:ext cx="5911606" cy="630942"/>
           </a:xfrm>
           <a:prstGeom prst="rect">
             <a:avLst/>
@@ -5226,29 +6423,1407 @@
           <a:bodyPr wrap="square">
             <a:spAutoFit/>
           </a:bodyPr>
+          <a:lstStyle/>
           <a:p>
             <a:pPr>
               <a:defRPr/>
             </a:pPr>
             <a:r>
+              <a:rPr lang="en-US" altLang="ko-KR" sz="3500" b="1" dirty="0">
+                <a:solidFill>
+                  <a:srgbClr val="F4E5B2"/>
+                </a:solidFill>
+              </a:rPr>
+              <a:t>Main Scene _ </a:t>
+            </a:r>
+            <a:r>
+              <a:rPr lang="ko-KR" altLang="en-US" sz="2000" b="1" dirty="0" smtClean="0">
+                <a:solidFill>
+                  <a:srgbClr val="F4E5B2"/>
+                </a:solidFill>
+              </a:rPr>
+              <a:t>전환 </a:t>
+            </a:r>
+            <a:r>
+              <a:rPr lang="ko-KR" altLang="en-US" sz="2000" b="1" dirty="0" err="1" smtClean="0">
+                <a:solidFill>
+                  <a:srgbClr val="F4E5B2"/>
+                </a:solidFill>
+              </a:rPr>
+              <a:t>로직</a:t>
+            </a:r>
+            <a:r>
+              <a:rPr lang="ko-KR" altLang="en-US" sz="2000" b="1" dirty="0" smtClean="0">
+                <a:solidFill>
+                  <a:srgbClr val="F4E5B2"/>
+                </a:solidFill>
+              </a:rPr>
+              <a:t> </a:t>
+            </a:r>
+            <a:r>
+              <a:rPr lang="en-US" altLang="ko-KR" sz="2000" b="1" dirty="0" smtClean="0">
+                <a:solidFill>
+                  <a:srgbClr val="F4E5B2"/>
+                </a:solidFill>
+              </a:rPr>
+              <a:t>2</a:t>
+            </a:r>
+            <a:endParaRPr lang="ko-KR" altLang="en-US" sz="2000" b="1" dirty="0">
+              <a:solidFill>
+                <a:srgbClr val="F4E5B2"/>
+              </a:solidFill>
+            </a:endParaRPr>
+          </a:p>
+        </p:txBody>
+      </p:sp>
+      <p:pic>
+        <p:nvPicPr>
+          <p:cNvPr id="2" name="그림 1"/>
+          <p:cNvPicPr>
+            <a:picLocks noChangeAspect="1"/>
+          </p:cNvPicPr>
+          <p:nvPr/>
+        </p:nvPicPr>
+        <p:blipFill>
+          <a:blip r:embed="rId3"/>
+          <a:stretch>
+            <a:fillRect/>
+          </a:stretch>
+        </p:blipFill>
+        <p:spPr>
+          <a:xfrm>
+            <a:off x="137003" y="1306284"/>
+            <a:ext cx="7059097" cy="4842590"/>
+          </a:xfrm>
+          <a:prstGeom prst="rect">
+            <a:avLst/>
+          </a:prstGeom>
+        </p:spPr>
+      </p:pic>
+      <p:pic>
+        <p:nvPicPr>
+          <p:cNvPr id="5" name="그림 4"/>
+          <p:cNvPicPr>
+            <a:picLocks noChangeAspect="1"/>
+          </p:cNvPicPr>
+          <p:nvPr/>
+        </p:nvPicPr>
+        <p:blipFill>
+          <a:blip r:embed="rId4"/>
+          <a:stretch>
+            <a:fillRect/>
+          </a:stretch>
+        </p:blipFill>
+        <p:spPr>
+          <a:xfrm>
+            <a:off x="7224934" y="1591461"/>
+            <a:ext cx="4789161" cy="4272235"/>
+          </a:xfrm>
+          <a:prstGeom prst="rect">
+            <a:avLst/>
+          </a:prstGeom>
+        </p:spPr>
+      </p:pic>
+      <p:pic>
+        <p:nvPicPr>
+          <p:cNvPr id="6" name="그림 5"/>
+          <p:cNvPicPr>
+            <a:picLocks noChangeAspect="1"/>
+          </p:cNvPicPr>
+          <p:nvPr/>
+        </p:nvPicPr>
+        <p:blipFill>
+          <a:blip r:embed="rId5"/>
+          <a:stretch>
+            <a:fillRect/>
+          </a:stretch>
+        </p:blipFill>
+        <p:spPr>
+          <a:xfrm>
+            <a:off x="5374992" y="5392676"/>
+            <a:ext cx="1299910" cy="317051"/>
+          </a:xfrm>
+          <a:prstGeom prst="rect">
+            <a:avLst/>
+          </a:prstGeom>
+        </p:spPr>
+      </p:pic>
+      <p:pic>
+        <p:nvPicPr>
+          <p:cNvPr id="3" name="그림 2"/>
+          <p:cNvPicPr>
+            <a:picLocks noChangeAspect="1"/>
+          </p:cNvPicPr>
+          <p:nvPr/>
+        </p:nvPicPr>
+        <p:blipFill>
+          <a:blip r:embed="rId6"/>
+          <a:stretch>
+            <a:fillRect/>
+          </a:stretch>
+        </p:blipFill>
+        <p:spPr>
+          <a:xfrm>
+            <a:off x="7665043" y="3032449"/>
+            <a:ext cx="1011546" cy="2183608"/>
+          </a:xfrm>
+          <a:prstGeom prst="rect">
+            <a:avLst/>
+          </a:prstGeom>
+        </p:spPr>
+      </p:pic>
+      <p:pic>
+        <p:nvPicPr>
+          <p:cNvPr id="4" name="그림 3"/>
+          <p:cNvPicPr>
+            <a:picLocks noChangeAspect="1"/>
+          </p:cNvPicPr>
+          <p:nvPr/>
+        </p:nvPicPr>
+        <p:blipFill>
+          <a:blip r:embed="rId7"/>
+          <a:stretch>
+            <a:fillRect/>
+          </a:stretch>
+        </p:blipFill>
+        <p:spPr>
+          <a:xfrm>
+            <a:off x="10767933" y="3090800"/>
+            <a:ext cx="975792" cy="2066906"/>
+          </a:xfrm>
+          <a:prstGeom prst="rect">
+            <a:avLst/>
+          </a:prstGeom>
+        </p:spPr>
+      </p:pic>
+    </p:spTree>
+    <p:extLst>
+      <p:ext uri="{BB962C8B-B14F-4D97-AF65-F5344CB8AC3E}">
+        <p14:creationId xmlns:p14="http://schemas.microsoft.com/office/powerpoint/2010/main" val="1621274604"/>
+      </p:ext>
+    </p:extLst>
+  </p:cSld>
+  <p:clrMapOvr>
+    <a:masterClrMapping/>
+  </p:clrMapOvr>
+  <mc:AlternateContent xmlns:mc="http://schemas.openxmlformats.org/markup-compatibility/2006" xmlns:p14="http://schemas.microsoft.com/office/powerpoint/2010/main">
+    <mc:Choice Requires="p14">
+      <p:transition/>
+    </mc:Choice>
+    <mc:Fallback xmlns:dsp="http://schemas.microsoft.com/office/drawing/2008/diagram" xmlns:dgm="http://schemas.openxmlformats.org/drawingml/2006/diagram" xmlns:c="http://schemas.openxmlformats.org/drawingml/2006/chart" xmlns="">
+      <p:transition/>
+    </mc:Fallback>
+  </mc:AlternateContent>
+  <p:timing>
+    <p:tnLst>
+      <p:par>
+        <p:cTn id="1" dur="indefinite" restart="never" nodeType="tmRoot"/>
+      </p:par>
+    </p:tnLst>
+  </p:timing>
+</p:sld>
+</file>
+
+<file path=ppt/slides/slide14.xml><?xml version="1.0" encoding="utf-8"?>
+<p:sld xmlns:a="http://schemas.openxmlformats.org/drawingml/2006/main" xmlns:r="http://schemas.openxmlformats.org/officeDocument/2006/relationships" xmlns:p="http://schemas.openxmlformats.org/presentationml/2006/main">
+  <p:cSld>
+    <p:bg>
+      <p:bgPr>
+        <a:solidFill>
+          <a:srgbClr val="18141D"/>
+        </a:solidFill>
+        <a:effectLst/>
+      </p:bgPr>
+    </p:bg>
+    <p:spTree>
+      <p:nvGrpSpPr>
+        <p:cNvPr id="1" name=""/>
+        <p:cNvGrpSpPr/>
+        <p:nvPr/>
+      </p:nvGrpSpPr>
+      <p:grpSpPr>
+        <a:xfrm>
+          <a:off x="0" y="0"/>
+          <a:ext cx="0" cy="0"/>
+          <a:chOff x="0" y="0"/>
+          <a:chExt cx="0" cy="0"/>
+        </a:xfrm>
+      </p:grpSpPr>
+      <p:cxnSp>
+        <p:nvCxnSpPr>
+          <p:cNvPr id="8" name="직선 연결선 7"/>
+          <p:cNvCxnSpPr/>
+          <p:nvPr/>
+        </p:nvCxnSpPr>
+        <p:spPr>
+          <a:xfrm>
+            <a:off x="0" y="827942"/>
+            <a:ext cx="7591914" cy="0"/>
+          </a:xfrm>
+          <a:prstGeom prst="line">
+            <a:avLst/>
+          </a:prstGeom>
+          <a:ln>
+            <a:solidFill>
+              <a:schemeClr val="accent2"/>
+            </a:solidFill>
+          </a:ln>
+        </p:spPr>
+        <p:style>
+          <a:lnRef idx="1">
+            <a:schemeClr val="accent1"/>
+          </a:lnRef>
+          <a:fillRef idx="0">
+            <a:schemeClr val="accent1"/>
+          </a:fillRef>
+          <a:effectRef idx="0">
+            <a:schemeClr val="accent1"/>
+          </a:effectRef>
+          <a:fontRef idx="minor">
+            <a:schemeClr val="tx1"/>
+          </a:fontRef>
+        </p:style>
+      </p:cxnSp>
+      <p:cxnSp>
+        <p:nvCxnSpPr>
+          <p:cNvPr id="9" name="직선 연결선 8"/>
+          <p:cNvCxnSpPr/>
+          <p:nvPr/>
+        </p:nvCxnSpPr>
+        <p:spPr>
+          <a:xfrm flipV="1">
+            <a:off x="0" y="888755"/>
+            <a:ext cx="6859221" cy="0"/>
+          </a:xfrm>
+          <a:prstGeom prst="line">
+            <a:avLst/>
+          </a:prstGeom>
+          <a:ln>
+            <a:solidFill>
+              <a:schemeClr val="accent2"/>
+            </a:solidFill>
+          </a:ln>
+        </p:spPr>
+        <p:style>
+          <a:lnRef idx="1">
+            <a:schemeClr val="accent1"/>
+          </a:lnRef>
+          <a:fillRef idx="0">
+            <a:schemeClr val="accent1"/>
+          </a:fillRef>
+          <a:effectRef idx="0">
+            <a:schemeClr val="accent1"/>
+          </a:effectRef>
+          <a:fontRef idx="minor">
+            <a:schemeClr val="tx1"/>
+          </a:fontRef>
+        </p:style>
+      </p:cxnSp>
+      <p:sp>
+        <p:nvSpPr>
+          <p:cNvPr id="17" name="양쪽 대괄호 16"/>
+          <p:cNvSpPr/>
+          <p:nvPr/>
+        </p:nvSpPr>
+        <p:spPr>
+          <a:xfrm>
+            <a:off x="11170590" y="130968"/>
+            <a:ext cx="843505" cy="345281"/>
+          </a:xfrm>
+          <a:prstGeom prst="bracketPair">
+            <a:avLst>
+              <a:gd name="adj" fmla="val 40625"/>
+            </a:avLst>
+          </a:prstGeom>
+          <a:ln>
+            <a:solidFill>
+              <a:schemeClr val="accent4"/>
+            </a:solidFill>
+          </a:ln>
+        </p:spPr>
+        <p:style>
+          <a:lnRef idx="1">
+            <a:schemeClr val="accent1"/>
+          </a:lnRef>
+          <a:fillRef idx="0">
+            <a:schemeClr val="accent1"/>
+          </a:fillRef>
+          <a:effectRef idx="0">
+            <a:schemeClr val="accent1"/>
+          </a:effectRef>
+          <a:fontRef idx="minor">
+            <a:schemeClr val="tx1"/>
+          </a:fontRef>
+        </p:style>
+        <p:txBody>
+          <a:bodyPr anchor="ctr"/>
+          <a:lstStyle/>
+          <a:p>
+            <a:pPr algn="ctr">
+              <a:defRPr/>
+            </a:pPr>
+            <a:r>
+              <a:rPr lang="en-US" altLang="ko-KR" b="1" dirty="0" smtClean="0">
+                <a:solidFill>
+                  <a:srgbClr val="502962"/>
+                </a:solidFill>
+              </a:rPr>
+              <a:t>Game</a:t>
+            </a:r>
+            <a:endParaRPr lang="en-US" altLang="ko-KR" b="1" dirty="0">
+              <a:solidFill>
+                <a:srgbClr val="502962"/>
+              </a:solidFill>
+            </a:endParaRPr>
+          </a:p>
+        </p:txBody>
+      </p:sp>
+      <p:sp>
+        <p:nvSpPr>
+          <p:cNvPr id="18" name="TextBox 17"/>
+          <p:cNvSpPr txBox="1"/>
+          <p:nvPr/>
+        </p:nvSpPr>
+        <p:spPr>
+          <a:xfrm>
+            <a:off x="314285" y="168115"/>
+            <a:ext cx="5911606" cy="630942"/>
+          </a:xfrm>
+          <a:prstGeom prst="rect">
+            <a:avLst/>
+          </a:prstGeom>
+        </p:spPr>
+        <p:txBody>
+          <a:bodyPr wrap="square">
+            <a:spAutoFit/>
+          </a:bodyPr>
+          <a:lstStyle/>
+          <a:p>
+            <a:pPr>
+              <a:defRPr/>
+            </a:pPr>
+            <a:r>
+              <a:rPr lang="en-US" altLang="ko-KR" sz="3500" b="1" dirty="0">
+                <a:solidFill>
+                  <a:srgbClr val="F4E5B2"/>
+                </a:solidFill>
+              </a:rPr>
+              <a:t>Main Scene _ </a:t>
+            </a:r>
+            <a:r>
+              <a:rPr lang="en-US" altLang="ko-KR" sz="2000" b="1" dirty="0" smtClean="0">
+                <a:solidFill>
+                  <a:srgbClr val="F4E5B2"/>
+                </a:solidFill>
+              </a:rPr>
+              <a:t>Stage </a:t>
+            </a:r>
+            <a:r>
+              <a:rPr lang="ko-KR" altLang="en-US" sz="2000" b="1" dirty="0" smtClean="0">
+                <a:solidFill>
+                  <a:srgbClr val="F4E5B2"/>
+                </a:solidFill>
+              </a:rPr>
+              <a:t>관리 </a:t>
+            </a:r>
+            <a:r>
+              <a:rPr lang="ko-KR" altLang="en-US" sz="2000" b="1" dirty="0" err="1" smtClean="0">
+                <a:solidFill>
+                  <a:srgbClr val="F4E5B2"/>
+                </a:solidFill>
+              </a:rPr>
+              <a:t>로직</a:t>
+            </a:r>
+            <a:r>
+              <a:rPr lang="ko-KR" altLang="en-US" sz="2000" b="1" dirty="0" smtClean="0">
+                <a:solidFill>
+                  <a:srgbClr val="F4E5B2"/>
+                </a:solidFill>
+              </a:rPr>
+              <a:t> </a:t>
+            </a:r>
+            <a:r>
+              <a:rPr lang="en-US" altLang="ko-KR" sz="2000" b="1" dirty="0" smtClean="0">
+                <a:solidFill>
+                  <a:srgbClr val="F4E5B2"/>
+                </a:solidFill>
+              </a:rPr>
+              <a:t>1</a:t>
+            </a:r>
+            <a:endParaRPr lang="ko-KR" altLang="en-US" sz="2000" b="1" dirty="0">
+              <a:solidFill>
+                <a:srgbClr val="F4E5B2"/>
+              </a:solidFill>
+            </a:endParaRPr>
+          </a:p>
+        </p:txBody>
+      </p:sp>
+      <p:pic>
+        <p:nvPicPr>
+          <p:cNvPr id="2" name="그림 1"/>
+          <p:cNvPicPr>
+            <a:picLocks noChangeAspect="1"/>
+          </p:cNvPicPr>
+          <p:nvPr/>
+        </p:nvPicPr>
+        <p:blipFill>
+          <a:blip r:embed="rId3"/>
+          <a:stretch>
+            <a:fillRect/>
+          </a:stretch>
+        </p:blipFill>
+        <p:spPr>
+          <a:xfrm>
+            <a:off x="365913" y="1190445"/>
+            <a:ext cx="11460174" cy="5372850"/>
+          </a:xfrm>
+          <a:prstGeom prst="rect">
+            <a:avLst/>
+          </a:prstGeom>
+        </p:spPr>
+      </p:pic>
+    </p:spTree>
+    <p:extLst>
+      <p:ext uri="{BB962C8B-B14F-4D97-AF65-F5344CB8AC3E}">
+        <p14:creationId xmlns:p14="http://schemas.microsoft.com/office/powerpoint/2010/main" val="2678568318"/>
+      </p:ext>
+    </p:extLst>
+  </p:cSld>
+  <p:clrMapOvr>
+    <a:masterClrMapping/>
+  </p:clrMapOvr>
+  <mc:AlternateContent xmlns:mc="http://schemas.openxmlformats.org/markup-compatibility/2006" xmlns:p14="http://schemas.microsoft.com/office/powerpoint/2010/main">
+    <mc:Choice Requires="p14">
+      <p:transition/>
+    </mc:Choice>
+    <mc:Fallback xmlns:dsp="http://schemas.microsoft.com/office/drawing/2008/diagram" xmlns:dgm="http://schemas.openxmlformats.org/drawingml/2006/diagram" xmlns:c="http://schemas.openxmlformats.org/drawingml/2006/chart" xmlns="">
+      <p:transition/>
+    </mc:Fallback>
+  </mc:AlternateContent>
+  <p:timing>
+    <p:tnLst>
+      <p:par>
+        <p:cTn id="1" dur="indefinite" restart="never" nodeType="tmRoot"/>
+      </p:par>
+    </p:tnLst>
+  </p:timing>
+</p:sld>
+</file>
+
+<file path=ppt/slides/slide15.xml><?xml version="1.0" encoding="utf-8"?>
+<p:sld xmlns:a="http://schemas.openxmlformats.org/drawingml/2006/main" xmlns:r="http://schemas.openxmlformats.org/officeDocument/2006/relationships" xmlns:p="http://schemas.openxmlformats.org/presentationml/2006/main">
+  <p:cSld>
+    <p:bg>
+      <p:bgPr>
+        <a:solidFill>
+          <a:srgbClr val="18141D"/>
+        </a:solidFill>
+        <a:effectLst/>
+      </p:bgPr>
+    </p:bg>
+    <p:spTree>
+      <p:nvGrpSpPr>
+        <p:cNvPr id="1" name=""/>
+        <p:cNvGrpSpPr/>
+        <p:nvPr/>
+      </p:nvGrpSpPr>
+      <p:grpSpPr>
+        <a:xfrm>
+          <a:off x="0" y="0"/>
+          <a:ext cx="0" cy="0"/>
+          <a:chOff x="0" y="0"/>
+          <a:chExt cx="0" cy="0"/>
+        </a:xfrm>
+      </p:grpSpPr>
+      <p:cxnSp>
+        <p:nvCxnSpPr>
+          <p:cNvPr id="8" name="직선 연결선 7"/>
+          <p:cNvCxnSpPr/>
+          <p:nvPr/>
+        </p:nvCxnSpPr>
+        <p:spPr>
+          <a:xfrm>
+            <a:off x="0" y="827942"/>
+            <a:ext cx="7591914" cy="0"/>
+          </a:xfrm>
+          <a:prstGeom prst="line">
+            <a:avLst/>
+          </a:prstGeom>
+          <a:ln>
+            <a:solidFill>
+              <a:schemeClr val="accent2"/>
+            </a:solidFill>
+          </a:ln>
+        </p:spPr>
+        <p:style>
+          <a:lnRef idx="1">
+            <a:schemeClr val="accent1"/>
+          </a:lnRef>
+          <a:fillRef idx="0">
+            <a:schemeClr val="accent1"/>
+          </a:fillRef>
+          <a:effectRef idx="0">
+            <a:schemeClr val="accent1"/>
+          </a:effectRef>
+          <a:fontRef idx="minor">
+            <a:schemeClr val="tx1"/>
+          </a:fontRef>
+        </p:style>
+      </p:cxnSp>
+      <p:cxnSp>
+        <p:nvCxnSpPr>
+          <p:cNvPr id="9" name="직선 연결선 8"/>
+          <p:cNvCxnSpPr/>
+          <p:nvPr/>
+        </p:nvCxnSpPr>
+        <p:spPr>
+          <a:xfrm flipV="1">
+            <a:off x="0" y="888755"/>
+            <a:ext cx="6859221" cy="0"/>
+          </a:xfrm>
+          <a:prstGeom prst="line">
+            <a:avLst/>
+          </a:prstGeom>
+          <a:ln>
+            <a:solidFill>
+              <a:schemeClr val="accent2"/>
+            </a:solidFill>
+          </a:ln>
+        </p:spPr>
+        <p:style>
+          <a:lnRef idx="1">
+            <a:schemeClr val="accent1"/>
+          </a:lnRef>
+          <a:fillRef idx="0">
+            <a:schemeClr val="accent1"/>
+          </a:fillRef>
+          <a:effectRef idx="0">
+            <a:schemeClr val="accent1"/>
+          </a:effectRef>
+          <a:fontRef idx="minor">
+            <a:schemeClr val="tx1"/>
+          </a:fontRef>
+        </p:style>
+      </p:cxnSp>
+      <p:sp>
+        <p:nvSpPr>
+          <p:cNvPr id="17" name="양쪽 대괄호 16"/>
+          <p:cNvSpPr/>
+          <p:nvPr/>
+        </p:nvSpPr>
+        <p:spPr>
+          <a:xfrm>
+            <a:off x="11170590" y="130968"/>
+            <a:ext cx="843505" cy="345281"/>
+          </a:xfrm>
+          <a:prstGeom prst="bracketPair">
+            <a:avLst>
+              <a:gd name="adj" fmla="val 40625"/>
+            </a:avLst>
+          </a:prstGeom>
+          <a:ln>
+            <a:solidFill>
+              <a:schemeClr val="accent4"/>
+            </a:solidFill>
+          </a:ln>
+        </p:spPr>
+        <p:style>
+          <a:lnRef idx="1">
+            <a:schemeClr val="accent1"/>
+          </a:lnRef>
+          <a:fillRef idx="0">
+            <a:schemeClr val="accent1"/>
+          </a:fillRef>
+          <a:effectRef idx="0">
+            <a:schemeClr val="accent1"/>
+          </a:effectRef>
+          <a:fontRef idx="minor">
+            <a:schemeClr val="tx1"/>
+          </a:fontRef>
+        </p:style>
+        <p:txBody>
+          <a:bodyPr anchor="ctr"/>
+          <a:lstStyle/>
+          <a:p>
+            <a:pPr algn="ctr">
+              <a:defRPr/>
+            </a:pPr>
+            <a:r>
+              <a:rPr lang="en-US" altLang="ko-KR" b="1" dirty="0" smtClean="0">
+                <a:solidFill>
+                  <a:srgbClr val="502962"/>
+                </a:solidFill>
+              </a:rPr>
+              <a:t>Game</a:t>
+            </a:r>
+            <a:endParaRPr lang="en-US" altLang="ko-KR" b="1" dirty="0">
+              <a:solidFill>
+                <a:srgbClr val="502962"/>
+              </a:solidFill>
+            </a:endParaRPr>
+          </a:p>
+        </p:txBody>
+      </p:sp>
+      <p:sp>
+        <p:nvSpPr>
+          <p:cNvPr id="18" name="TextBox 17"/>
+          <p:cNvSpPr txBox="1"/>
+          <p:nvPr/>
+        </p:nvSpPr>
+        <p:spPr>
+          <a:xfrm>
+            <a:off x="314285" y="168115"/>
+            <a:ext cx="5911606" cy="630942"/>
+          </a:xfrm>
+          <a:prstGeom prst="rect">
+            <a:avLst/>
+          </a:prstGeom>
+        </p:spPr>
+        <p:txBody>
+          <a:bodyPr wrap="square">
+            <a:spAutoFit/>
+          </a:bodyPr>
+          <a:lstStyle/>
+          <a:p>
+            <a:pPr>
+              <a:defRPr/>
+            </a:pPr>
+            <a:r>
+              <a:rPr lang="en-US" altLang="ko-KR" sz="3500" b="1" dirty="0">
+                <a:solidFill>
+                  <a:srgbClr val="F4E5B2"/>
+                </a:solidFill>
+              </a:rPr>
+              <a:t>Main Scene _ </a:t>
+            </a:r>
+            <a:r>
+              <a:rPr lang="en-US" altLang="ko-KR" sz="2000" b="1" dirty="0" smtClean="0">
+                <a:solidFill>
+                  <a:srgbClr val="F4E5B2"/>
+                </a:solidFill>
+              </a:rPr>
+              <a:t>Stage </a:t>
+            </a:r>
+            <a:r>
+              <a:rPr lang="ko-KR" altLang="en-US" sz="2000" b="1" dirty="0" smtClean="0">
+                <a:solidFill>
+                  <a:srgbClr val="F4E5B2"/>
+                </a:solidFill>
+              </a:rPr>
+              <a:t>관리 </a:t>
+            </a:r>
+            <a:r>
+              <a:rPr lang="ko-KR" altLang="en-US" sz="2000" b="1" dirty="0" err="1" smtClean="0">
+                <a:solidFill>
+                  <a:srgbClr val="F4E5B2"/>
+                </a:solidFill>
+              </a:rPr>
+              <a:t>로직</a:t>
+            </a:r>
+            <a:r>
+              <a:rPr lang="ko-KR" altLang="en-US" sz="2000" b="1" dirty="0" smtClean="0">
+                <a:solidFill>
+                  <a:srgbClr val="F4E5B2"/>
+                </a:solidFill>
+              </a:rPr>
+              <a:t> </a:t>
+            </a:r>
+            <a:r>
+              <a:rPr lang="en-US" altLang="ko-KR" sz="2000" b="1" dirty="0" smtClean="0">
+                <a:solidFill>
+                  <a:srgbClr val="F4E5B2"/>
+                </a:solidFill>
+              </a:rPr>
+              <a:t>2</a:t>
+            </a:r>
+            <a:endParaRPr lang="ko-KR" altLang="en-US" sz="2000" b="1" dirty="0">
+              <a:solidFill>
+                <a:srgbClr val="F4E5B2"/>
+              </a:solidFill>
+            </a:endParaRPr>
+          </a:p>
+        </p:txBody>
+      </p:sp>
+      <p:pic>
+        <p:nvPicPr>
+          <p:cNvPr id="3" name="그림 2"/>
+          <p:cNvPicPr>
+            <a:picLocks noChangeAspect="1"/>
+          </p:cNvPicPr>
+          <p:nvPr/>
+        </p:nvPicPr>
+        <p:blipFill>
+          <a:blip r:embed="rId3"/>
+          <a:stretch>
+            <a:fillRect/>
+          </a:stretch>
+        </p:blipFill>
+        <p:spPr>
+          <a:xfrm>
+            <a:off x="504044" y="1122194"/>
+            <a:ext cx="11183911" cy="5658640"/>
+          </a:xfrm>
+          <a:prstGeom prst="rect">
+            <a:avLst/>
+          </a:prstGeom>
+        </p:spPr>
+      </p:pic>
+    </p:spTree>
+    <p:extLst>
+      <p:ext uri="{BB962C8B-B14F-4D97-AF65-F5344CB8AC3E}">
+        <p14:creationId xmlns:p14="http://schemas.microsoft.com/office/powerpoint/2010/main" val="2825366112"/>
+      </p:ext>
+    </p:extLst>
+  </p:cSld>
+  <p:clrMapOvr>
+    <a:masterClrMapping/>
+  </p:clrMapOvr>
+  <mc:AlternateContent xmlns:mc="http://schemas.openxmlformats.org/markup-compatibility/2006" xmlns:p14="http://schemas.microsoft.com/office/powerpoint/2010/main">
+    <mc:Choice Requires="p14">
+      <p:transition/>
+    </mc:Choice>
+    <mc:Fallback xmlns:dsp="http://schemas.microsoft.com/office/drawing/2008/diagram" xmlns:dgm="http://schemas.openxmlformats.org/drawingml/2006/diagram" xmlns:c="http://schemas.openxmlformats.org/drawingml/2006/chart" xmlns="">
+      <p:transition/>
+    </mc:Fallback>
+  </mc:AlternateContent>
+  <p:timing>
+    <p:tnLst>
+      <p:par>
+        <p:cTn id="1" dur="indefinite" restart="never" nodeType="tmRoot"/>
+      </p:par>
+    </p:tnLst>
+  </p:timing>
+</p:sld>
+</file>
+
+<file path=ppt/slides/slide16.xml><?xml version="1.0" encoding="utf-8"?>
+<p:sld xmlns:a="http://schemas.openxmlformats.org/drawingml/2006/main" xmlns:r="http://schemas.openxmlformats.org/officeDocument/2006/relationships" xmlns:p="http://schemas.openxmlformats.org/presentationml/2006/main">
+  <p:cSld>
+    <p:bg>
+      <p:bgPr>
+        <a:solidFill>
+          <a:srgbClr val="18141D"/>
+        </a:solidFill>
+        <a:effectLst/>
+      </p:bgPr>
+    </p:bg>
+    <p:spTree>
+      <p:nvGrpSpPr>
+        <p:cNvPr id="1" name=""/>
+        <p:cNvGrpSpPr/>
+        <p:nvPr/>
+      </p:nvGrpSpPr>
+      <p:grpSpPr>
+        <a:xfrm>
+          <a:off x="0" y="0"/>
+          <a:ext cx="0" cy="0"/>
+          <a:chOff x="0" y="0"/>
+          <a:chExt cx="0" cy="0"/>
+        </a:xfrm>
+      </p:grpSpPr>
+      <p:cxnSp>
+        <p:nvCxnSpPr>
+          <p:cNvPr id="8" name="직선 연결선 7"/>
+          <p:cNvCxnSpPr/>
+          <p:nvPr/>
+        </p:nvCxnSpPr>
+        <p:spPr>
+          <a:xfrm>
+            <a:off x="0" y="827942"/>
+            <a:ext cx="7591914" cy="0"/>
+          </a:xfrm>
+          <a:prstGeom prst="line">
+            <a:avLst/>
+          </a:prstGeom>
+          <a:ln>
+            <a:solidFill>
+              <a:schemeClr val="accent2"/>
+            </a:solidFill>
+          </a:ln>
+        </p:spPr>
+        <p:style>
+          <a:lnRef idx="1">
+            <a:schemeClr val="accent1"/>
+          </a:lnRef>
+          <a:fillRef idx="0">
+            <a:schemeClr val="accent1"/>
+          </a:fillRef>
+          <a:effectRef idx="0">
+            <a:schemeClr val="accent1"/>
+          </a:effectRef>
+          <a:fontRef idx="minor">
+            <a:schemeClr val="tx1"/>
+          </a:fontRef>
+        </p:style>
+      </p:cxnSp>
+      <p:cxnSp>
+        <p:nvCxnSpPr>
+          <p:cNvPr id="9" name="직선 연결선 8"/>
+          <p:cNvCxnSpPr/>
+          <p:nvPr/>
+        </p:nvCxnSpPr>
+        <p:spPr>
+          <a:xfrm flipV="1">
+            <a:off x="0" y="888755"/>
+            <a:ext cx="6859221" cy="0"/>
+          </a:xfrm>
+          <a:prstGeom prst="line">
+            <a:avLst/>
+          </a:prstGeom>
+          <a:ln>
+            <a:solidFill>
+              <a:schemeClr val="accent2"/>
+            </a:solidFill>
+          </a:ln>
+        </p:spPr>
+        <p:style>
+          <a:lnRef idx="1">
+            <a:schemeClr val="accent1"/>
+          </a:lnRef>
+          <a:fillRef idx="0">
+            <a:schemeClr val="accent1"/>
+          </a:fillRef>
+          <a:effectRef idx="0">
+            <a:schemeClr val="accent1"/>
+          </a:effectRef>
+          <a:fontRef idx="minor">
+            <a:schemeClr val="tx1"/>
+          </a:fontRef>
+        </p:style>
+      </p:cxnSp>
+      <p:sp>
+        <p:nvSpPr>
+          <p:cNvPr id="17" name="양쪽 대괄호 16"/>
+          <p:cNvSpPr/>
+          <p:nvPr/>
+        </p:nvSpPr>
+        <p:spPr>
+          <a:xfrm>
+            <a:off x="11170590" y="130968"/>
+            <a:ext cx="843505" cy="345281"/>
+          </a:xfrm>
+          <a:prstGeom prst="bracketPair">
+            <a:avLst>
+              <a:gd name="adj" fmla="val 40625"/>
+            </a:avLst>
+          </a:prstGeom>
+          <a:ln>
+            <a:solidFill>
+              <a:schemeClr val="accent4"/>
+            </a:solidFill>
+          </a:ln>
+        </p:spPr>
+        <p:style>
+          <a:lnRef idx="1">
+            <a:schemeClr val="accent1"/>
+          </a:lnRef>
+          <a:fillRef idx="0">
+            <a:schemeClr val="accent1"/>
+          </a:fillRef>
+          <a:effectRef idx="0">
+            <a:schemeClr val="accent1"/>
+          </a:effectRef>
+          <a:fontRef idx="minor">
+            <a:schemeClr val="tx1"/>
+          </a:fontRef>
+        </p:style>
+        <p:txBody>
+          <a:bodyPr anchor="ctr"/>
+          <a:lstStyle/>
+          <a:p>
+            <a:pPr algn="ctr">
+              <a:defRPr/>
+            </a:pPr>
+            <a:r>
+              <a:rPr lang="en-US" altLang="ko-KR" b="1" dirty="0" smtClean="0">
+                <a:solidFill>
+                  <a:srgbClr val="502962"/>
+                </a:solidFill>
+              </a:rPr>
+              <a:t>Game</a:t>
+            </a:r>
+            <a:endParaRPr lang="en-US" altLang="ko-KR" b="1" dirty="0">
+              <a:solidFill>
+                <a:srgbClr val="502962"/>
+              </a:solidFill>
+            </a:endParaRPr>
+          </a:p>
+        </p:txBody>
+      </p:sp>
+      <p:sp>
+        <p:nvSpPr>
+          <p:cNvPr id="18" name="TextBox 17"/>
+          <p:cNvSpPr txBox="1"/>
+          <p:nvPr/>
+        </p:nvSpPr>
+        <p:spPr>
+          <a:xfrm>
+            <a:off x="314285" y="168115"/>
+            <a:ext cx="5911606" cy="630942"/>
+          </a:xfrm>
+          <a:prstGeom prst="rect">
+            <a:avLst/>
+          </a:prstGeom>
+        </p:spPr>
+        <p:txBody>
+          <a:bodyPr wrap="square">
+            <a:spAutoFit/>
+          </a:bodyPr>
+          <a:lstStyle/>
+          <a:p>
+            <a:pPr>
+              <a:defRPr/>
+            </a:pPr>
+            <a:r>
+              <a:rPr lang="en-US" altLang="ko-KR" sz="3500" b="1" dirty="0">
+                <a:solidFill>
+                  <a:srgbClr val="F4E5B2"/>
+                </a:solidFill>
+              </a:rPr>
+              <a:t>Main Scene _ </a:t>
+            </a:r>
+            <a:r>
+              <a:rPr lang="ko-KR" altLang="en-US" sz="2000" b="1" dirty="0" smtClean="0">
+                <a:solidFill>
+                  <a:srgbClr val="F4E5B2"/>
+                </a:solidFill>
+              </a:rPr>
+              <a:t>스킬</a:t>
+            </a:r>
+            <a:r>
+              <a:rPr lang="en-US" altLang="ko-KR" sz="2000" b="1" dirty="0" smtClean="0">
+                <a:solidFill>
+                  <a:srgbClr val="F4E5B2"/>
+                </a:solidFill>
+              </a:rPr>
+              <a:t>1</a:t>
+            </a:r>
+            <a:endParaRPr lang="ko-KR" altLang="en-US" sz="2000" b="1" dirty="0">
+              <a:solidFill>
+                <a:srgbClr val="F4E5B2"/>
+              </a:solidFill>
+            </a:endParaRPr>
+          </a:p>
+        </p:txBody>
+      </p:sp>
+      <p:pic>
+        <p:nvPicPr>
+          <p:cNvPr id="4" name="그림 3"/>
+          <p:cNvPicPr>
+            <a:picLocks noChangeAspect="1"/>
+          </p:cNvPicPr>
+          <p:nvPr/>
+        </p:nvPicPr>
+        <p:blipFill>
+          <a:blip r:embed="rId3"/>
+          <a:stretch>
+            <a:fillRect/>
+          </a:stretch>
+        </p:blipFill>
+        <p:spPr>
+          <a:xfrm>
+            <a:off x="447091" y="1014882"/>
+            <a:ext cx="8347871" cy="5518793"/>
+          </a:xfrm>
+          <a:prstGeom prst="rect">
+            <a:avLst/>
+          </a:prstGeom>
+        </p:spPr>
+      </p:pic>
+    </p:spTree>
+    <p:extLst>
+      <p:ext uri="{BB962C8B-B14F-4D97-AF65-F5344CB8AC3E}">
+        <p14:creationId xmlns:p14="http://schemas.microsoft.com/office/powerpoint/2010/main" val="1038354176"/>
+      </p:ext>
+    </p:extLst>
+  </p:cSld>
+  <p:clrMapOvr>
+    <a:masterClrMapping/>
+  </p:clrMapOvr>
+  <mc:AlternateContent xmlns:mc="http://schemas.openxmlformats.org/markup-compatibility/2006" xmlns:p14="http://schemas.microsoft.com/office/powerpoint/2010/main">
+    <mc:Choice Requires="p14">
+      <p:transition/>
+    </mc:Choice>
+    <mc:Fallback xmlns:dsp="http://schemas.microsoft.com/office/drawing/2008/diagram" xmlns:dgm="http://schemas.openxmlformats.org/drawingml/2006/diagram" xmlns:c="http://schemas.openxmlformats.org/drawingml/2006/chart" xmlns="">
+      <p:transition/>
+    </mc:Fallback>
+  </mc:AlternateContent>
+  <p:timing>
+    <p:tnLst>
+      <p:par>
+        <p:cTn id="1" dur="indefinite" restart="never" nodeType="tmRoot"/>
+      </p:par>
+    </p:tnLst>
+  </p:timing>
+</p:sld>
+</file>
+
+<file path=ppt/slides/slide17.xml><?xml version="1.0" encoding="utf-8"?>
+<p:sld xmlns:a="http://schemas.openxmlformats.org/drawingml/2006/main" xmlns:r="http://schemas.openxmlformats.org/officeDocument/2006/relationships" xmlns:p="http://schemas.openxmlformats.org/presentationml/2006/main">
+  <p:cSld>
+    <p:bg>
+      <p:bgPr>
+        <a:solidFill>
+          <a:srgbClr val="18141D"/>
+        </a:solidFill>
+        <a:effectLst/>
+      </p:bgPr>
+    </p:bg>
+    <p:spTree>
+      <p:nvGrpSpPr>
+        <p:cNvPr id="1" name=""/>
+        <p:cNvGrpSpPr/>
+        <p:nvPr/>
+      </p:nvGrpSpPr>
+      <p:grpSpPr>
+        <a:xfrm>
+          <a:off x="0" y="0"/>
+          <a:ext cx="0" cy="0"/>
+          <a:chOff x="0" y="0"/>
+          <a:chExt cx="0" cy="0"/>
+        </a:xfrm>
+      </p:grpSpPr>
+      <p:cxnSp>
+        <p:nvCxnSpPr>
+          <p:cNvPr id="8" name="직선 연결선 7"/>
+          <p:cNvCxnSpPr/>
+          <p:nvPr/>
+        </p:nvCxnSpPr>
+        <p:spPr>
+          <a:xfrm>
+            <a:off x="0" y="827942"/>
+            <a:ext cx="7591914" cy="0"/>
+          </a:xfrm>
+          <a:prstGeom prst="line">
+            <a:avLst/>
+          </a:prstGeom>
+          <a:ln>
+            <a:solidFill>
+              <a:schemeClr val="accent2"/>
+            </a:solidFill>
+          </a:ln>
+        </p:spPr>
+        <p:style>
+          <a:lnRef idx="1">
+            <a:schemeClr val="accent1"/>
+          </a:lnRef>
+          <a:fillRef idx="0">
+            <a:schemeClr val="accent1"/>
+          </a:fillRef>
+          <a:effectRef idx="0">
+            <a:schemeClr val="accent1"/>
+          </a:effectRef>
+          <a:fontRef idx="minor">
+            <a:schemeClr val="tx1"/>
+          </a:fontRef>
+        </p:style>
+      </p:cxnSp>
+      <p:cxnSp>
+        <p:nvCxnSpPr>
+          <p:cNvPr id="9" name="직선 연결선 8"/>
+          <p:cNvCxnSpPr/>
+          <p:nvPr/>
+        </p:nvCxnSpPr>
+        <p:spPr>
+          <a:xfrm flipV="1">
+            <a:off x="0" y="888755"/>
+            <a:ext cx="6859221" cy="0"/>
+          </a:xfrm>
+          <a:prstGeom prst="line">
+            <a:avLst/>
+          </a:prstGeom>
+          <a:ln>
+            <a:solidFill>
+              <a:schemeClr val="accent2"/>
+            </a:solidFill>
+          </a:ln>
+        </p:spPr>
+        <p:style>
+          <a:lnRef idx="1">
+            <a:schemeClr val="accent1"/>
+          </a:lnRef>
+          <a:fillRef idx="0">
+            <a:schemeClr val="accent1"/>
+          </a:fillRef>
+          <a:effectRef idx="0">
+            <a:schemeClr val="accent1"/>
+          </a:effectRef>
+          <a:fontRef idx="minor">
+            <a:schemeClr val="tx1"/>
+          </a:fontRef>
+        </p:style>
+      </p:cxnSp>
+      <p:sp>
+        <p:nvSpPr>
+          <p:cNvPr id="17" name="양쪽 대괄호 16"/>
+          <p:cNvSpPr/>
+          <p:nvPr/>
+        </p:nvSpPr>
+        <p:spPr>
+          <a:xfrm>
+            <a:off x="11170590" y="130968"/>
+            <a:ext cx="843505" cy="345281"/>
+          </a:xfrm>
+          <a:prstGeom prst="bracketPair">
+            <a:avLst>
+              <a:gd name="adj" fmla="val 40625"/>
+            </a:avLst>
+          </a:prstGeom>
+          <a:ln>
+            <a:solidFill>
+              <a:schemeClr val="accent4"/>
+            </a:solidFill>
+          </a:ln>
+        </p:spPr>
+        <p:style>
+          <a:lnRef idx="1">
+            <a:schemeClr val="accent1"/>
+          </a:lnRef>
+          <a:fillRef idx="0">
+            <a:schemeClr val="accent1"/>
+          </a:fillRef>
+          <a:effectRef idx="0">
+            <a:schemeClr val="accent1"/>
+          </a:effectRef>
+          <a:fontRef idx="minor">
+            <a:schemeClr val="tx1"/>
+          </a:fontRef>
+        </p:style>
+        <p:txBody>
+          <a:bodyPr anchor="ctr"/>
+          <a:lstStyle/>
+          <a:p>
+            <a:pPr algn="ctr">
+              <a:defRPr/>
+            </a:pPr>
+            <a:r>
+              <a:rPr lang="en-US" altLang="ko-KR" b="1" dirty="0" smtClean="0">
+                <a:solidFill>
+                  <a:srgbClr val="502962"/>
+                </a:solidFill>
+              </a:rPr>
+              <a:t>Game</a:t>
+            </a:r>
+            <a:endParaRPr lang="en-US" altLang="ko-KR" b="1" dirty="0">
+              <a:solidFill>
+                <a:srgbClr val="502962"/>
+              </a:solidFill>
+            </a:endParaRPr>
+          </a:p>
+        </p:txBody>
+      </p:sp>
+      <p:sp>
+        <p:nvSpPr>
+          <p:cNvPr id="18" name="TextBox 17"/>
+          <p:cNvSpPr txBox="1"/>
+          <p:nvPr/>
+        </p:nvSpPr>
+        <p:spPr>
+          <a:xfrm>
+            <a:off x="314285" y="168115"/>
+            <a:ext cx="5911606" cy="630942"/>
+          </a:xfrm>
+          <a:prstGeom prst="rect">
+            <a:avLst/>
+          </a:prstGeom>
+        </p:spPr>
+        <p:txBody>
+          <a:bodyPr wrap="square">
+            <a:spAutoFit/>
+          </a:bodyPr>
+          <a:lstStyle/>
+          <a:p>
+            <a:pPr>
+              <a:defRPr/>
+            </a:pPr>
+            <a:r>
+              <a:rPr lang="en-US" altLang="ko-KR" sz="3500" b="1" dirty="0">
+                <a:solidFill>
+                  <a:srgbClr val="F4E5B2"/>
+                </a:solidFill>
+              </a:rPr>
+              <a:t>Main Scene _ </a:t>
+            </a:r>
+            <a:r>
+              <a:rPr lang="ko-KR" altLang="en-US" sz="2000" b="1" dirty="0" smtClean="0">
+                <a:solidFill>
+                  <a:srgbClr val="F4E5B2"/>
+                </a:solidFill>
+              </a:rPr>
+              <a:t>스킬</a:t>
+            </a:r>
+            <a:r>
+              <a:rPr lang="en-US" altLang="ko-KR" sz="2000" b="1" dirty="0" smtClean="0">
+                <a:solidFill>
+                  <a:srgbClr val="F4E5B2"/>
+                </a:solidFill>
+              </a:rPr>
+              <a:t>2</a:t>
+            </a:r>
+          </a:p>
+        </p:txBody>
+      </p:sp>
+    </p:spTree>
+    <p:extLst>
+      <p:ext uri="{BB962C8B-B14F-4D97-AF65-F5344CB8AC3E}">
+        <p14:creationId xmlns:p14="http://schemas.microsoft.com/office/powerpoint/2010/main" val="2414627627"/>
+      </p:ext>
+    </p:extLst>
+  </p:cSld>
+  <p:clrMapOvr>
+    <a:masterClrMapping/>
+  </p:clrMapOvr>
+  <mc:AlternateContent xmlns:mc="http://schemas.openxmlformats.org/markup-compatibility/2006" xmlns:p14="http://schemas.microsoft.com/office/powerpoint/2010/main">
+    <mc:Choice Requires="p14">
+      <p:transition/>
+    </mc:Choice>
+    <mc:Fallback xmlns:dsp="http://schemas.microsoft.com/office/drawing/2008/diagram" xmlns:dgm="http://schemas.openxmlformats.org/drawingml/2006/diagram" xmlns:c="http://schemas.openxmlformats.org/drawingml/2006/chart" xmlns="">
+      <p:transition/>
+    </mc:Fallback>
+  </mc:AlternateContent>
+  <p:timing>
+    <p:tnLst>
+      <p:par>
+        <p:cTn id="1" dur="indefinite" restart="never" nodeType="tmRoot"/>
+      </p:par>
+    </p:tnLst>
+  </p:timing>
+</p:sld>
+</file>
+
+<file path=ppt/slides/slide2.xml><?xml version="1.0" encoding="utf-8"?>
+<p:sld xmlns:a="http://schemas.openxmlformats.org/drawingml/2006/main" xmlns:r="http://schemas.openxmlformats.org/officeDocument/2006/relationships" xmlns:p="http://schemas.openxmlformats.org/presentationml/2006/main">
+  <p:cSld>
+    <p:bg>
+      <p:bgPr>
+        <a:solidFill>
+          <a:srgbClr val="18141D"/>
+        </a:solidFill>
+        <a:effectLst/>
+      </p:bgPr>
+    </p:bg>
+    <p:spTree>
+      <p:nvGrpSpPr>
+        <p:cNvPr id="1" name=""/>
+        <p:cNvGrpSpPr/>
+        <p:nvPr/>
+      </p:nvGrpSpPr>
+      <p:grpSpPr>
+        <a:xfrm>
+          <a:off x="0" y="0"/>
+          <a:ext cx="0" cy="0"/>
+          <a:chOff x="0" y="0"/>
+          <a:chExt cx="0" cy="0"/>
+        </a:xfrm>
+      </p:grpSpPr>
+      <p:cxnSp>
+        <p:nvCxnSpPr>
+          <p:cNvPr id="8" name="직선 연결선 7"/>
+          <p:cNvCxnSpPr/>
+          <p:nvPr/>
+        </p:nvCxnSpPr>
+        <p:spPr>
+          <a:xfrm>
+            <a:off x="0" y="827942"/>
+            <a:ext cx="7591914" cy="0"/>
+          </a:xfrm>
+          <a:prstGeom prst="line">
+            <a:avLst/>
+          </a:prstGeom>
+          <a:ln>
+            <a:solidFill>
+              <a:schemeClr val="accent2"/>
+            </a:solidFill>
+          </a:ln>
+        </p:spPr>
+        <p:style>
+          <a:lnRef idx="1">
+            <a:schemeClr val="accent1"/>
+          </a:lnRef>
+          <a:fillRef idx="0">
+            <a:schemeClr val="accent1"/>
+          </a:fillRef>
+          <a:effectRef idx="0">
+            <a:schemeClr val="accent1"/>
+          </a:effectRef>
+          <a:fontRef idx="minor">
+            <a:schemeClr val="tx1"/>
+          </a:fontRef>
+        </p:style>
+      </p:cxnSp>
+      <p:cxnSp>
+        <p:nvCxnSpPr>
+          <p:cNvPr id="9" name="직선 연결선 8"/>
+          <p:cNvCxnSpPr/>
+          <p:nvPr/>
+        </p:nvCxnSpPr>
+        <p:spPr>
+          <a:xfrm>
+            <a:off x="0" y="888755"/>
+            <a:ext cx="6859221" cy="0"/>
+          </a:xfrm>
+          <a:prstGeom prst="line">
+            <a:avLst/>
+          </a:prstGeom>
+          <a:ln>
+            <a:solidFill>
+              <a:schemeClr val="accent2"/>
+            </a:solidFill>
+          </a:ln>
+        </p:spPr>
+        <p:style>
+          <a:lnRef idx="1">
+            <a:schemeClr val="accent1"/>
+          </a:lnRef>
+          <a:fillRef idx="0">
+            <a:schemeClr val="accent1"/>
+          </a:fillRef>
+          <a:effectRef idx="0">
+            <a:schemeClr val="accent1"/>
+          </a:effectRef>
+          <a:fontRef idx="minor">
+            <a:schemeClr val="tx1"/>
+          </a:fontRef>
+        </p:style>
+      </p:cxnSp>
+      <p:sp>
+        <p:nvSpPr>
+          <p:cNvPr id="18" name="TextBox 17"/>
+          <p:cNvSpPr txBox="1"/>
+          <p:nvPr/>
+        </p:nvSpPr>
+        <p:spPr>
+          <a:xfrm>
+            <a:off x="492857" y="178812"/>
+            <a:ext cx="5911606" cy="620555"/>
+          </a:xfrm>
+          <a:prstGeom prst="rect">
+            <a:avLst/>
+          </a:prstGeom>
+        </p:spPr>
+        <p:txBody>
+          <a:bodyPr wrap="square">
+            <a:spAutoFit/>
+          </a:bodyPr>
+          <a:lstStyle/>
+          <a:p>
+            <a:pPr>
+              <a:defRPr/>
+            </a:pPr>
+            <a:r>
               <a:rPr lang="ko-KR" altLang="en-US" sz="3500" b="1">
                 <a:solidFill>
-                  <a:srgbClr val="f4e5b2"/>
+                  <a:srgbClr val="F4E5B2"/>
                 </a:solidFill>
               </a:rPr>
               <a:t>목차</a:t>
             </a:r>
-            <a:endParaRPr lang="ko-KR" altLang="en-US" sz="3500" b="1">
-              <a:solidFill>
-                <a:srgbClr val="f4e5b2"/>
-              </a:solidFill>
-            </a:endParaRPr>
-          </a:p>
-        </p:txBody>
-      </p:sp>
-      <p:sp>
-        <p:nvSpPr>
-          <p:cNvPr id="19" name=""/>
+          </a:p>
+        </p:txBody>
+      </p:sp>
+      <p:sp>
+        <p:nvSpPr>
+          <p:cNvPr id="19" name="TextBox 18"/>
           <p:cNvSpPr txBox="1"/>
           <p:nvPr/>
         </p:nvSpPr>
@@ -5265,24 +7840,20 @@
           <a:bodyPr wrap="square">
             <a:spAutoFit/>
           </a:bodyPr>
+          <a:lstStyle/>
           <a:p>
             <a:pPr marL="647500" indent="-647500">
               <a:buAutoNum type="arabicPeriod"/>
               <a:defRPr/>
             </a:pPr>
             <a:r>
-              <a:rPr lang="ko-KR" altLang="en-US" sz="3500" b="1">
+              <a:rPr lang="ko-KR" altLang="en-US" sz="3500" b="1" dirty="0">
                 <a:solidFill>
-                  <a:srgbClr val="f4e5b2"/>
+                  <a:srgbClr val="F4E5B2"/>
                 </a:solidFill>
               </a:rPr>
               <a:t>전체적인 구조</a:t>
             </a:r>
-            <a:endParaRPr lang="ko-KR" altLang="en-US" sz="3500" b="1">
-              <a:solidFill>
-                <a:srgbClr val="f4e5b2"/>
-              </a:solidFill>
-            </a:endParaRPr>
           </a:p>
           <a:p>
             <a:pPr marL="647500" indent="-647500">
@@ -5290,16 +7861,16 @@
               <a:defRPr/>
             </a:pPr>
             <a:r>
-              <a:rPr lang="ko-KR" altLang="en-US" sz="3500" b="1">
+              <a:rPr lang="ko-KR" altLang="en-US" sz="3500" b="1" dirty="0" err="1">
                 <a:solidFill>
-                  <a:srgbClr val="f4e5b2"/>
+                  <a:srgbClr val="F4E5B2"/>
                 </a:solidFill>
               </a:rPr>
               <a:t>로직</a:t>
             </a:r>
-            <a:endParaRPr lang="ko-KR" altLang="en-US" sz="3500" b="1">
+            <a:endParaRPr lang="ko-KR" altLang="en-US" sz="3500" b="1" dirty="0">
               <a:solidFill>
-                <a:srgbClr val="f4e5b2"/>
+                <a:srgbClr val="F4E5B2"/>
               </a:solidFill>
             </a:endParaRPr>
           </a:p>
@@ -5309,27 +7880,22 @@
               <a:defRPr/>
             </a:pPr>
             <a:r>
-              <a:rPr lang="ko-KR" altLang="en-US" sz="3500" b="1">
+              <a:rPr lang="ko-KR" altLang="en-US" sz="3500" b="1" dirty="0">
                 <a:solidFill>
-                  <a:srgbClr val="f4e5b2"/>
+                  <a:srgbClr val="F4E5B2"/>
                 </a:solidFill>
               </a:rPr>
               <a:t>게임 플레이 영상</a:t>
             </a:r>
-            <a:endParaRPr lang="ko-KR" altLang="en-US" sz="3500" b="1">
-              <a:solidFill>
-                <a:srgbClr val="f4e5b2"/>
-              </a:solidFill>
-            </a:endParaRPr>
           </a:p>
           <a:p>
             <a:pPr marL="647500" indent="-647500">
               <a:buAutoNum type="arabicPeriod"/>
               <a:defRPr/>
             </a:pPr>
-            <a:endParaRPr lang="ko-KR" altLang="en-US" sz="3500" b="1">
+            <a:endParaRPr lang="ko-KR" altLang="en-US" sz="3500" b="1" dirty="0">
               <a:solidFill>
-                <a:srgbClr val="f4e5b2"/>
+                <a:srgbClr val="F4E5B2"/>
               </a:solidFill>
             </a:endParaRPr>
           </a:p>
@@ -5338,9 +7904,9 @@
               <a:buAutoNum type="arabicPeriod"/>
               <a:defRPr/>
             </a:pPr>
-            <a:endParaRPr lang="ko-KR" altLang="en-US" sz="3500" b="1">
+            <a:endParaRPr lang="ko-KR" altLang="en-US" sz="3500" b="1" dirty="0">
               <a:solidFill>
-                <a:srgbClr val="f4e5b2"/>
+                <a:srgbClr val="F4E5B2"/>
               </a:solidFill>
             </a:endParaRPr>
           </a:p>
@@ -5356,25 +7922,196 @@
   <p:clrMapOvr>
     <a:masterClrMapping/>
   </p:clrMapOvr>
-  <mc:AlternateContent xmlns:mc="http://schemas.openxmlformats.org/markup-compatibility/2006">
-    <mc:Choice xmlns:p14="http://schemas.microsoft.com/office/powerpoint/2010/main" Requires="p14">
-      <p:transition xmlns:mc="http://schemas.openxmlformats.org/markup-compatibility/2006" xmlns:p14="http://schemas.microsoft.com/office/powerpoint/2010/main" mc:Ignorable="p14" p14:dur="500"/>
+  <mc:AlternateContent xmlns:mc="http://schemas.openxmlformats.org/markup-compatibility/2006" xmlns:p14="http://schemas.microsoft.com/office/powerpoint/2010/main">
+    <mc:Choice Requires="p14">
+      <p:transition/>
     </mc:Choice>
-    <mc:Fallback>
+    <mc:Fallback xmlns:dsp="http://schemas.microsoft.com/office/drawing/2008/diagram" xmlns:dgm="http://schemas.openxmlformats.org/drawingml/2006/diagram" xmlns:c="http://schemas.openxmlformats.org/drawingml/2006/chart" xmlns="">
       <p:transition/>
     </mc:Fallback>
   </mc:AlternateContent>
+  <p:timing>
+    <p:tnLst>
+      <p:par>
+        <p:cTn id="1" dur="indefinite" restart="never" nodeType="tmRoot"/>
+      </p:par>
+    </p:tnLst>
+  </p:timing>
 </p:sld>
 </file>
 
 <file path=ppt/slides/slide3.xml><?xml version="1.0" encoding="utf-8"?>
-<p:sld xmlns:r="http://schemas.openxmlformats.org/officeDocument/2006/relationships" xmlns:c="http://schemas.openxmlformats.org/drawingml/2006/chart" xmlns:a="http://schemas.openxmlformats.org/drawingml/2006/main" xmlns:dgm="http://schemas.openxmlformats.org/drawingml/2006/diagram" xmlns:dsp="http://schemas.microsoft.com/office/drawing/2008/diagram" xmlns:p="http://schemas.openxmlformats.org/presentationml/2006/main">
+<p:sld xmlns:a="http://schemas.openxmlformats.org/drawingml/2006/main" xmlns:r="http://schemas.openxmlformats.org/officeDocument/2006/relationships" xmlns:p="http://schemas.openxmlformats.org/presentationml/2006/main">
   <p:cSld>
     <p:bg>
-      <p:bgPr shadeToTitle="0">
+      <p:bgPr>
         <a:solidFill>
-          <a:srgbClr val="18141d"/>
+          <a:srgbClr val="18141D"/>
         </a:solidFill>
+        <a:effectLst/>
+      </p:bgPr>
+    </p:bg>
+    <p:spTree>
+      <p:nvGrpSpPr>
+        <p:cNvPr id="1" name=""/>
+        <p:cNvGrpSpPr/>
+        <p:nvPr/>
+      </p:nvGrpSpPr>
+      <p:grpSpPr>
+        <a:xfrm>
+          <a:off x="0" y="0"/>
+          <a:ext cx="0" cy="0"/>
+          <a:chOff x="0" y="0"/>
+          <a:chExt cx="0" cy="0"/>
+        </a:xfrm>
+      </p:grpSpPr>
+      <p:cxnSp>
+        <p:nvCxnSpPr>
+          <p:cNvPr id="8" name="직선 연결선 7"/>
+          <p:cNvCxnSpPr/>
+          <p:nvPr/>
+        </p:nvCxnSpPr>
+        <p:spPr>
+          <a:xfrm>
+            <a:off x="0" y="2442137"/>
+            <a:ext cx="9806473" cy="0"/>
+          </a:xfrm>
+          <a:prstGeom prst="line">
+            <a:avLst/>
+          </a:prstGeom>
+          <a:ln>
+            <a:solidFill>
+              <a:schemeClr val="accent2"/>
+            </a:solidFill>
+          </a:ln>
+        </p:spPr>
+        <p:style>
+          <a:lnRef idx="1">
+            <a:schemeClr val="accent1"/>
+          </a:lnRef>
+          <a:fillRef idx="0">
+            <a:schemeClr val="accent1"/>
+          </a:fillRef>
+          <a:effectRef idx="0">
+            <a:schemeClr val="accent1"/>
+          </a:effectRef>
+          <a:fontRef idx="minor">
+            <a:schemeClr val="tx1"/>
+          </a:fontRef>
+        </p:style>
+      </p:cxnSp>
+      <p:cxnSp>
+        <p:nvCxnSpPr>
+          <p:cNvPr id="9" name="직선 연결선 8"/>
+          <p:cNvCxnSpPr/>
+          <p:nvPr/>
+        </p:nvCxnSpPr>
+        <p:spPr>
+          <a:xfrm>
+            <a:off x="0" y="2558934"/>
+            <a:ext cx="8500188" cy="0"/>
+          </a:xfrm>
+          <a:prstGeom prst="line">
+            <a:avLst/>
+          </a:prstGeom>
+          <a:ln>
+            <a:solidFill>
+              <a:schemeClr val="accent2"/>
+            </a:solidFill>
+          </a:ln>
+        </p:spPr>
+        <p:style>
+          <a:lnRef idx="1">
+            <a:schemeClr val="accent1"/>
+          </a:lnRef>
+          <a:fillRef idx="0">
+            <a:schemeClr val="accent1"/>
+          </a:fillRef>
+          <a:effectRef idx="0">
+            <a:schemeClr val="accent1"/>
+          </a:effectRef>
+          <a:fontRef idx="minor">
+            <a:schemeClr val="tx1"/>
+          </a:fontRef>
+        </p:style>
+      </p:cxnSp>
+      <p:sp>
+        <p:nvSpPr>
+          <p:cNvPr id="18" name="TextBox 17"/>
+          <p:cNvSpPr txBox="1"/>
+          <p:nvPr/>
+        </p:nvSpPr>
+        <p:spPr>
+          <a:xfrm>
+            <a:off x="1033034" y="1423529"/>
+            <a:ext cx="5911606" cy="861774"/>
+          </a:xfrm>
+          <a:prstGeom prst="rect">
+            <a:avLst/>
+          </a:prstGeom>
+        </p:spPr>
+        <p:txBody>
+          <a:bodyPr wrap="square">
+            <a:spAutoFit/>
+          </a:bodyPr>
+          <a:lstStyle/>
+          <a:p>
+            <a:pPr>
+              <a:defRPr/>
+            </a:pPr>
+            <a:r>
+              <a:rPr lang="ko-KR" altLang="en-US" sz="5000" b="1" dirty="0" smtClean="0">
+                <a:solidFill>
+                  <a:srgbClr val="F4E5B2"/>
+                </a:solidFill>
+              </a:rPr>
+              <a:t>전체적인 구조</a:t>
+            </a:r>
+            <a:endParaRPr lang="ko-KR" altLang="en-US" sz="5000" b="1" dirty="0">
+              <a:solidFill>
+                <a:srgbClr val="F4E5B2"/>
+              </a:solidFill>
+            </a:endParaRPr>
+          </a:p>
+        </p:txBody>
+      </p:sp>
+    </p:spTree>
+    <p:extLst>
+      <p:ext uri="{BB962C8B-B14F-4D97-AF65-F5344CB8AC3E}">
+        <p14:creationId xmlns:p14="http://schemas.microsoft.com/office/powerpoint/2010/main" val="2232668606"/>
+      </p:ext>
+    </p:extLst>
+  </p:cSld>
+  <p:clrMapOvr>
+    <a:masterClrMapping/>
+  </p:clrMapOvr>
+  <mc:AlternateContent xmlns:mc="http://schemas.openxmlformats.org/markup-compatibility/2006" xmlns:p14="http://schemas.microsoft.com/office/powerpoint/2010/main">
+    <mc:Choice Requires="p14">
+      <p:transition/>
+    </mc:Choice>
+    <mc:Fallback xmlns:dsp="http://schemas.microsoft.com/office/drawing/2008/diagram" xmlns:dgm="http://schemas.openxmlformats.org/drawingml/2006/diagram" xmlns:c="http://schemas.openxmlformats.org/drawingml/2006/chart" xmlns="">
+      <p:transition/>
+    </mc:Fallback>
+  </mc:AlternateContent>
+  <p:timing>
+    <p:tnLst>
+      <p:par>
+        <p:cTn id="1" dur="indefinite" restart="never" nodeType="tmRoot"/>
+      </p:par>
+    </p:tnLst>
+  </p:timing>
+</p:sld>
+</file>
+
+<file path=ppt/slides/slide4.xml><?xml version="1.0" encoding="utf-8"?>
+<p:sld xmlns:a="http://schemas.openxmlformats.org/drawingml/2006/main" xmlns:r="http://schemas.openxmlformats.org/officeDocument/2006/relationships" xmlns:p="http://schemas.openxmlformats.org/presentationml/2006/main">
+  <p:cSld>
+    <p:bg>
+      <p:bgPr>
+        <a:solidFill>
+          <a:srgbClr val="18141D"/>
+        </a:solidFill>
+        <a:effectLst/>
       </p:bgPr>
     </p:bg>
     <p:spTree>
@@ -5393,7 +8130,7 @@
       </p:grpSpPr>
       <p:pic>
         <p:nvPicPr>
-          <p:cNvPr id="4" name=""/>
+          <p:cNvPr id="4" name="그림 3"/>
           <p:cNvPicPr>
             <a:picLocks noChangeAspect="1"/>
           </p:cNvPicPr>
@@ -5420,7 +8157,7 @@
       </p:pic>
       <p:pic>
         <p:nvPicPr>
-          <p:cNvPr id="6" name=""/>
+          <p:cNvPr id="6" name="그림 5"/>
           <p:cNvPicPr>
             <a:picLocks noChangeAspect="1"/>
           </p:cNvPicPr>
@@ -5444,7 +8181,7 @@
       </p:pic>
       <p:pic>
         <p:nvPicPr>
-          <p:cNvPr id="7" name=""/>
+          <p:cNvPr id="7" name="그림 6"/>
           <p:cNvPicPr>
             <a:picLocks noChangeAspect="1"/>
           </p:cNvPicPr>
@@ -5468,7 +8205,7 @@
       </p:pic>
       <p:cxnSp>
         <p:nvCxnSpPr>
-          <p:cNvPr id="8" name=""/>
+          <p:cNvPr id="8" name="직선 연결선 7"/>
           <p:cNvCxnSpPr/>
           <p:nvPr/>
         </p:nvCxnSpPr>
@@ -5503,7 +8240,7 @@
       </p:cxnSp>
       <p:cxnSp>
         <p:nvCxnSpPr>
-          <p:cNvPr id="9" name=""/>
+          <p:cNvPr id="9" name="직선 연결선 8"/>
           <p:cNvCxnSpPr/>
           <p:nvPr/>
         </p:nvCxnSpPr>
@@ -5538,7 +8275,7 @@
       </p:cxnSp>
       <p:sp>
         <p:nvSpPr>
-          <p:cNvPr id="17" name=""/>
+          <p:cNvPr id="17" name="양쪽 대괄호 16"/>
           <p:cNvSpPr/>
           <p:nvPr/>
         </p:nvSpPr>
@@ -5574,6 +8311,7 @@
         </p:style>
         <p:txBody>
           <a:bodyPr anchor="ctr"/>
+          <a:lstStyle/>
           <a:p>
             <a:pPr algn="ctr">
               <a:defRPr/>
@@ -5586,24 +8324,19 @@
               </a:rPr>
               <a:t>Scene</a:t>
             </a:r>
-            <a:endParaRPr lang="en-US" altLang="ko-KR" b="1">
-              <a:solidFill>
-                <a:srgbClr val="502962"/>
-              </a:solidFill>
-            </a:endParaRPr>
-          </a:p>
-        </p:txBody>
-      </p:sp>
-      <p:sp>
-        <p:nvSpPr>
-          <p:cNvPr id="18" name=""/>
+          </a:p>
+        </p:txBody>
+      </p:sp>
+      <p:sp>
+        <p:nvSpPr>
+          <p:cNvPr id="18" name="TextBox 17"/>
           <p:cNvSpPr txBox="1"/>
           <p:nvPr/>
         </p:nvSpPr>
         <p:spPr>
           <a:xfrm>
             <a:off x="314285" y="168115"/>
-            <a:ext cx="5911606" cy="616268"/>
+            <a:ext cx="5911606" cy="630942"/>
           </a:xfrm>
           <a:prstGeom prst="rect">
             <a:avLst/>
@@ -5613,50 +8346,59 @@
           <a:bodyPr wrap="square">
             <a:spAutoFit/>
           </a:bodyPr>
+          <a:lstStyle/>
           <a:p>
             <a:pPr>
               <a:defRPr/>
             </a:pPr>
             <a:r>
-              <a:rPr lang="ko-KR" altLang="en-US" sz="3500" b="1">
+              <a:rPr lang="ko-KR" altLang="en-US" sz="3500" b="1" dirty="0">
                 <a:solidFill>
-                  <a:srgbClr val="f4e5b2"/>
+                  <a:srgbClr val="F4E5B2"/>
                 </a:solidFill>
               </a:rPr>
               <a:t>전체적인 구조 </a:t>
             </a:r>
             <a:r>
-              <a:rPr lang="en-US" altLang="ko-KR" sz="3500" b="1">
+              <a:rPr lang="en-US" altLang="ko-KR" sz="2000" b="1" dirty="0" smtClean="0">
                 <a:solidFill>
-                  <a:srgbClr val="f4e5b2"/>
+                  <a:srgbClr val="F4E5B2"/>
                 </a:solidFill>
               </a:rPr>
-              <a:t>-</a:t>
-            </a:r>
-            <a:r>
-              <a:rPr lang="ko-KR" altLang="en-US" sz="3500" b="1">
-                <a:solidFill>
-                  <a:srgbClr val="f4e5b2"/>
-                </a:solidFill>
-              </a:rPr>
-              <a:t> </a:t>
-            </a:r>
-            <a:r>
-              <a:rPr lang="en-US" altLang="ko-KR" sz="3500" b="1">
-                <a:solidFill>
-                  <a:srgbClr val="f4e5b2"/>
-                </a:solidFill>
-              </a:rPr>
-              <a:t>Scene</a:t>
-            </a:r>
-            <a:endParaRPr lang="en-US" altLang="ko-KR" sz="3500" b="1">
+              <a:t>_ Scene</a:t>
+            </a:r>
+            <a:endParaRPr lang="en-US" altLang="ko-KR" sz="2000" b="1" dirty="0">
               <a:solidFill>
-                <a:srgbClr val="f4e5b2"/>
+                <a:srgbClr val="F4E5B2"/>
               </a:solidFill>
             </a:endParaRPr>
           </a:p>
         </p:txBody>
       </p:sp>
+      <p:pic>
+        <p:nvPicPr>
+          <p:cNvPr id="2" name="그림 1"/>
+          <p:cNvPicPr>
+            <a:picLocks noChangeAspect="1"/>
+          </p:cNvPicPr>
+          <p:nvPr/>
+        </p:nvPicPr>
+        <p:blipFill>
+          <a:blip r:embed="rId6"/>
+          <a:stretch>
+            <a:fillRect/>
+          </a:stretch>
+        </p:blipFill>
+        <p:spPr>
+          <a:xfrm>
+            <a:off x="5249442" y="3671966"/>
+            <a:ext cx="1952898" cy="476316"/>
+          </a:xfrm>
+          <a:prstGeom prst="rect">
+            <a:avLst/>
+          </a:prstGeom>
+        </p:spPr>
+      </p:pic>
     </p:spTree>
     <p:extLst>
       <p:ext uri="{BB962C8B-B14F-4D97-AF65-F5344CB8AC3E}">
@@ -5667,25 +8409,33 @@
   <p:clrMapOvr>
     <a:masterClrMapping/>
   </p:clrMapOvr>
-  <mc:AlternateContent xmlns:mc="http://schemas.openxmlformats.org/markup-compatibility/2006">
-    <mc:Choice xmlns:p14="http://schemas.microsoft.com/office/powerpoint/2010/main" Requires="p14">
-      <p:transition xmlns:mc="http://schemas.openxmlformats.org/markup-compatibility/2006" xmlns:p14="http://schemas.microsoft.com/office/powerpoint/2010/main" mc:Ignorable="p14" p14:dur="500"/>
+  <mc:AlternateContent xmlns:mc="http://schemas.openxmlformats.org/markup-compatibility/2006" xmlns:p14="http://schemas.microsoft.com/office/powerpoint/2010/main">
+    <mc:Choice Requires="p14">
+      <p:transition/>
     </mc:Choice>
-    <mc:Fallback>
+    <mc:Fallback xmlns:dsp="http://schemas.microsoft.com/office/drawing/2008/diagram" xmlns:dgm="http://schemas.openxmlformats.org/drawingml/2006/diagram" xmlns:c="http://schemas.openxmlformats.org/drawingml/2006/chart" xmlns="">
       <p:transition/>
     </mc:Fallback>
   </mc:AlternateContent>
+  <p:timing>
+    <p:tnLst>
+      <p:par>
+        <p:cTn id="1" dur="indefinite" restart="never" nodeType="tmRoot"/>
+      </p:par>
+    </p:tnLst>
+  </p:timing>
 </p:sld>
 </file>
 
-<file path=ppt/slides/slide4.xml><?xml version="1.0" encoding="utf-8"?>
-<p:sld xmlns:r="http://schemas.openxmlformats.org/officeDocument/2006/relationships" xmlns:c="http://schemas.openxmlformats.org/drawingml/2006/chart" xmlns:a="http://schemas.openxmlformats.org/drawingml/2006/main" xmlns:dgm="http://schemas.openxmlformats.org/drawingml/2006/diagram" xmlns:dsp="http://schemas.microsoft.com/office/drawing/2008/diagram" xmlns:p="http://schemas.openxmlformats.org/presentationml/2006/main">
+<file path=ppt/slides/slide5.xml><?xml version="1.0" encoding="utf-8"?>
+<p:sld xmlns:a="http://schemas.openxmlformats.org/drawingml/2006/main" xmlns:r="http://schemas.openxmlformats.org/officeDocument/2006/relationships" xmlns:p="http://schemas.openxmlformats.org/presentationml/2006/main">
   <p:cSld>
     <p:bg>
-      <p:bgPr shadeToTitle="0">
+      <p:bgPr>
         <a:solidFill>
-          <a:srgbClr val="18141d"/>
+          <a:srgbClr val="18141D"/>
         </a:solidFill>
+        <a:effectLst/>
       </p:bgPr>
     </p:bg>
     <p:spTree>
@@ -5704,7 +8454,7 @@
       </p:grpSpPr>
       <p:cxnSp>
         <p:nvCxnSpPr>
-          <p:cNvPr id="8" name=""/>
+          <p:cNvPr id="8" name="직선 연결선 7"/>
           <p:cNvCxnSpPr/>
           <p:nvPr/>
         </p:nvCxnSpPr>
@@ -5739,12 +8489,12 @@
       </p:cxnSp>
       <p:cxnSp>
         <p:nvCxnSpPr>
-          <p:cNvPr id="9" name=""/>
+          <p:cNvPr id="9" name="직선 연결선 8"/>
           <p:cNvCxnSpPr/>
           <p:nvPr/>
         </p:nvCxnSpPr>
         <p:spPr>
-          <a:xfrm>
+          <a:xfrm flipV="1">
             <a:off x="0" y="888755"/>
             <a:ext cx="6859221" cy="0"/>
           </a:xfrm>
@@ -5774,7 +8524,7 @@
       </p:cxnSp>
       <p:sp>
         <p:nvSpPr>
-          <p:cNvPr id="17" name=""/>
+          <p:cNvPr id="17" name="양쪽 대괄호 16"/>
           <p:cNvSpPr/>
           <p:nvPr/>
         </p:nvSpPr>
@@ -5810,6 +8560,7 @@
         </p:style>
         <p:txBody>
           <a:bodyPr anchor="ctr"/>
+          <a:lstStyle/>
           <a:p>
             <a:pPr algn="ctr">
               <a:defRPr/>
@@ -5820,26 +8571,21 @@
                   <a:srgbClr val="502962"/>
                 </a:solidFill>
               </a:rPr>
-              <a:t>Scene</a:t>
-            </a:r>
-            <a:endParaRPr lang="en-US" altLang="ko-KR" b="1">
-              <a:solidFill>
-                <a:srgbClr val="502962"/>
-              </a:solidFill>
-            </a:endParaRPr>
-          </a:p>
-        </p:txBody>
-      </p:sp>
-      <p:sp>
-        <p:nvSpPr>
-          <p:cNvPr id="18" name=""/>
+              <a:t>Main</a:t>
+            </a:r>
+          </a:p>
+        </p:txBody>
+      </p:sp>
+      <p:sp>
+        <p:nvSpPr>
+          <p:cNvPr id="18" name="TextBox 17"/>
           <p:cNvSpPr txBox="1"/>
           <p:nvPr/>
         </p:nvSpPr>
         <p:spPr>
           <a:xfrm>
             <a:off x="314285" y="168115"/>
-            <a:ext cx="5911606" cy="620555"/>
+            <a:ext cx="5911606" cy="630942"/>
           </a:xfrm>
           <a:prstGeom prst="rect">
             <a:avLst/>
@@ -5849,45 +8595,38 @@
           <a:bodyPr wrap="square">
             <a:spAutoFit/>
           </a:bodyPr>
+          <a:lstStyle/>
           <a:p>
             <a:pPr>
               <a:defRPr/>
             </a:pPr>
             <a:r>
-              <a:rPr lang="ko-KR" altLang="en-US" sz="3500" b="1">
+              <a:rPr lang="ko-KR" altLang="en-US" sz="3500" b="1" dirty="0">
                 <a:solidFill>
-                  <a:srgbClr val="f4e5b2"/>
+                  <a:srgbClr val="F4E5B2"/>
                 </a:solidFill>
               </a:rPr>
               <a:t>전체적인 구조 </a:t>
             </a:r>
             <a:r>
-              <a:rPr lang="en-US" altLang="ko-KR" sz="3500" b="1">
+              <a:rPr lang="en-US" altLang="ko-KR" sz="3500" b="1" dirty="0" smtClean="0">
                 <a:solidFill>
-                  <a:srgbClr val="f4e5b2"/>
+                  <a:srgbClr val="F4E5B2"/>
                 </a:solidFill>
               </a:rPr>
-              <a:t>-</a:t>
-            </a:r>
-            <a:r>
-              <a:rPr lang="ko-KR" altLang="en-US" sz="3500" b="1">
+              <a:t>_ </a:t>
+            </a:r>
+            <a:r>
+              <a:rPr lang="ko-KR" altLang="en-US" sz="2000" b="1" dirty="0" err="1" smtClean="0">
                 <a:solidFill>
-                  <a:srgbClr val="f4e5b2"/>
+                  <a:srgbClr val="F4E5B2"/>
                 </a:solidFill>
               </a:rPr>
-              <a:t> </a:t>
-            </a:r>
-            <a:r>
-              <a:rPr lang="en-US" altLang="ko-KR" sz="3500" b="1">
-                <a:solidFill>
-                  <a:srgbClr val="f4e5b2"/>
-                </a:solidFill>
-              </a:rPr>
-              <a:t>Scene</a:t>
-            </a:r>
-            <a:endParaRPr lang="en-US" altLang="ko-KR" sz="3500" b="1">
+              <a:t>메인화면</a:t>
+            </a:r>
+            <a:endParaRPr lang="ko-KR" altLang="en-US" sz="2000" b="1" dirty="0">
               <a:solidFill>
-                <a:srgbClr val="f4e5b2"/>
+                <a:srgbClr val="F4E5B2"/>
               </a:solidFill>
             </a:endParaRPr>
           </a:p>
@@ -5895,7 +8634,7 @@
       </p:sp>
       <p:pic>
         <p:nvPicPr>
-          <p:cNvPr id="19" name=""/>
+          <p:cNvPr id="19" name="그림 18"/>
           <p:cNvPicPr>
             <a:picLocks noChangeAspect="1"/>
           </p:cNvPicPr>
@@ -5909,8 +8648,8 @@
         </p:blipFill>
         <p:spPr>
           <a:xfrm>
-            <a:off x="3362367" y="1498114"/>
-            <a:ext cx="8459094" cy="4496774"/>
+            <a:off x="4399438" y="1152913"/>
+            <a:ext cx="7192904" cy="5412009"/>
           </a:xfrm>
           <a:prstGeom prst="rect">
             <a:avLst/>
@@ -5919,7 +8658,7 @@
       </p:pic>
       <p:pic>
         <p:nvPicPr>
-          <p:cNvPr id="22" name=""/>
+          <p:cNvPr id="20" name="그림 19"/>
           <p:cNvPicPr>
             <a:picLocks noChangeAspect="1"/>
           </p:cNvPicPr>
@@ -5933,67 +8672,100 @@
         </p:blipFill>
         <p:spPr>
           <a:xfrm>
-            <a:off x="314285" y="1498114"/>
-            <a:ext cx="2955803" cy="1626376"/>
+            <a:off x="314285" y="1830939"/>
+            <a:ext cx="3572373" cy="4344006"/>
           </a:xfrm>
           <a:prstGeom prst="rect">
             <a:avLst/>
           </a:prstGeom>
         </p:spPr>
       </p:pic>
-      <p:pic>
-        <p:nvPicPr>
-          <p:cNvPr id="23" name=""/>
-          <p:cNvPicPr>
-            <a:picLocks noChangeAspect="1"/>
-          </p:cNvPicPr>
+      <p:sp>
+        <p:nvSpPr>
+          <p:cNvPr id="21" name="직사각형 20"/>
+          <p:cNvSpPr/>
           <p:nvPr/>
-        </p:nvPicPr>
-        <p:blipFill rotWithShape="1">
-          <a:blip r:embed="rId5"/>
-          <a:stretch>
-            <a:fillRect/>
-          </a:stretch>
-        </p:blipFill>
-        <p:spPr>
-          <a:xfrm>
-            <a:off x="243131" y="3746501"/>
-            <a:ext cx="3098109" cy="1318645"/>
+        </p:nvSpPr>
+        <p:spPr>
+          <a:xfrm>
+            <a:off x="1069126" y="3858918"/>
+            <a:ext cx="1996545" cy="884702"/>
           </a:xfrm>
           <a:prstGeom prst="rect">
             <a:avLst/>
           </a:prstGeom>
-        </p:spPr>
-      </p:pic>
+          <a:noFill/>
+          <a:ln w="76200">
+            <a:solidFill>
+              <a:srgbClr val="FF0000"/>
+            </a:solidFill>
+            <a:prstDash val="solid"/>
+          </a:ln>
+        </p:spPr>
+        <p:style>
+          <a:lnRef idx="2">
+            <a:schemeClr val="accent1">
+              <a:shade val="20000"/>
+            </a:schemeClr>
+          </a:lnRef>
+          <a:fillRef idx="1">
+            <a:schemeClr val="accent1"/>
+          </a:fillRef>
+          <a:effectRef idx="0">
+            <a:schemeClr val="accent1"/>
+          </a:effectRef>
+          <a:fontRef idx="minor">
+            <a:schemeClr val="lt1"/>
+          </a:fontRef>
+        </p:style>
+        <p:txBody>
+          <a:bodyPr anchor="ctr"/>
+          <a:lstStyle/>
+          <a:p>
+            <a:pPr algn="ctr">
+              <a:defRPr/>
+            </a:pPr>
+            <a:endParaRPr lang="en-US" altLang="ko-KR"/>
+          </a:p>
+        </p:txBody>
+      </p:sp>
     </p:spTree>
     <p:extLst>
       <p:ext uri="{BB962C8B-B14F-4D97-AF65-F5344CB8AC3E}">
-        <p14:creationId xmlns:p14="http://schemas.microsoft.com/office/powerpoint/2010/main" val="964355495"/>
+        <p14:creationId xmlns:p14="http://schemas.microsoft.com/office/powerpoint/2010/main" val="2940937297"/>
       </p:ext>
     </p:extLst>
   </p:cSld>
   <p:clrMapOvr>
     <a:masterClrMapping/>
   </p:clrMapOvr>
-  <mc:AlternateContent xmlns:mc="http://schemas.openxmlformats.org/markup-compatibility/2006">
-    <mc:Choice xmlns:p14="http://schemas.microsoft.com/office/powerpoint/2010/main" Requires="p14">
-      <p:transition xmlns:mc="http://schemas.openxmlformats.org/markup-compatibility/2006" xmlns:p14="http://schemas.microsoft.com/office/powerpoint/2010/main" mc:Ignorable="p14" p14:dur="500"/>
+  <mc:AlternateContent xmlns:mc="http://schemas.openxmlformats.org/markup-compatibility/2006" xmlns:p14="http://schemas.microsoft.com/office/powerpoint/2010/main">
+    <mc:Choice Requires="p14">
+      <p:transition/>
     </mc:Choice>
-    <mc:Fallback>
+    <mc:Fallback xmlns:dsp="http://schemas.microsoft.com/office/drawing/2008/diagram" xmlns:dgm="http://schemas.openxmlformats.org/drawingml/2006/diagram" xmlns:c="http://schemas.openxmlformats.org/drawingml/2006/chart" xmlns="">
       <p:transition/>
     </mc:Fallback>
   </mc:AlternateContent>
+  <p:timing>
+    <p:tnLst>
+      <p:par>
+        <p:cTn id="1" dur="indefinite" restart="never" nodeType="tmRoot"/>
+      </p:par>
+    </p:tnLst>
+  </p:timing>
 </p:sld>
 </file>
 
-<file path=ppt/slides/slide5.xml><?xml version="1.0" encoding="utf-8"?>
-<p:sld xmlns:r="http://schemas.openxmlformats.org/officeDocument/2006/relationships" xmlns:c="http://schemas.openxmlformats.org/drawingml/2006/chart" xmlns:a="http://schemas.openxmlformats.org/drawingml/2006/main" xmlns:dgm="http://schemas.openxmlformats.org/drawingml/2006/diagram" xmlns:dsp="http://schemas.microsoft.com/office/drawing/2008/diagram" xmlns:p="http://schemas.openxmlformats.org/presentationml/2006/main">
+<file path=ppt/slides/slide6.xml><?xml version="1.0" encoding="utf-8"?>
+<p:sld xmlns:a="http://schemas.openxmlformats.org/drawingml/2006/main" xmlns:r="http://schemas.openxmlformats.org/officeDocument/2006/relationships" xmlns:p="http://schemas.openxmlformats.org/presentationml/2006/main">
   <p:cSld>
     <p:bg>
-      <p:bgPr shadeToTitle="0">
+      <p:bgPr>
         <a:solidFill>
-          <a:srgbClr val="18141d"/>
+          <a:srgbClr val="18141D"/>
         </a:solidFill>
+        <a:effectLst/>
       </p:bgPr>
     </p:bg>
     <p:spTree>
@@ -6012,7 +8784,7 @@
       </p:grpSpPr>
       <p:cxnSp>
         <p:nvCxnSpPr>
-          <p:cNvPr id="8" name=""/>
+          <p:cNvPr id="8" name="직선 연결선 7"/>
           <p:cNvCxnSpPr/>
           <p:nvPr/>
         </p:nvCxnSpPr>
@@ -6047,12 +8819,12 @@
       </p:cxnSp>
       <p:cxnSp>
         <p:nvCxnSpPr>
-          <p:cNvPr id="9" name=""/>
+          <p:cNvPr id="9" name="직선 연결선 8"/>
           <p:cNvCxnSpPr/>
           <p:nvPr/>
         </p:nvCxnSpPr>
         <p:spPr>
-          <a:xfrm flipV="1">
+          <a:xfrm>
             <a:off x="0" y="888755"/>
             <a:ext cx="6859221" cy="0"/>
           </a:xfrm>
@@ -6082,7 +8854,7 @@
       </p:cxnSp>
       <p:sp>
         <p:nvSpPr>
-          <p:cNvPr id="17" name=""/>
+          <p:cNvPr id="17" name="양쪽 대괄호 16"/>
           <p:cNvSpPr/>
           <p:nvPr/>
         </p:nvSpPr>
@@ -6118,6 +8890,7 @@
         </p:style>
         <p:txBody>
           <a:bodyPr anchor="ctr"/>
+          <a:lstStyle/>
           <a:p>
             <a:pPr algn="ctr">
               <a:defRPr/>
@@ -6130,72 +8903,12 @@
               </a:rPr>
               <a:t>Main</a:t>
             </a:r>
-            <a:endParaRPr lang="en-US" altLang="ko-KR" b="1">
-              <a:solidFill>
-                <a:srgbClr val="502962"/>
-              </a:solidFill>
-            </a:endParaRPr>
-          </a:p>
-        </p:txBody>
-      </p:sp>
-      <p:sp>
-        <p:nvSpPr>
-          <p:cNvPr id="18" name=""/>
-          <p:cNvSpPr txBox="1"/>
-          <p:nvPr/>
-        </p:nvSpPr>
-        <p:spPr>
-          <a:xfrm>
-            <a:off x="314285" y="168115"/>
-            <a:ext cx="5911606" cy="620555"/>
-          </a:xfrm>
-          <a:prstGeom prst="rect">
-            <a:avLst/>
-          </a:prstGeom>
-        </p:spPr>
-        <p:txBody>
-          <a:bodyPr wrap="square">
-            <a:spAutoFit/>
-          </a:bodyPr>
-          <a:p>
-            <a:pPr>
-              <a:defRPr/>
-            </a:pPr>
-            <a:r>
-              <a:rPr lang="ko-KR" altLang="en-US" sz="3500" b="1">
-                <a:solidFill>
-                  <a:srgbClr val="f4e5b2"/>
-                </a:solidFill>
-              </a:rPr>
-              <a:t>전체적인 구조 </a:t>
-            </a:r>
-            <a:r>
-              <a:rPr lang="en-US" altLang="ko-KR" sz="3500" b="1">
-                <a:solidFill>
-                  <a:srgbClr val="f4e5b2"/>
-                </a:solidFill>
-              </a:rPr>
-              <a:t>-</a:t>
-            </a:r>
-            <a:r>
-              <a:rPr lang="ko-KR" altLang="en-US" sz="3500" b="1">
-                <a:solidFill>
-                  <a:srgbClr val="f4e5b2"/>
-                </a:solidFill>
-              </a:rPr>
-              <a:t> 메인화면</a:t>
-            </a:r>
-            <a:endParaRPr lang="ko-KR" altLang="en-US" sz="3500" b="1">
-              <a:solidFill>
-                <a:srgbClr val="f4e5b2"/>
-              </a:solidFill>
-            </a:endParaRPr>
           </a:p>
         </p:txBody>
       </p:sp>
       <p:pic>
         <p:nvPicPr>
-          <p:cNvPr id="19" name=""/>
+          <p:cNvPr id="20" name="그림 19"/>
           <p:cNvPicPr>
             <a:picLocks noChangeAspect="1"/>
           </p:cNvPicPr>
@@ -6209,17 +8922,66 @@
         </p:blipFill>
         <p:spPr>
           <a:xfrm>
-            <a:off x="4399438" y="1152913"/>
-            <a:ext cx="7192904" cy="5412009"/>
+            <a:off x="314285" y="1830939"/>
+            <a:ext cx="3572373" cy="4344006"/>
           </a:xfrm>
           <a:prstGeom prst="rect">
             <a:avLst/>
           </a:prstGeom>
         </p:spPr>
       </p:pic>
+      <p:sp>
+        <p:nvSpPr>
+          <p:cNvPr id="21" name="직사각형 20"/>
+          <p:cNvSpPr/>
+          <p:nvPr/>
+        </p:nvSpPr>
+        <p:spPr>
+          <a:xfrm>
+            <a:off x="1102199" y="4732898"/>
+            <a:ext cx="1996545" cy="884702"/>
+          </a:xfrm>
+          <a:prstGeom prst="rect">
+            <a:avLst/>
+          </a:prstGeom>
+          <a:noFill/>
+          <a:ln w="76200">
+            <a:solidFill>
+              <a:srgbClr val="FF0000"/>
+            </a:solidFill>
+            <a:prstDash val="solid"/>
+          </a:ln>
+        </p:spPr>
+        <p:style>
+          <a:lnRef idx="2">
+            <a:schemeClr val="accent1">
+              <a:shade val="20000"/>
+            </a:schemeClr>
+          </a:lnRef>
+          <a:fillRef idx="1">
+            <a:schemeClr val="accent1"/>
+          </a:fillRef>
+          <a:effectRef idx="0">
+            <a:schemeClr val="accent1"/>
+          </a:effectRef>
+          <a:fontRef idx="minor">
+            <a:schemeClr val="lt1"/>
+          </a:fontRef>
+        </p:style>
+        <p:txBody>
+          <a:bodyPr anchor="ctr"/>
+          <a:lstStyle/>
+          <a:p>
+            <a:pPr algn="ctr">
+              <a:defRPr/>
+            </a:pPr>
+            <a:endParaRPr lang="en-US" altLang="ko-KR"/>
+          </a:p>
+        </p:txBody>
+      </p:sp>
       <p:pic>
         <p:nvPicPr>
-          <p:cNvPr id="20" name=""/>
+          <p:cNvPr id="22" name="그림 21"/>
           <p:cNvPicPr>
             <a:picLocks noChangeAspect="1"/>
           </p:cNvPicPr>
@@ -6233,8 +8995,8 @@
         </p:blipFill>
         <p:spPr>
           <a:xfrm>
-            <a:off x="314285" y="1830939"/>
-            <a:ext cx="3572373" cy="4344006"/>
+            <a:off x="5041508" y="1830939"/>
+            <a:ext cx="5601482" cy="4143953"/>
           </a:xfrm>
           <a:prstGeom prst="rect">
             <a:avLst/>
@@ -6243,81 +9005,120 @@
       </p:pic>
       <p:sp>
         <p:nvSpPr>
-          <p:cNvPr id="21" name=""/>
-          <p:cNvSpPr/>
+          <p:cNvPr id="23" name="TextBox 22"/>
+          <p:cNvSpPr txBox="1"/>
           <p:nvPr/>
         </p:nvSpPr>
         <p:spPr>
           <a:xfrm>
-            <a:off x="1069126" y="3858918"/>
-            <a:ext cx="1996545" cy="884702"/>
+            <a:off x="314285" y="168115"/>
+            <a:ext cx="5911606" cy="630942"/>
           </a:xfrm>
           <a:prstGeom prst="rect">
             <a:avLst/>
           </a:prstGeom>
-          <a:noFill/>
-          <a:ln w="76200">
-            <a:solidFill>
-              <a:srgbClr val="ff0000"/>
-            </a:solidFill>
-            <a:prstDash val="solid"/>
-          </a:ln>
-        </p:spPr>
-        <p:style>
-          <a:lnRef idx="2">
-            <a:schemeClr val="accent1">
-              <a:shade val="20000"/>
-            </a:schemeClr>
-          </a:lnRef>
-          <a:fillRef idx="1">
-            <a:schemeClr val="accent1"/>
-          </a:fillRef>
-          <a:effectRef idx="0">
-            <a:schemeClr val="accent1"/>
-          </a:effectRef>
-          <a:fontRef idx="minor">
-            <a:schemeClr val="lt1"/>
-          </a:fontRef>
-        </p:style>
-        <p:txBody>
-          <a:bodyPr anchor="ctr"/>
-          <a:p>
-            <a:pPr algn="ctr">
+        </p:spPr>
+        <p:txBody>
+          <a:bodyPr wrap="square">
+            <a:spAutoFit/>
+          </a:bodyPr>
+          <a:lstStyle/>
+          <a:p>
+            <a:pPr>
               <a:defRPr/>
             </a:pPr>
-            <a:endParaRPr lang="en-US" altLang="ko-KR"/>
+            <a:r>
+              <a:rPr lang="ko-KR" altLang="en-US" sz="3500" b="1" dirty="0">
+                <a:solidFill>
+                  <a:srgbClr val="F4E5B2"/>
+                </a:solidFill>
+              </a:rPr>
+              <a:t>전체적인 구조</a:t>
+            </a:r>
+            <a:r>
+              <a:rPr kumimoji="0" lang="ko-KR" altLang="en-US" sz="3500" b="1" i="0" u="none" strike="noStrike" kern="1200" cap="none" spc="0" normalizeH="0" baseline="0" dirty="0">
+                <a:solidFill>
+                  <a:srgbClr val="F4E5B2"/>
+                </a:solidFill>
+                <a:latin typeface="Calibri"/>
+                <a:ea typeface="맑은 고딕"/>
+                <a:cs typeface="맑은 고딕"/>
+              </a:rPr>
+              <a:t> </a:t>
+            </a:r>
+            <a:r>
+              <a:rPr kumimoji="0" lang="en-US" altLang="ko-KR" sz="3500" b="1" i="0" u="none" strike="noStrike" kern="1200" cap="none" spc="0" normalizeH="0" baseline="0" dirty="0" smtClean="0">
+                <a:solidFill>
+                  <a:srgbClr val="F4E5B2"/>
+                </a:solidFill>
+                <a:latin typeface="Calibri"/>
+                <a:ea typeface="맑은 고딕"/>
+                <a:cs typeface="Calibri"/>
+              </a:rPr>
+              <a:t>-</a:t>
+            </a:r>
+            <a:r>
+              <a:rPr kumimoji="0" lang="ko-KR" altLang="en-US" sz="3500" b="1" i="0" u="none" strike="noStrike" kern="1200" cap="none" spc="0" normalizeH="0" baseline="0" dirty="0" smtClean="0">
+                <a:solidFill>
+                  <a:srgbClr val="F4E5B2"/>
+                </a:solidFill>
+                <a:latin typeface="Calibri"/>
+                <a:ea typeface="맑은 고딕"/>
+                <a:cs typeface="맑은 고딕"/>
+              </a:rPr>
+              <a:t> </a:t>
+            </a:r>
+            <a:r>
+              <a:rPr kumimoji="0" lang="ko-KR" altLang="en-US" sz="2000" b="1" i="0" u="none" strike="noStrike" kern="1200" cap="none" spc="0" normalizeH="0" baseline="0" dirty="0">
+                <a:solidFill>
+                  <a:srgbClr val="F4E5B2"/>
+                </a:solidFill>
+                <a:latin typeface="Calibri"/>
+                <a:ea typeface="맑은 고딕"/>
+                <a:cs typeface="맑은 고딕"/>
+              </a:rPr>
+              <a:t>챕터 선택 창</a:t>
+            </a:r>
           </a:p>
         </p:txBody>
       </p:sp>
     </p:spTree>
     <p:extLst>
       <p:ext uri="{BB962C8B-B14F-4D97-AF65-F5344CB8AC3E}">
-        <p14:creationId xmlns:p14="http://schemas.microsoft.com/office/powerpoint/2010/main" val="2940937297"/>
+        <p14:creationId xmlns:p14="http://schemas.microsoft.com/office/powerpoint/2010/main" val="2969927735"/>
       </p:ext>
     </p:extLst>
   </p:cSld>
   <p:clrMapOvr>
     <a:masterClrMapping/>
   </p:clrMapOvr>
-  <mc:AlternateContent xmlns:mc="http://schemas.openxmlformats.org/markup-compatibility/2006">
-    <mc:Choice xmlns:p14="http://schemas.microsoft.com/office/powerpoint/2010/main" Requires="p14">
-      <p:transition xmlns:mc="http://schemas.openxmlformats.org/markup-compatibility/2006" xmlns:p14="http://schemas.microsoft.com/office/powerpoint/2010/main" mc:Ignorable="p14" p14:dur="500"/>
+  <mc:AlternateContent xmlns:mc="http://schemas.openxmlformats.org/markup-compatibility/2006" xmlns:p14="http://schemas.microsoft.com/office/powerpoint/2010/main">
+    <mc:Choice Requires="p14">
+      <p:transition/>
     </mc:Choice>
-    <mc:Fallback>
+    <mc:Fallback xmlns:dsp="http://schemas.microsoft.com/office/drawing/2008/diagram" xmlns:dgm="http://schemas.openxmlformats.org/drawingml/2006/diagram" xmlns:c="http://schemas.openxmlformats.org/drawingml/2006/chart" xmlns="">
       <p:transition/>
     </mc:Fallback>
   </mc:AlternateContent>
+  <p:timing>
+    <p:tnLst>
+      <p:par>
+        <p:cTn id="1" dur="indefinite" restart="never" nodeType="tmRoot"/>
+      </p:par>
+    </p:tnLst>
+  </p:timing>
 </p:sld>
 </file>
 
-<file path=ppt/slides/slide6.xml><?xml version="1.0" encoding="utf-8"?>
-<p:sld xmlns:r="http://schemas.openxmlformats.org/officeDocument/2006/relationships" xmlns:c="http://schemas.openxmlformats.org/drawingml/2006/chart" xmlns:a="http://schemas.openxmlformats.org/drawingml/2006/main" xmlns:dgm="http://schemas.openxmlformats.org/drawingml/2006/diagram" xmlns:dsp="http://schemas.microsoft.com/office/drawing/2008/diagram" xmlns:p="http://schemas.openxmlformats.org/presentationml/2006/main">
+<file path=ppt/slides/slide7.xml><?xml version="1.0" encoding="utf-8"?>
+<p:sld xmlns:a="http://schemas.openxmlformats.org/drawingml/2006/main" xmlns:r="http://schemas.openxmlformats.org/officeDocument/2006/relationships" xmlns:p="http://schemas.openxmlformats.org/presentationml/2006/main">
   <p:cSld>
     <p:bg>
-      <p:bgPr shadeToTitle="0">
+      <p:bgPr>
         <a:solidFill>
-          <a:srgbClr val="18141d"/>
+          <a:srgbClr val="18141D"/>
         </a:solidFill>
+        <a:effectLst/>
       </p:bgPr>
     </p:bg>
     <p:spTree>
@@ -6336,7 +9137,7 @@
       </p:grpSpPr>
       <p:cxnSp>
         <p:nvCxnSpPr>
-          <p:cNvPr id="8" name=""/>
+          <p:cNvPr id="8" name="직선 연결선 7"/>
           <p:cNvCxnSpPr/>
           <p:nvPr/>
         </p:nvCxnSpPr>
@@ -6371,7 +9172,7 @@
       </p:cxnSp>
       <p:cxnSp>
         <p:nvCxnSpPr>
-          <p:cNvPr id="9" name=""/>
+          <p:cNvPr id="9" name="직선 연결선 8"/>
           <p:cNvCxnSpPr/>
           <p:nvPr/>
         </p:nvCxnSpPr>
@@ -6406,7 +9207,7 @@
       </p:cxnSp>
       <p:sp>
         <p:nvSpPr>
-          <p:cNvPr id="17" name=""/>
+          <p:cNvPr id="17" name="양쪽 대괄호 16"/>
           <p:cNvSpPr/>
           <p:nvPr/>
         </p:nvSpPr>
@@ -6442,6 +9243,7 @@
         </p:style>
         <p:txBody>
           <a:bodyPr anchor="ctr"/>
+          <a:lstStyle/>
           <a:p>
             <a:pPr algn="ctr">
               <a:defRPr/>
@@ -6454,17 +9256,12 @@
               </a:rPr>
               <a:t>Main</a:t>
             </a:r>
-            <a:endParaRPr lang="en-US" altLang="ko-KR" b="1">
-              <a:solidFill>
-                <a:srgbClr val="502962"/>
-              </a:solidFill>
-            </a:endParaRPr>
           </a:p>
         </p:txBody>
       </p:sp>
       <p:pic>
         <p:nvPicPr>
-          <p:cNvPr id="20" name=""/>
+          <p:cNvPr id="20" name="그림 19"/>
           <p:cNvPicPr>
             <a:picLocks noChangeAspect="1"/>
           </p:cNvPicPr>
@@ -6488,13 +9285,13 @@
       </p:pic>
       <p:sp>
         <p:nvSpPr>
-          <p:cNvPr id="21" name=""/>
+          <p:cNvPr id="21" name="직사각형 20"/>
           <p:cNvSpPr/>
           <p:nvPr/>
         </p:nvSpPr>
         <p:spPr>
           <a:xfrm>
-            <a:off x="1102199" y="4732898"/>
+            <a:off x="1102199" y="2986648"/>
             <a:ext cx="1996545" cy="884702"/>
           </a:xfrm>
           <a:prstGeom prst="rect">
@@ -6503,7 +9300,7 @@
           <a:noFill/>
           <a:ln w="76200">
             <a:solidFill>
-              <a:srgbClr val="ff0000"/>
+              <a:srgbClr val="FF0000"/>
             </a:solidFill>
             <a:prstDash val="solid"/>
           </a:ln>
@@ -6526,6 +9323,7 @@
         </p:style>
         <p:txBody>
           <a:bodyPr anchor="ctr"/>
+          <a:lstStyle/>
           <a:p>
             <a:pPr algn="ctr">
               <a:defRPr/>
@@ -6536,7 +9334,7 @@
       </p:sp>
       <p:pic>
         <p:nvPicPr>
-          <p:cNvPr id="22" name=""/>
+          <p:cNvPr id="23" name="그림 22"/>
           <p:cNvPicPr>
             <a:picLocks noChangeAspect="1"/>
           </p:cNvPicPr>
@@ -6550,8 +9348,8 @@
         </p:blipFill>
         <p:spPr>
           <a:xfrm>
-            <a:off x="5041508" y="1830939"/>
-            <a:ext cx="5601482" cy="4143953"/>
+            <a:off x="3886658" y="1200229"/>
+            <a:ext cx="8019652" cy="5342245"/>
           </a:xfrm>
           <a:prstGeom prst="rect">
             <a:avLst/>
@@ -6560,14 +9358,14 @@
       </p:pic>
       <p:sp>
         <p:nvSpPr>
-          <p:cNvPr id="23" name=""/>
+          <p:cNvPr id="24" name="TextBox 23"/>
           <p:cNvSpPr txBox="1"/>
           <p:nvPr/>
         </p:nvSpPr>
         <p:spPr>
           <a:xfrm>
             <a:off x="314285" y="168115"/>
-            <a:ext cx="5911606" cy="620555"/>
+            <a:ext cx="5911606" cy="630942"/>
           </a:xfrm>
           <a:prstGeom prst="rect">
             <a:avLst/>
@@ -6577,22 +9375,23 @@
           <a:bodyPr wrap="square">
             <a:spAutoFit/>
           </a:bodyPr>
+          <a:lstStyle/>
           <a:p>
             <a:pPr>
               <a:defRPr/>
             </a:pPr>
             <a:r>
-              <a:rPr lang="ko-KR" altLang="en-US" sz="3500" b="1">
+              <a:rPr lang="ko-KR" altLang="en-US" sz="3500" b="1" dirty="0">
                 <a:solidFill>
-                  <a:srgbClr val="f4e5b2"/>
+                  <a:srgbClr val="F4E5B2"/>
                 </a:solidFill>
               </a:rPr>
               <a:t>전체적인 구조</a:t>
             </a:r>
             <a:r>
-              <a:rPr xmlns:mc="http://schemas.openxmlformats.org/markup-compatibility/2006" xmlns:hp="http://schemas.haansoft.com/office/presentation/8.0" kumimoji="0" lang="ko-KR" altLang="en-US" sz="3500" b="1" i="0" u="none" strike="noStrike" kern="1200" cap="none" spc="0" normalizeH="0" baseline="0" mc:Ignorable="hp" hp:hslEmbossed="0">
+              <a:rPr kumimoji="0" lang="ko-KR" altLang="en-US" sz="3500" b="1" i="0" u="none" strike="noStrike" kern="1200" cap="none" spc="0" normalizeH="0" baseline="0" dirty="0">
                 <a:solidFill>
-                  <a:srgbClr val="f4e5b2"/>
+                  <a:srgbClr val="F4E5B2"/>
                 </a:solidFill>
                 <a:latin typeface="Calibri"/>
                 <a:ea typeface="맑은 고딕"/>
@@ -6601,9 +9400,9 @@
               <a:t> </a:t>
             </a:r>
             <a:r>
-              <a:rPr xmlns:mc="http://schemas.openxmlformats.org/markup-compatibility/2006" xmlns:hp="http://schemas.haansoft.com/office/presentation/8.0" kumimoji="0" lang="en-US" altLang="ko-KR" sz="3500" b="1" i="0" u="none" strike="noStrike" kern="1200" cap="none" spc="0" normalizeH="0" baseline="0" mc:Ignorable="hp" hp:hslEmbossed="0">
+              <a:rPr kumimoji="0" lang="en-US" altLang="ko-KR" sz="3500" b="1" i="0" u="none" strike="noStrike" kern="1200" cap="none" spc="0" normalizeH="0" baseline="0" dirty="0">
                 <a:solidFill>
-                  <a:srgbClr val="f4e5b2"/>
+                  <a:srgbClr val="F4E5B2"/>
                 </a:solidFill>
                 <a:latin typeface="Calibri"/>
                 <a:ea typeface="맑은 고딕"/>
@@ -6612,56 +9411,67 @@
               <a:t>-</a:t>
             </a:r>
             <a:r>
-              <a:rPr xmlns:mc="http://schemas.openxmlformats.org/markup-compatibility/2006" xmlns:hp="http://schemas.haansoft.com/office/presentation/8.0" kumimoji="0" lang="ko-KR" altLang="en-US" sz="3500" b="1" i="0" u="none" strike="noStrike" kern="1200" cap="none" spc="0" normalizeH="0" baseline="0" mc:Ignorable="hp" hp:hslEmbossed="0">
+              <a:rPr kumimoji="0" lang="ko-KR" altLang="en-US" sz="3500" b="1" i="0" u="none" strike="noStrike" kern="1200" cap="none" spc="0" normalizeH="0" baseline="0" dirty="0">
                 <a:solidFill>
-                  <a:srgbClr val="f4e5b2"/>
+                  <a:srgbClr val="F4E5B2"/>
                 </a:solidFill>
                 <a:latin typeface="Calibri"/>
                 <a:ea typeface="맑은 고딕"/>
                 <a:cs typeface="맑은 고딕"/>
               </a:rPr>
-              <a:t> 챕터 선택 창</a:t>
-            </a:r>
-            <a:endParaRPr xmlns:mc="http://schemas.openxmlformats.org/markup-compatibility/2006" xmlns:hp="http://schemas.haansoft.com/office/presentation/8.0" kumimoji="0" lang="ko-KR" altLang="en-US" sz="3500" b="1" i="0" u="none" strike="noStrike" kern="1200" cap="none" spc="0" normalizeH="0" baseline="0" mc:Ignorable="hp" hp:hslEmbossed="0">
-              <a:solidFill>
-                <a:srgbClr val="f4e5b2"/>
-              </a:solidFill>
-              <a:latin typeface="Calibri"/>
-              <a:ea typeface="맑은 고딕"/>
-              <a:cs typeface="맑은 고딕"/>
-            </a:endParaRPr>
+              <a:t> </a:t>
+            </a:r>
+            <a:r>
+              <a:rPr kumimoji="0" lang="ko-KR" altLang="en-US" sz="2000" b="1" i="0" u="none" strike="noStrike" kern="1200" cap="none" spc="0" normalizeH="0" baseline="0" dirty="0">
+                <a:solidFill>
+                  <a:srgbClr val="F4E5B2"/>
+                </a:solidFill>
+                <a:latin typeface="Calibri"/>
+                <a:ea typeface="맑은 고딕"/>
+                <a:cs typeface="맑은 고딕"/>
+              </a:rPr>
+              <a:t>장비 창</a:t>
+            </a:r>
           </a:p>
         </p:txBody>
       </p:sp>
     </p:spTree>
     <p:extLst>
       <p:ext uri="{BB962C8B-B14F-4D97-AF65-F5344CB8AC3E}">
-        <p14:creationId xmlns:p14="http://schemas.microsoft.com/office/powerpoint/2010/main" val="2969927735"/>
+        <p14:creationId xmlns:p14="http://schemas.microsoft.com/office/powerpoint/2010/main" val="301711775"/>
       </p:ext>
     </p:extLst>
   </p:cSld>
   <p:clrMapOvr>
     <a:masterClrMapping/>
   </p:clrMapOvr>
-  <mc:AlternateContent xmlns:mc="http://schemas.openxmlformats.org/markup-compatibility/2006">
-    <mc:Choice xmlns:p14="http://schemas.microsoft.com/office/powerpoint/2010/main" Requires="p14">
-      <p:transition xmlns:mc="http://schemas.openxmlformats.org/markup-compatibility/2006" xmlns:p14="http://schemas.microsoft.com/office/powerpoint/2010/main" mc:Ignorable="p14" p14:dur="500"/>
+  <mc:AlternateContent xmlns:mc="http://schemas.openxmlformats.org/markup-compatibility/2006" xmlns:p14="http://schemas.microsoft.com/office/powerpoint/2010/main">
+    <mc:Choice Requires="p14">
+      <p:transition/>
     </mc:Choice>
-    <mc:Fallback>
+    <mc:Fallback xmlns:dsp="http://schemas.microsoft.com/office/drawing/2008/diagram" xmlns:dgm="http://schemas.openxmlformats.org/drawingml/2006/diagram" xmlns:c="http://schemas.openxmlformats.org/drawingml/2006/chart" xmlns="">
       <p:transition/>
     </mc:Fallback>
   </mc:AlternateContent>
+  <p:timing>
+    <p:tnLst>
+      <p:par>
+        <p:cTn id="1" dur="indefinite" restart="never" nodeType="tmRoot"/>
+      </p:par>
+    </p:tnLst>
+  </p:timing>
 </p:sld>
 </file>
 
-<file path=ppt/slides/slide7.xml><?xml version="1.0" encoding="utf-8"?>
-<p:sld xmlns:r="http://schemas.openxmlformats.org/officeDocument/2006/relationships" xmlns:c="http://schemas.openxmlformats.org/drawingml/2006/chart" xmlns:a="http://schemas.openxmlformats.org/drawingml/2006/main" xmlns:dgm="http://schemas.openxmlformats.org/drawingml/2006/diagram" xmlns:dsp="http://schemas.microsoft.com/office/drawing/2008/diagram" xmlns:p="http://schemas.openxmlformats.org/presentationml/2006/main">
+<file path=ppt/slides/slide8.xml><?xml version="1.0" encoding="utf-8"?>
+<p:sld xmlns:a="http://schemas.openxmlformats.org/drawingml/2006/main" xmlns:r="http://schemas.openxmlformats.org/officeDocument/2006/relationships" xmlns:p="http://schemas.openxmlformats.org/presentationml/2006/main">
   <p:cSld>
     <p:bg>
-      <p:bgPr shadeToTitle="0">
+      <p:bgPr>
         <a:solidFill>
-          <a:srgbClr val="18141d"/>
+          <a:srgbClr val="18141D"/>
         </a:solidFill>
+        <a:effectLst/>
       </p:bgPr>
     </p:bg>
     <p:spTree>
@@ -6680,7 +9490,7 @@
       </p:grpSpPr>
       <p:cxnSp>
         <p:nvCxnSpPr>
-          <p:cNvPr id="8" name=""/>
+          <p:cNvPr id="8" name="직선 연결선 7"/>
           <p:cNvCxnSpPr/>
           <p:nvPr/>
         </p:nvCxnSpPr>
@@ -6715,7 +9525,7 @@
       </p:cxnSp>
       <p:cxnSp>
         <p:nvCxnSpPr>
-          <p:cNvPr id="9" name=""/>
+          <p:cNvPr id="9" name="직선 연결선 8"/>
           <p:cNvCxnSpPr/>
           <p:nvPr/>
         </p:nvCxnSpPr>
@@ -6750,7 +9560,7 @@
       </p:cxnSp>
       <p:sp>
         <p:nvSpPr>
-          <p:cNvPr id="17" name=""/>
+          <p:cNvPr id="17" name="양쪽 대괄호 16"/>
           <p:cNvSpPr/>
           <p:nvPr/>
         </p:nvSpPr>
@@ -6786,19 +9596,20 @@
         </p:style>
         <p:txBody>
           <a:bodyPr anchor="ctr"/>
+          <a:lstStyle/>
           <a:p>
             <a:pPr algn="ctr">
               <a:defRPr/>
             </a:pPr>
             <a:r>
-              <a:rPr lang="en-US" altLang="ko-KR" b="1">
+              <a:rPr lang="en-US" altLang="ko-KR" b="1" dirty="0" smtClean="0">
                 <a:solidFill>
                   <a:srgbClr val="502962"/>
                 </a:solidFill>
               </a:rPr>
-              <a:t>Main</a:t>
-            </a:r>
-            <a:endParaRPr lang="en-US" altLang="ko-KR" b="1">
+              <a:t>Game</a:t>
+            </a:r>
+            <a:endParaRPr lang="en-US" altLang="ko-KR" b="1" dirty="0">
               <a:solidFill>
                 <a:srgbClr val="502962"/>
               </a:solidFill>
@@ -6806,15 +9617,113 @@
           </a:p>
         </p:txBody>
       </p:sp>
+      <p:sp>
+        <p:nvSpPr>
+          <p:cNvPr id="24" name="TextBox 23"/>
+          <p:cNvSpPr txBox="1"/>
+          <p:nvPr/>
+        </p:nvSpPr>
+        <p:spPr>
+          <a:xfrm>
+            <a:off x="314285" y="168115"/>
+            <a:ext cx="5911606" cy="630942"/>
+          </a:xfrm>
+          <a:prstGeom prst="rect">
+            <a:avLst/>
+          </a:prstGeom>
+        </p:spPr>
+        <p:txBody>
+          <a:bodyPr wrap="square">
+            <a:spAutoFit/>
+          </a:bodyPr>
+          <a:lstStyle/>
+          <a:p>
+            <a:pPr>
+              <a:defRPr/>
+            </a:pPr>
+            <a:r>
+              <a:rPr lang="ko-KR" altLang="en-US" sz="3500" b="1" dirty="0">
+                <a:solidFill>
+                  <a:srgbClr val="F4E5B2"/>
+                </a:solidFill>
+              </a:rPr>
+              <a:t>전체적인 구조</a:t>
+            </a:r>
+            <a:r>
+              <a:rPr kumimoji="0" lang="ko-KR" altLang="en-US" sz="3500" b="1" i="0" u="none" strike="noStrike" kern="1200" cap="none" spc="0" normalizeH="0" baseline="0" dirty="0">
+                <a:solidFill>
+                  <a:srgbClr val="F4E5B2"/>
+                </a:solidFill>
+                <a:latin typeface="Calibri"/>
+                <a:ea typeface="맑은 고딕"/>
+                <a:cs typeface="맑은 고딕"/>
+              </a:rPr>
+              <a:t> </a:t>
+            </a:r>
+            <a:r>
+              <a:rPr kumimoji="0" lang="en-US" altLang="ko-KR" sz="3500" b="1" i="0" u="none" strike="noStrike" kern="1200" cap="none" spc="0" normalizeH="0" baseline="0" dirty="0" smtClean="0">
+                <a:solidFill>
+                  <a:srgbClr val="F4E5B2"/>
+                </a:solidFill>
+                <a:latin typeface="Calibri"/>
+                <a:ea typeface="맑은 고딕"/>
+                <a:cs typeface="Calibri"/>
+              </a:rPr>
+              <a:t>–</a:t>
+            </a:r>
+            <a:r>
+              <a:rPr kumimoji="0" lang="ko-KR" altLang="en-US" sz="3500" b="1" i="0" u="none" strike="noStrike" kern="1200" cap="none" spc="0" normalizeH="0" baseline="0" dirty="0" smtClean="0">
+                <a:solidFill>
+                  <a:srgbClr val="F4E5B2"/>
+                </a:solidFill>
+                <a:latin typeface="Calibri"/>
+                <a:ea typeface="맑은 고딕"/>
+                <a:cs typeface="맑은 고딕"/>
+              </a:rPr>
+              <a:t> </a:t>
+            </a:r>
+            <a:r>
+              <a:rPr lang="ko-KR" altLang="en-US" sz="2000" b="1" dirty="0" err="1" smtClean="0">
+                <a:solidFill>
+                  <a:srgbClr val="F4E5B2"/>
+                </a:solidFill>
+                <a:latin typeface="Calibri"/>
+                <a:ea typeface="맑은 고딕"/>
+                <a:cs typeface="맑은 고딕"/>
+              </a:rPr>
+              <a:t>인게임</a:t>
+            </a:r>
+            <a:r>
+              <a:rPr lang="ko-KR" altLang="en-US" sz="2000" b="1" dirty="0" smtClean="0">
+                <a:solidFill>
+                  <a:srgbClr val="F4E5B2"/>
+                </a:solidFill>
+                <a:latin typeface="Calibri"/>
+                <a:ea typeface="맑은 고딕"/>
+                <a:cs typeface="맑은 고딕"/>
+              </a:rPr>
+              <a:t> 씬</a:t>
+            </a:r>
+            <a:endParaRPr kumimoji="0" lang="ko-KR" altLang="en-US" sz="2000" b="1" i="0" u="none" strike="noStrike" kern="1200" cap="none" spc="0" normalizeH="0" baseline="0" dirty="0">
+              <a:solidFill>
+                <a:srgbClr val="F4E5B2"/>
+              </a:solidFill>
+              <a:latin typeface="Calibri"/>
+              <a:ea typeface="맑은 고딕"/>
+              <a:cs typeface="맑은 고딕"/>
+            </a:endParaRPr>
+          </a:p>
+        </p:txBody>
+      </p:sp>
       <p:pic>
         <p:nvPicPr>
-          <p:cNvPr id="20" name=""/>
+          <p:cNvPr id="2" name="그림 1"/>
           <p:cNvPicPr>
             <a:picLocks noChangeAspect="1"/>
           </p:cNvPicPr>
           <p:nvPr/>
         </p:nvPicPr>
-        <p:blipFill rotWithShape="1">
+        <p:blipFill>
           <a:blip r:embed="rId3"/>
           <a:stretch>
             <a:fillRect/>
@@ -6822,23 +9731,47 @@
         </p:blipFill>
         <p:spPr>
           <a:xfrm>
-            <a:off x="314285" y="1830939"/>
-            <a:ext cx="3572373" cy="4344006"/>
+            <a:off x="3098744" y="1426995"/>
+            <a:ext cx="8540622" cy="4888710"/>
           </a:xfrm>
           <a:prstGeom prst="rect">
             <a:avLst/>
           </a:prstGeom>
         </p:spPr>
       </p:pic>
-      <p:sp>
-        <p:nvSpPr>
-          <p:cNvPr id="21" name=""/>
+      <p:pic>
+        <p:nvPicPr>
+          <p:cNvPr id="4" name="그림 3"/>
+          <p:cNvPicPr>
+            <a:picLocks noChangeAspect="1"/>
+          </p:cNvPicPr>
+          <p:nvPr/>
+        </p:nvPicPr>
+        <p:blipFill>
+          <a:blip r:embed="rId4"/>
+          <a:stretch>
+            <a:fillRect/>
+          </a:stretch>
+        </p:blipFill>
+        <p:spPr>
+          <a:xfrm>
+            <a:off x="564255" y="2081023"/>
+            <a:ext cx="2143424" cy="2695951"/>
+          </a:xfrm>
+          <a:prstGeom prst="rect">
+            <a:avLst/>
+          </a:prstGeom>
+        </p:spPr>
+      </p:pic>
+      <p:sp>
+        <p:nvSpPr>
+          <p:cNvPr id="21" name="직사각형 20"/>
           <p:cNvSpPr/>
           <p:nvPr/>
         </p:nvSpPr>
         <p:spPr>
           <a:xfrm>
-            <a:off x="1102199" y="2986648"/>
+            <a:off x="564255" y="3294558"/>
             <a:ext cx="1996545" cy="884702"/>
           </a:xfrm>
           <a:prstGeom prst="rect">
@@ -6847,7 +9780,7 @@
           <a:noFill/>
           <a:ln w="76200">
             <a:solidFill>
-              <a:srgbClr val="ff0000"/>
+              <a:srgbClr val="FF0000"/>
             </a:solidFill>
             <a:prstDash val="solid"/>
           </a:ln>
@@ -6870,6 +9803,7 @@
         </p:style>
         <p:txBody>
           <a:bodyPr anchor="ctr"/>
+          <a:lstStyle/>
           <a:p>
             <a:pPr algn="ctr">
               <a:defRPr/>
@@ -6878,134 +9812,43 @@
           </a:p>
         </p:txBody>
       </p:sp>
-      <p:pic>
-        <p:nvPicPr>
-          <p:cNvPr id="23" name=""/>
-          <p:cNvPicPr>
-            <a:picLocks noChangeAspect="1"/>
-          </p:cNvPicPr>
-          <p:nvPr/>
-        </p:nvPicPr>
-        <p:blipFill rotWithShape="1">
-          <a:blip r:embed="rId4"/>
-          <a:stretch>
-            <a:fillRect/>
-          </a:stretch>
-        </p:blipFill>
-        <p:spPr>
-          <a:xfrm>
-            <a:off x="3886658" y="1200229"/>
-            <a:ext cx="8019652" cy="5342245"/>
-          </a:xfrm>
-          <a:prstGeom prst="rect">
-            <a:avLst/>
-          </a:prstGeom>
-        </p:spPr>
-      </p:pic>
-      <p:sp>
-        <p:nvSpPr>
-          <p:cNvPr id="24" name=""/>
-          <p:cNvSpPr txBox="1"/>
-          <p:nvPr/>
-        </p:nvSpPr>
-        <p:spPr>
-          <a:xfrm>
-            <a:off x="314285" y="168115"/>
-            <a:ext cx="5911606" cy="620555"/>
-          </a:xfrm>
-          <a:prstGeom prst="rect">
-            <a:avLst/>
-          </a:prstGeom>
-        </p:spPr>
-        <p:txBody>
-          <a:bodyPr wrap="square">
-            <a:spAutoFit/>
-          </a:bodyPr>
-          <a:p>
-            <a:pPr>
-              <a:defRPr/>
-            </a:pPr>
-            <a:r>
-              <a:rPr lang="ko-KR" altLang="en-US" sz="3500" b="1">
-                <a:solidFill>
-                  <a:srgbClr val="f4e5b2"/>
-                </a:solidFill>
-              </a:rPr>
-              <a:t>전체적인 구조</a:t>
-            </a:r>
-            <a:r>
-              <a:rPr xmlns:mc="http://schemas.openxmlformats.org/markup-compatibility/2006" xmlns:hp="http://schemas.haansoft.com/office/presentation/8.0" kumimoji="0" lang="ko-KR" altLang="en-US" sz="3500" b="1" i="0" u="none" strike="noStrike" kern="1200" cap="none" spc="0" normalizeH="0" baseline="0" mc:Ignorable="hp" hp:hslEmbossed="0">
-                <a:solidFill>
-                  <a:srgbClr val="f4e5b2"/>
-                </a:solidFill>
-                <a:latin typeface="Calibri"/>
-                <a:ea typeface="맑은 고딕"/>
-                <a:cs typeface="맑은 고딕"/>
-              </a:rPr>
-              <a:t> </a:t>
-            </a:r>
-            <a:r>
-              <a:rPr xmlns:mc="http://schemas.openxmlformats.org/markup-compatibility/2006" xmlns:hp="http://schemas.haansoft.com/office/presentation/8.0" kumimoji="0" lang="en-US" altLang="ko-KR" sz="3500" b="1" i="0" u="none" strike="noStrike" kern="1200" cap="none" spc="0" normalizeH="0" baseline="0" mc:Ignorable="hp" hp:hslEmbossed="0">
-                <a:solidFill>
-                  <a:srgbClr val="f4e5b2"/>
-                </a:solidFill>
-                <a:latin typeface="Calibri"/>
-                <a:ea typeface="맑은 고딕"/>
-                <a:cs typeface="Calibri"/>
-              </a:rPr>
-              <a:t>-</a:t>
-            </a:r>
-            <a:r>
-              <a:rPr xmlns:mc="http://schemas.openxmlformats.org/markup-compatibility/2006" xmlns:hp="http://schemas.haansoft.com/office/presentation/8.0" kumimoji="0" lang="ko-KR" altLang="en-US" sz="3500" b="1" i="0" u="none" strike="noStrike" kern="1200" cap="none" spc="0" normalizeH="0" baseline="0" mc:Ignorable="hp" hp:hslEmbossed="0">
-                <a:solidFill>
-                  <a:srgbClr val="f4e5b2"/>
-                </a:solidFill>
-                <a:latin typeface="Calibri"/>
-                <a:ea typeface="맑은 고딕"/>
-                <a:cs typeface="맑은 고딕"/>
-              </a:rPr>
-              <a:t> 장비 창</a:t>
-            </a:r>
-            <a:endParaRPr xmlns:mc="http://schemas.openxmlformats.org/markup-compatibility/2006" xmlns:hp="http://schemas.haansoft.com/office/presentation/8.0" kumimoji="0" lang="ko-KR" altLang="en-US" sz="3500" b="1" i="0" u="none" strike="noStrike" kern="1200" cap="none" spc="0" normalizeH="0" baseline="0" mc:Ignorable="hp" hp:hslEmbossed="0">
-              <a:solidFill>
-                <a:srgbClr val="f4e5b2"/>
-              </a:solidFill>
-              <a:latin typeface="Calibri"/>
-              <a:ea typeface="맑은 고딕"/>
-              <a:cs typeface="맑은 고딕"/>
-            </a:endParaRPr>
-          </a:p>
-        </p:txBody>
-      </p:sp>
     </p:spTree>
     <p:extLst>
       <p:ext uri="{BB962C8B-B14F-4D97-AF65-F5344CB8AC3E}">
-        <p14:creationId xmlns:p14="http://schemas.microsoft.com/office/powerpoint/2010/main" val="301711775"/>
+        <p14:creationId xmlns:p14="http://schemas.microsoft.com/office/powerpoint/2010/main" val="3510096455"/>
       </p:ext>
     </p:extLst>
   </p:cSld>
   <p:clrMapOvr>
     <a:masterClrMapping/>
   </p:clrMapOvr>
-  <mc:AlternateContent xmlns:mc="http://schemas.openxmlformats.org/markup-compatibility/2006">
-    <mc:Choice xmlns:p14="http://schemas.microsoft.com/office/powerpoint/2010/main" Requires="p14">
-      <p:transition xmlns:mc="http://schemas.openxmlformats.org/markup-compatibility/2006" xmlns:p14="http://schemas.microsoft.com/office/powerpoint/2010/main" mc:Ignorable="p14" p14:dur="500"/>
+  <mc:AlternateContent xmlns:mc="http://schemas.openxmlformats.org/markup-compatibility/2006" xmlns:p14="http://schemas.microsoft.com/office/powerpoint/2010/main">
+    <mc:Choice Requires="p14">
+      <p:transition/>
     </mc:Choice>
-    <mc:Fallback>
+    <mc:Fallback xmlns:dsp="http://schemas.microsoft.com/office/drawing/2008/diagram" xmlns:dgm="http://schemas.openxmlformats.org/drawingml/2006/diagram" xmlns:c="http://schemas.openxmlformats.org/drawingml/2006/chart" xmlns="">
       <p:transition/>
     </mc:Fallback>
   </mc:AlternateContent>
+  <p:timing>
+    <p:tnLst>
+      <p:par>
+        <p:cTn id="1" dur="indefinite" restart="never" nodeType="tmRoot"/>
+      </p:par>
+    </p:tnLst>
+  </p:timing>
 </p:sld>
 </file>
 
-<file path=ppt/slides/slide8.xml><?xml version="1.0" encoding="utf-8"?>
-<p:sld xmlns:r="http://schemas.openxmlformats.org/officeDocument/2006/relationships" xmlns:c="http://schemas.openxmlformats.org/drawingml/2006/chart" xmlns:a="http://schemas.openxmlformats.org/drawingml/2006/main" xmlns:dgm="http://schemas.openxmlformats.org/drawingml/2006/diagram" xmlns:dsp="http://schemas.microsoft.com/office/drawing/2008/diagram" xmlns:p="http://schemas.openxmlformats.org/presentationml/2006/main">
+<file path=ppt/slides/slide9.xml><?xml version="1.0" encoding="utf-8"?>
+<p:sld xmlns:a="http://schemas.openxmlformats.org/drawingml/2006/main" xmlns:r="http://schemas.openxmlformats.org/officeDocument/2006/relationships" xmlns:p="http://schemas.openxmlformats.org/presentationml/2006/main">
   <p:cSld>
     <p:bg>
-      <p:bgPr shadeToTitle="0">
+      <p:bgPr>
         <a:solidFill>
-          <a:srgbClr val="18141d"/>
+          <a:srgbClr val="18141D"/>
         </a:solidFill>
+        <a:effectLst/>
       </p:bgPr>
     </p:bg>
     <p:spTree>
@@ -7024,14 +9867,14 @@
       </p:grpSpPr>
       <p:cxnSp>
         <p:nvCxnSpPr>
-          <p:cNvPr id="8" name=""/>
+          <p:cNvPr id="8" name="직선 연결선 7"/>
           <p:cNvCxnSpPr/>
           <p:nvPr/>
         </p:nvCxnSpPr>
         <p:spPr>
           <a:xfrm>
-            <a:off x="0" y="827942"/>
-            <a:ext cx="7591914" cy="0"/>
+            <a:off x="0" y="2442137"/>
+            <a:ext cx="9806473" cy="0"/>
           </a:xfrm>
           <a:prstGeom prst="line">
             <a:avLst/>
@@ -7059,14 +9902,14 @@
       </p:cxnSp>
       <p:cxnSp>
         <p:nvCxnSpPr>
-          <p:cNvPr id="9" name=""/>
+          <p:cNvPr id="9" name="직선 연결선 8"/>
           <p:cNvCxnSpPr/>
           <p:nvPr/>
         </p:nvCxnSpPr>
         <p:spPr>
-          <a:xfrm flipV="1">
-            <a:off x="0" y="888755"/>
-            <a:ext cx="6859221" cy="0"/>
+          <a:xfrm>
+            <a:off x="0" y="2558934"/>
+            <a:ext cx="8500188" cy="0"/>
           </a:xfrm>
           <a:prstGeom prst="line">
             <a:avLst/>
@@ -7094,72 +9937,14 @@
       </p:cxnSp>
       <p:sp>
         <p:nvSpPr>
-          <p:cNvPr id="17" name=""/>
-          <p:cNvSpPr/>
-          <p:nvPr/>
-        </p:nvSpPr>
-        <p:spPr>
-          <a:xfrm>
-            <a:off x="11170590" y="130968"/>
-            <a:ext cx="843505" cy="345281"/>
-          </a:xfrm>
-          <a:prstGeom prst="bracketPair">
-            <a:avLst>
-              <a:gd name="adj" fmla="val 40625"/>
-            </a:avLst>
-          </a:prstGeom>
-          <a:ln>
-            <a:solidFill>
-              <a:schemeClr val="accent4"/>
-            </a:solidFill>
-          </a:ln>
-        </p:spPr>
-        <p:style>
-          <a:lnRef idx="1">
-            <a:schemeClr val="accent1"/>
-          </a:lnRef>
-          <a:fillRef idx="0">
-            <a:schemeClr val="accent1"/>
-          </a:fillRef>
-          <a:effectRef idx="0">
-            <a:schemeClr val="accent1"/>
-          </a:effectRef>
-          <a:fontRef idx="minor">
-            <a:schemeClr val="tx1"/>
-          </a:fontRef>
-        </p:style>
-        <p:txBody>
-          <a:bodyPr anchor="ctr"/>
-          <a:p>
-            <a:pPr algn="ctr">
-              <a:defRPr/>
-            </a:pPr>
-            <a:r>
-              <a:rPr lang="en-US" altLang="ko-KR" b="1">
-                <a:solidFill>
-                  <a:srgbClr val="502962"/>
-                </a:solidFill>
-              </a:rPr>
-              <a:t>Main</a:t>
-            </a:r>
-            <a:endParaRPr lang="en-US" altLang="ko-KR" b="1">
-              <a:solidFill>
-                <a:srgbClr val="502962"/>
-              </a:solidFill>
-            </a:endParaRPr>
-          </a:p>
-        </p:txBody>
-      </p:sp>
-      <p:sp>
-        <p:nvSpPr>
-          <p:cNvPr id="18" name=""/>
+          <p:cNvPr id="18" name="TextBox 17"/>
           <p:cNvSpPr txBox="1"/>
           <p:nvPr/>
         </p:nvSpPr>
         <p:spPr>
           <a:xfrm>
-            <a:off x="314285" y="168115"/>
-            <a:ext cx="5911606" cy="620555"/>
+            <a:off x="1033034" y="1423529"/>
+            <a:ext cx="5911606" cy="861774"/>
           </a:xfrm>
           <a:prstGeom prst="rect">
             <a:avLst/>
@@ -7169,330 +9954,94 @@
           <a:bodyPr wrap="square">
             <a:spAutoFit/>
           </a:bodyPr>
+          <a:lstStyle/>
           <a:p>
             <a:pPr>
               <a:defRPr/>
             </a:pPr>
             <a:r>
-              <a:rPr lang="en-US" altLang="ko-KR" sz="3500" b="1">
+              <a:rPr lang="ko-KR" altLang="en-US" sz="5000" b="1" dirty="0" err="1" smtClean="0">
                 <a:solidFill>
-                  <a:srgbClr val="f4e5b2"/>
+                  <a:srgbClr val="F4E5B2"/>
                 </a:solidFill>
               </a:rPr>
-              <a:t>Scene </a:t>
-            </a:r>
-            <a:r>
-              <a:rPr lang="ko-KR" altLang="en-US" sz="3500" b="1">
-                <a:solidFill>
-                  <a:srgbClr val="f4e5b2"/>
-                </a:solidFill>
-              </a:rPr>
-              <a:t>변경 로직</a:t>
-            </a:r>
-            <a:endParaRPr lang="ko-KR" altLang="en-US" sz="3500" b="1">
+              <a:t>로직</a:t>
+            </a:r>
+            <a:endParaRPr lang="ko-KR" altLang="en-US" sz="5000" b="1" dirty="0">
               <a:solidFill>
-                <a:srgbClr val="f4e5b2"/>
+                <a:srgbClr val="F4E5B2"/>
               </a:solidFill>
             </a:endParaRPr>
           </a:p>
         </p:txBody>
       </p:sp>
-      <p:pic>
-        <p:nvPicPr>
-          <p:cNvPr id="19" name=""/>
-          <p:cNvPicPr>
-            <a:picLocks noChangeAspect="1"/>
-          </p:cNvPicPr>
-          <p:nvPr/>
-        </p:nvPicPr>
-        <p:blipFill rotWithShape="1">
-          <a:blip r:embed="rId3"/>
-          <a:stretch>
-            <a:fillRect/>
-          </a:stretch>
-        </p:blipFill>
-        <p:spPr>
-          <a:xfrm>
-            <a:off x="1457000" y="1049445"/>
-            <a:ext cx="9278000" cy="5610116"/>
-          </a:xfrm>
-          <a:prstGeom prst="rect">
-            <a:avLst/>
-          </a:prstGeom>
-        </p:spPr>
-      </p:pic>
     </p:spTree>
     <p:extLst>
       <p:ext uri="{BB962C8B-B14F-4D97-AF65-F5344CB8AC3E}">
-        <p14:creationId xmlns:p14="http://schemas.microsoft.com/office/powerpoint/2010/main" val="1964139355"/>
+        <p14:creationId xmlns:p14="http://schemas.microsoft.com/office/powerpoint/2010/main" val="1824396082"/>
       </p:ext>
     </p:extLst>
   </p:cSld>
   <p:clrMapOvr>
     <a:masterClrMapping/>
   </p:clrMapOvr>
-  <mc:AlternateContent xmlns:mc="http://schemas.openxmlformats.org/markup-compatibility/2006">
-    <mc:Choice xmlns:p14="http://schemas.microsoft.com/office/powerpoint/2010/main" Requires="p14">
-      <p:transition xmlns:mc="http://schemas.openxmlformats.org/markup-compatibility/2006" xmlns:p14="http://schemas.microsoft.com/office/powerpoint/2010/main" mc:Ignorable="p14" p14:dur="500"/>
+  <mc:AlternateContent xmlns:mc="http://schemas.openxmlformats.org/markup-compatibility/2006" xmlns:p14="http://schemas.microsoft.com/office/powerpoint/2010/main">
+    <mc:Choice Requires="p14">
+      <p:transition/>
     </mc:Choice>
-    <mc:Fallback>
+    <mc:Fallback xmlns:dsp="http://schemas.microsoft.com/office/drawing/2008/diagram" xmlns:dgm="http://schemas.openxmlformats.org/drawingml/2006/diagram" xmlns:c="http://schemas.openxmlformats.org/drawingml/2006/chart" xmlns="">
       <p:transition/>
     </mc:Fallback>
   </mc:AlternateContent>
-</p:sld>
-</file>
-
-<file path=ppt/slides/slide9.xml><?xml version="1.0" encoding="utf-8"?>
-<p:sld xmlns:r="http://schemas.openxmlformats.org/officeDocument/2006/relationships" xmlns:c="http://schemas.openxmlformats.org/drawingml/2006/chart" xmlns:a="http://schemas.openxmlformats.org/drawingml/2006/main" xmlns:dgm="http://schemas.openxmlformats.org/drawingml/2006/diagram" xmlns:dsp="http://schemas.microsoft.com/office/drawing/2008/diagram" xmlns:p="http://schemas.openxmlformats.org/presentationml/2006/main">
-  <p:cSld>
-    <p:bg>
-      <p:bgPr shadeToTitle="0">
-        <a:solidFill>
-          <a:srgbClr val="18141d"/>
-        </a:solidFill>
-      </p:bgPr>
-    </p:bg>
-    <p:spTree>
-      <p:nvGrpSpPr>
-        <p:cNvPr id="1" name=""/>
-        <p:cNvGrpSpPr/>
-        <p:nvPr/>
-      </p:nvGrpSpPr>
-      <p:grpSpPr>
-        <a:xfrm>
-          <a:off x="0" y="0"/>
-          <a:ext cx="0" cy="0"/>
-          <a:chOff x="0" y="0"/>
-          <a:chExt cx="0" cy="0"/>
-        </a:xfrm>
-      </p:grpSpPr>
-      <p:cxnSp>
-        <p:nvCxnSpPr>
-          <p:cNvPr id="8" name=""/>
-          <p:cNvCxnSpPr/>
-          <p:nvPr/>
-        </p:nvCxnSpPr>
-        <p:spPr>
-          <a:xfrm>
-            <a:off x="0" y="827942"/>
-            <a:ext cx="7591914" cy="0"/>
-          </a:xfrm>
-          <a:prstGeom prst="line">
-            <a:avLst/>
-          </a:prstGeom>
-          <a:ln>
-            <a:solidFill>
-              <a:schemeClr val="accent2"/>
-            </a:solidFill>
-          </a:ln>
-        </p:spPr>
-        <p:style>
-          <a:lnRef idx="1">
-            <a:schemeClr val="accent1"/>
-          </a:lnRef>
-          <a:fillRef idx="0">
-            <a:schemeClr val="accent1"/>
-          </a:fillRef>
-          <a:effectRef idx="0">
-            <a:schemeClr val="accent1"/>
-          </a:effectRef>
-          <a:fontRef idx="minor">
-            <a:schemeClr val="tx1"/>
-          </a:fontRef>
-        </p:style>
-      </p:cxnSp>
-      <p:cxnSp>
-        <p:nvCxnSpPr>
-          <p:cNvPr id="9" name=""/>
-          <p:cNvCxnSpPr/>
-          <p:nvPr/>
-        </p:nvCxnSpPr>
-        <p:spPr>
-          <a:xfrm>
-            <a:off x="0" y="888755"/>
-            <a:ext cx="6859221" cy="0"/>
-          </a:xfrm>
-          <a:prstGeom prst="line">
-            <a:avLst/>
-          </a:prstGeom>
-          <a:ln>
-            <a:solidFill>
-              <a:schemeClr val="accent2"/>
-            </a:solidFill>
-          </a:ln>
-        </p:spPr>
-        <p:style>
-          <a:lnRef idx="1">
-            <a:schemeClr val="accent1"/>
-          </a:lnRef>
-          <a:fillRef idx="0">
-            <a:schemeClr val="accent1"/>
-          </a:fillRef>
-          <a:effectRef idx="0">
-            <a:schemeClr val="accent1"/>
-          </a:effectRef>
-          <a:fontRef idx="minor">
-            <a:schemeClr val="tx1"/>
-          </a:fontRef>
-        </p:style>
-      </p:cxnSp>
-      <p:sp>
-        <p:nvSpPr>
-          <p:cNvPr id="17" name=""/>
-          <p:cNvSpPr/>
-          <p:nvPr/>
-        </p:nvSpPr>
-        <p:spPr>
-          <a:xfrm>
-            <a:off x="11170590" y="130968"/>
-            <a:ext cx="843505" cy="345281"/>
-          </a:xfrm>
-          <a:prstGeom prst="bracketPair">
-            <a:avLst>
-              <a:gd name="adj" fmla="val 40625"/>
-            </a:avLst>
-          </a:prstGeom>
-          <a:ln>
-            <a:solidFill>
-              <a:schemeClr val="accent4"/>
-            </a:solidFill>
-          </a:ln>
-        </p:spPr>
-        <p:style>
-          <a:lnRef idx="1">
-            <a:schemeClr val="accent1"/>
-          </a:lnRef>
-          <a:fillRef idx="0">
-            <a:schemeClr val="accent1"/>
-          </a:fillRef>
-          <a:effectRef idx="0">
-            <a:schemeClr val="accent1"/>
-          </a:effectRef>
-          <a:fontRef idx="minor">
-            <a:schemeClr val="tx1"/>
-          </a:fontRef>
-        </p:style>
-        <p:txBody>
-          <a:bodyPr anchor="ctr"/>
-          <a:p>
-            <a:pPr algn="ctr">
-              <a:defRPr/>
-            </a:pPr>
-            <a:r>
-              <a:rPr lang="en-US" altLang="ko-KR" b="1">
-                <a:solidFill>
-                  <a:srgbClr val="502962"/>
-                </a:solidFill>
-              </a:rPr>
-              <a:t>Main</a:t>
-            </a:r>
-            <a:endParaRPr lang="en-US" altLang="ko-KR" b="1">
-              <a:solidFill>
-                <a:srgbClr val="502962"/>
-              </a:solidFill>
-            </a:endParaRPr>
-          </a:p>
-        </p:txBody>
-      </p:sp>
-      <p:sp>
-        <p:nvSpPr>
-          <p:cNvPr id="18" name=""/>
-          <p:cNvSpPr txBox="1"/>
-          <p:nvPr/>
-        </p:nvSpPr>
-        <p:spPr>
-          <a:xfrm>
-            <a:off x="314285" y="168115"/>
-            <a:ext cx="5911606" cy="620555"/>
-          </a:xfrm>
-          <a:prstGeom prst="rect">
-            <a:avLst/>
-          </a:prstGeom>
-        </p:spPr>
-        <p:txBody>
-          <a:bodyPr wrap="square">
-            <a:spAutoFit/>
-          </a:bodyPr>
-          <a:p>
-            <a:pPr>
-              <a:defRPr/>
-            </a:pPr>
-            <a:r>
-              <a:rPr lang="ko-KR" altLang="en-US" sz="3500" b="1">
-                <a:solidFill>
-                  <a:srgbClr val="f4e5b2"/>
-                </a:solidFill>
-              </a:rPr>
-              <a:t>챕터 선택 화면 로직</a:t>
-            </a:r>
-            <a:endParaRPr lang="ko-KR" altLang="en-US" sz="3500" b="1">
-              <a:solidFill>
-                <a:srgbClr val="f4e5b2"/>
-              </a:solidFill>
-            </a:endParaRPr>
-          </a:p>
-        </p:txBody>
-      </p:sp>
-    </p:spTree>
-    <p:extLst>
-      <p:ext uri="{BB962C8B-B14F-4D97-AF65-F5344CB8AC3E}">
-        <p14:creationId xmlns:p14="http://schemas.microsoft.com/office/powerpoint/2010/main" val="3377880823"/>
-      </p:ext>
-    </p:extLst>
-  </p:cSld>
-  <p:clrMapOvr>
-    <a:masterClrMapping/>
-  </p:clrMapOvr>
-  <mc:AlternateContent xmlns:mc="http://schemas.openxmlformats.org/markup-compatibility/2006">
-    <mc:Choice xmlns:p14="http://schemas.microsoft.com/office/powerpoint/2010/main" Requires="p14">
-      <p:transition xmlns:mc="http://schemas.openxmlformats.org/markup-compatibility/2006" xmlns:p14="http://schemas.microsoft.com/office/powerpoint/2010/main" mc:Ignorable="p14" p14:dur="500"/>
-    </mc:Choice>
-    <mc:Fallback>
-      <p:transition/>
-    </mc:Fallback>
-  </mc:AlternateContent>
+  <p:timing>
+    <p:tnLst>
+      <p:par>
+        <p:cTn id="1" dur="indefinite" restart="never" nodeType="tmRoot"/>
+      </p:par>
+    </p:tnLst>
+  </p:timing>
 </p:sld>
 </file>
 
 <file path=ppt/theme/theme1.xml><?xml version="1.0" encoding="utf-8"?>
-<a:theme xmlns:r="http://schemas.openxmlformats.org/officeDocument/2006/relationships" xmlns:c="http://schemas.openxmlformats.org/drawingml/2006/chart" xmlns:dgm="http://schemas.openxmlformats.org/drawingml/2006/diagram" xmlns:dsp="http://schemas.microsoft.com/office/drawing/2008/diagram" xmlns:a="http://schemas.openxmlformats.org/drawingml/2006/main" xmlns:pic="http://schemas.openxmlformats.org/drawingml/2006/picture" xmlns:wp="http://schemas.openxmlformats.org/drawingml/2006/wordprocessingDrawing" xmlns:xdr="http://schemas.openxmlformats.org/drawingml/2006/spreadsheetDrawing" xmlns:lc="http://schemas.openxmlformats.org/drawingml/2006/lockedCanvas" xmlns:p="http://schemas.openxmlformats.org/presentationml/2006/main" name="한컴오피스">
+<a:theme xmlns:a="http://schemas.openxmlformats.org/drawingml/2006/main" name="한컴오피스">
   <a:themeElements>
     <a:clrScheme name="한컴오피스">
       <a:dk1>
         <a:sysClr val="windowText" lastClr="000000"/>
       </a:dk1>
       <a:lt1>
-        <a:sysClr val="window" lastClr="ffffff"/>
+        <a:sysClr val="window" lastClr="FFFFFF"/>
       </a:lt1>
       <a:dk2>
-        <a:srgbClr val="3a3c84"/>
+        <a:srgbClr val="3A3C84"/>
       </a:dk2>
       <a:lt2>
-        <a:srgbClr val="faf3db"/>
+        <a:srgbClr val="FAF3DB"/>
       </a:lt2>
       <a:accent1>
-        <a:srgbClr val="6182d6"/>
+        <a:srgbClr val="6182D6"/>
       </a:accent1>
       <a:accent2>
-        <a:srgbClr val="ff843a"/>
+        <a:srgbClr val="FF843A"/>
       </a:accent2>
       <a:accent3>
-        <a:srgbClr val="b2b2b2"/>
+        <a:srgbClr val="B2B2B2"/>
       </a:accent3>
       <a:accent4>
-        <a:srgbClr val="ffd700"/>
+        <a:srgbClr val="FFD700"/>
       </a:accent4>
       <a:accent5>
-        <a:srgbClr val="289b6e"/>
+        <a:srgbClr val="289B6E"/>
       </a:accent5>
       <a:accent6>
-        <a:srgbClr val="9d5cbb"/>
+        <a:srgbClr val="9D5CBB"/>
       </a:accent6>
       <a:hlink>
-        <a:srgbClr val="4a45ff"/>
+        <a:srgbClr val="4A45FF"/>
       </a:hlink>
       <a:folHlink>
-        <a:srgbClr val="be27bb"/>
+        <a:srgbClr val="BE27BB"/>
       </a:folHlink>
     </a:clrScheme>
     <a:fontScheme name="한컴오피스">
@@ -7718,48 +10267,50 @@
       </a:bgFillStyleLst>
     </a:fmtScheme>
   </a:themeElements>
+  <a:objectDefaults/>
+  <a:extraClrSchemeLst/>
 </a:theme>
 </file>
 
 <file path=ppt/theme/theme2.xml><?xml version="1.0" encoding="utf-8"?>
-<a:theme xmlns:r="http://schemas.openxmlformats.org/officeDocument/2006/relationships" xmlns:c="http://schemas.openxmlformats.org/drawingml/2006/chart" xmlns:dgm="http://schemas.openxmlformats.org/drawingml/2006/diagram" xmlns:dsp="http://schemas.microsoft.com/office/drawing/2008/diagram" xmlns:a="http://schemas.openxmlformats.org/drawingml/2006/main" xmlns:pic="http://schemas.openxmlformats.org/drawingml/2006/picture" xmlns:wp="http://schemas.openxmlformats.org/drawingml/2006/wordprocessingDrawing" xmlns:xdr="http://schemas.openxmlformats.org/drawingml/2006/spreadsheetDrawing" xmlns:lc="http://schemas.openxmlformats.org/drawingml/2006/lockedCanvas" xmlns:p="http://schemas.openxmlformats.org/presentationml/2006/main" name="한컴오피스">
+<a:theme xmlns:a="http://schemas.openxmlformats.org/drawingml/2006/main" name="한컴오피스">
   <a:themeElements>
     <a:clrScheme name="한컴오피스">
       <a:dk1>
         <a:sysClr val="windowText" lastClr="000000"/>
       </a:dk1>
       <a:lt1>
-        <a:sysClr val="window" lastClr="ffffff"/>
+        <a:sysClr val="window" lastClr="FFFFFF"/>
       </a:lt1>
       <a:dk2>
-        <a:srgbClr val="3a3c84"/>
+        <a:srgbClr val="3A3C84"/>
       </a:dk2>
       <a:lt2>
-        <a:srgbClr val="faf3db"/>
+        <a:srgbClr val="FAF3DB"/>
       </a:lt2>
       <a:accent1>
-        <a:srgbClr val="6182d6"/>
+        <a:srgbClr val="6182D6"/>
       </a:accent1>
       <a:accent2>
-        <a:srgbClr val="ff843a"/>
+        <a:srgbClr val="FF843A"/>
       </a:accent2>
       <a:accent3>
-        <a:srgbClr val="b2b2b2"/>
+        <a:srgbClr val="B2B2B2"/>
       </a:accent3>
       <a:accent4>
-        <a:srgbClr val="ffd700"/>
+        <a:srgbClr val="FFD700"/>
       </a:accent4>
       <a:accent5>
-        <a:srgbClr val="289b6e"/>
+        <a:srgbClr val="289B6E"/>
       </a:accent5>
       <a:accent6>
-        <a:srgbClr val="9d5cbb"/>
+        <a:srgbClr val="9D5CBB"/>
       </a:accent6>
       <a:hlink>
-        <a:srgbClr val="4a45ff"/>
+        <a:srgbClr val="4A45FF"/>
       </a:hlink>
       <a:folHlink>
-        <a:srgbClr val="be27bb"/>
+        <a:srgbClr val="BE27BB"/>
       </a:folHlink>
     </a:clrScheme>
     <a:fontScheme name="한컴오피스">
@@ -7985,5 +10536,7 @@
       </a:bgFillStyleLst>
     </a:fmtScheme>
   </a:themeElements>
+  <a:objectDefaults/>
+  <a:extraClrSchemeLst/>
 </a:theme>
 </file>